--- a/PPTs/02 Dependency Injection.pptx
+++ b/PPTs/02 Dependency Injection.pptx
@@ -4604,7 +4604,7 @@
                 <a:cs typeface="Arial" panose="020B0604020202020204" pitchFamily="34" charset="0"/>
               </a:rPr>
             </a:br>
-            <a:br>
+            <a:r>
               <a:rPr lang="en-US" sz="1600" dirty="0">
                 <a:solidFill>
                   <a:srgbClr val="000000"/>
@@ -4613,8 +4613,9 @@
                 <a:ea typeface="Calibri" panose="020F0502020204030204" pitchFamily="34" charset="0"/>
                 <a:cs typeface="Arial" panose="020B0604020202020204" pitchFamily="34" charset="0"/>
               </a:rPr>
-            </a:br>
-            <a:r>
+              <a:t/>
+            </a:r>
+            <a:br>
               <a:rPr lang="en-US" sz="1600" dirty="0">
                 <a:solidFill>
                   <a:srgbClr val="000000"/>
@@ -4623,6 +4624,16 @@
                 <a:ea typeface="Calibri" panose="020F0502020204030204" pitchFamily="34" charset="0"/>
                 <a:cs typeface="Arial" panose="020B0604020202020204" pitchFamily="34" charset="0"/>
               </a:rPr>
+            </a:br>
+            <a:r>
+              <a:rPr lang="en-US" sz="1600" dirty="0">
+                <a:solidFill>
+                  <a:srgbClr val="000000"/>
+                </a:solidFill>
+                <a:latin typeface="Calibri" panose="020F0502020204030204" pitchFamily="34" charset="0"/>
+                <a:ea typeface="Calibri" panose="020F0502020204030204" pitchFamily="34" charset="0"/>
+                <a:cs typeface="Arial" panose="020B0604020202020204" pitchFamily="34" charset="0"/>
+              </a:rPr>
               <a:t>    </a:t>
             </a:r>
             <a:r>
@@ -4678,7 +4689,7 @@
                 <a:cs typeface="Arial" panose="020B0604020202020204" pitchFamily="34" charset="0"/>
               </a:rPr>
             </a:br>
-            <a:br>
+            <a:r>
               <a:rPr lang="en-US" sz="1600" dirty="0">
                 <a:solidFill>
                   <a:srgbClr val="000000"/>
@@ -4687,6 +4698,17 @@
                 <a:ea typeface="Calibri" panose="020F0502020204030204" pitchFamily="34" charset="0"/>
                 <a:cs typeface="Arial" panose="020B0604020202020204" pitchFamily="34" charset="0"/>
               </a:rPr>
+              <a:t/>
+            </a:r>
+            <a:br>
+              <a:rPr lang="en-US" sz="1600" dirty="0">
+                <a:solidFill>
+                  <a:srgbClr val="000000"/>
+                </a:solidFill>
+                <a:latin typeface="Calibri" panose="020F0502020204030204" pitchFamily="34" charset="0"/>
+                <a:ea typeface="Calibri" panose="020F0502020204030204" pitchFamily="34" charset="0"/>
+                <a:cs typeface="Arial" panose="020B0604020202020204" pitchFamily="34" charset="0"/>
+              </a:rPr>
             </a:br>
             <a:r>
               <a:rPr lang="en-US" sz="1600" b="1" dirty="0" err="1">
@@ -4764,7 +4786,7 @@
                 <a:cs typeface="Arial" panose="020B0604020202020204" pitchFamily="34" charset="0"/>
               </a:rPr>
             </a:br>
-            <a:br>
+            <a:r>
               <a:rPr lang="en-US" sz="1600" dirty="0">
                 <a:solidFill>
                   <a:srgbClr val="000000"/>
@@ -4773,6 +4795,17 @@
                 <a:ea typeface="Calibri" panose="020F0502020204030204" pitchFamily="34" charset="0"/>
                 <a:cs typeface="Arial" panose="020B0604020202020204" pitchFamily="34" charset="0"/>
               </a:rPr>
+              <a:t/>
+            </a:r>
+            <a:br>
+              <a:rPr lang="en-US" sz="1600" dirty="0">
+                <a:solidFill>
+                  <a:srgbClr val="000000"/>
+                </a:solidFill>
+                <a:latin typeface="Calibri" panose="020F0502020204030204" pitchFamily="34" charset="0"/>
+                <a:ea typeface="Calibri" panose="020F0502020204030204" pitchFamily="34" charset="0"/>
+                <a:cs typeface="Arial" panose="020B0604020202020204" pitchFamily="34" charset="0"/>
+              </a:rPr>
             </a:br>
             <a:r>
               <a:rPr lang="en-US" sz="1600" b="1" dirty="0" err="1">
@@ -5122,6 +5155,17 @@
                 <a:cs typeface="Arial" panose="020B0604020202020204" pitchFamily="34" charset="0"/>
               </a:rPr>
             </a:br>
+            <a:r>
+              <a:rPr lang="en-US" sz="1600" dirty="0">
+                <a:solidFill>
+                  <a:srgbClr val="000000"/>
+                </a:solidFill>
+                <a:latin typeface="Calibri" panose="020F0502020204030204" pitchFamily="34" charset="0"/>
+                <a:ea typeface="Calibri" panose="020F0502020204030204" pitchFamily="34" charset="0"/>
+                <a:cs typeface="Arial" panose="020B0604020202020204" pitchFamily="34" charset="0"/>
+              </a:rPr>
+              <a:t/>
+            </a:r>
             <a:br>
               <a:rPr lang="en-US" sz="1600" dirty="0">
                 <a:solidFill>
@@ -5320,8 +5364,16 @@
           <a:lstStyle/>
           <a:p>
             <a:r>
+              <a:rPr lang="en-US" dirty="0" err="1" smtClean="0"/>
+              <a:t>useClass</a:t>
+            </a:r>
+            <a:r>
+              <a:rPr lang="en-US" dirty="0" smtClean="0"/>
+              <a:t> </a:t>
+            </a:r>
+            <a:r>
               <a:rPr lang="en-US" dirty="0"/>
-              <a:t>Class Dependencies</a:t>
+              <a:t>Dependencies</a:t>
             </a:r>
             <a:endParaRPr lang="he-IL" dirty="0"/>
           </a:p>
@@ -5398,7 +5450,15 @@
           <a:p>
             <a:r>
               <a:rPr lang="en-US" dirty="0"/>
-              <a:t>JavaScript has no real Reflection capabilities and therefore below sample fails to run</a:t>
+              <a:t>JavaScript has no real Reflection capabilities and therefore below </a:t>
+            </a:r>
+            <a:r>
+              <a:rPr lang="en-US" dirty="0" smtClean="0"/>
+              <a:t>code fails </a:t>
+            </a:r>
+            <a:r>
+              <a:rPr lang="en-US" dirty="0"/>
+              <a:t>to run</a:t>
             </a:r>
             <a:endParaRPr lang="he-IL" dirty="0"/>
           </a:p>
@@ -5413,7 +5473,7 @@
         <p:spPr>
           <a:xfrm>
             <a:off x="2062024" y="2852936"/>
-            <a:ext cx="5254648" cy="3046988"/>
+            <a:ext cx="5254648" cy="3323987"/>
           </a:xfrm>
           <a:prstGeom prst="rect">
             <a:avLst/>
@@ -5426,7 +5486,7 @@
           <a:lstStyle/>
           <a:p>
             <a:r>
-              <a:rPr lang="en-US" sz="1200" b="1" dirty="0">
+              <a:rPr lang="en-US" sz="1400" b="1" dirty="0" smtClean="0">
                 <a:solidFill>
                   <a:srgbClr val="000080"/>
                 </a:solidFill>
@@ -5434,10 +5494,10 @@
                 <a:ea typeface="Calibri" panose="020F0502020204030204" pitchFamily="34" charset="0"/>
                 <a:cs typeface="Courier New" panose="02070309020205020404" pitchFamily="49" charset="0"/>
               </a:rPr>
-              <a:t>import </a:t>
-            </a:r>
-            <a:r>
-              <a:rPr lang="en-US" sz="1200" dirty="0">
+              <a:t>class </a:t>
+            </a:r>
+            <a:r>
+              <a:rPr lang="en-US" sz="1400" dirty="0">
                 <a:solidFill>
                   <a:srgbClr val="000000"/>
                 </a:solidFill>
@@ -5445,10 +5505,10 @@
                 <a:ea typeface="Calibri" panose="020F0502020204030204" pitchFamily="34" charset="0"/>
                 <a:cs typeface="Courier New" panose="02070309020205020404" pitchFamily="49" charset="0"/>
               </a:rPr>
-              <a:t>{</a:t>
-            </a:r>
-            <a:r>
-              <a:rPr lang="en-US" sz="1200" dirty="0" err="1">
+              <a:t>MyClass1 {</a:t>
+            </a:r>
+            <a:br>
+              <a:rPr lang="en-US" sz="1400" dirty="0">
                 <a:solidFill>
                   <a:srgbClr val="000000"/>
                 </a:solidFill>
@@ -5456,10 +5516,9 @@
                 <a:ea typeface="Calibri" panose="020F0502020204030204" pitchFamily="34" charset="0"/>
                 <a:cs typeface="Courier New" panose="02070309020205020404" pitchFamily="49" charset="0"/>
               </a:rPr>
-              <a:t>ReflectiveInjector</a:t>
-            </a:r>
-            <a:r>
-              <a:rPr lang="en-US" sz="1200" dirty="0">
+            </a:br>
+            <a:r>
+              <a:rPr lang="en-US" sz="1400" dirty="0">
                 <a:solidFill>
                   <a:srgbClr val="000000"/>
                 </a:solidFill>
@@ -5467,10 +5526,41 @@
                 <a:ea typeface="Calibri" panose="020F0502020204030204" pitchFamily="34" charset="0"/>
                 <a:cs typeface="Courier New" panose="02070309020205020404" pitchFamily="49" charset="0"/>
               </a:rPr>
-              <a:t>} </a:t>
-            </a:r>
-            <a:r>
-              <a:rPr lang="en-US" sz="1200" b="1" dirty="0">
+              <a:t>}</a:t>
+            </a:r>
+            <a:br>
+              <a:rPr lang="en-US" sz="1400" dirty="0">
+                <a:solidFill>
+                  <a:srgbClr val="000000"/>
+                </a:solidFill>
+                <a:latin typeface="Courier New" panose="02070309020205020404" pitchFamily="49" charset="0"/>
+                <a:ea typeface="Calibri" panose="020F0502020204030204" pitchFamily="34" charset="0"/>
+                <a:cs typeface="Courier New" panose="02070309020205020404" pitchFamily="49" charset="0"/>
+              </a:rPr>
+            </a:br>
+            <a:r>
+              <a:rPr lang="en-US" sz="1400" dirty="0">
+                <a:solidFill>
+                  <a:srgbClr val="000000"/>
+                </a:solidFill>
+                <a:latin typeface="Courier New" panose="02070309020205020404" pitchFamily="49" charset="0"/>
+                <a:ea typeface="Calibri" panose="020F0502020204030204" pitchFamily="34" charset="0"/>
+                <a:cs typeface="Courier New" panose="02070309020205020404" pitchFamily="49" charset="0"/>
+              </a:rPr>
+              <a:t/>
+            </a:r>
+            <a:br>
+              <a:rPr lang="en-US" sz="1400" dirty="0">
+                <a:solidFill>
+                  <a:srgbClr val="000000"/>
+                </a:solidFill>
+                <a:latin typeface="Courier New" panose="02070309020205020404" pitchFamily="49" charset="0"/>
+                <a:ea typeface="Calibri" panose="020F0502020204030204" pitchFamily="34" charset="0"/>
+                <a:cs typeface="Courier New" panose="02070309020205020404" pitchFamily="49" charset="0"/>
+              </a:rPr>
+            </a:br>
+            <a:r>
+              <a:rPr lang="en-US" sz="1400" b="1" dirty="0">
                 <a:solidFill>
                   <a:srgbClr val="000080"/>
                 </a:solidFill>
@@ -5478,21 +5568,21 @@
                 <a:ea typeface="Calibri" panose="020F0502020204030204" pitchFamily="34" charset="0"/>
                 <a:cs typeface="Courier New" panose="02070309020205020404" pitchFamily="49" charset="0"/>
               </a:rPr>
-              <a:t>from </a:t>
-            </a:r>
-            <a:r>
-              <a:rPr lang="en-US" sz="1200" b="1" dirty="0">
-                <a:solidFill>
-                  <a:srgbClr val="008000"/>
+              <a:t>class </a:t>
+            </a:r>
+            <a:r>
+              <a:rPr lang="en-US" sz="1400" dirty="0">
+                <a:solidFill>
+                  <a:srgbClr val="000000"/>
                 </a:solidFill>
                 <a:latin typeface="Courier New" panose="02070309020205020404" pitchFamily="49" charset="0"/>
                 <a:ea typeface="Calibri" panose="020F0502020204030204" pitchFamily="34" charset="0"/>
                 <a:cs typeface="Courier New" panose="02070309020205020404" pitchFamily="49" charset="0"/>
               </a:rPr>
-              <a:t>"@angular/core"</a:t>
-            </a:r>
-            <a:r>
-              <a:rPr lang="en-US" sz="1200" dirty="0">
+              <a:t>MyClass2 {</a:t>
+            </a:r>
+            <a:br>
+              <a:rPr lang="en-US" sz="1400" dirty="0">
                 <a:solidFill>
                   <a:srgbClr val="000000"/>
                 </a:solidFill>
@@ -5500,10 +5590,9 @@
                 <a:ea typeface="Calibri" panose="020F0502020204030204" pitchFamily="34" charset="0"/>
                 <a:cs typeface="Courier New" panose="02070309020205020404" pitchFamily="49" charset="0"/>
               </a:rPr>
-              <a:t>;</a:t>
-            </a:r>
-            <a:br>
-              <a:rPr lang="en-US" sz="1200" dirty="0">
+            </a:br>
+            <a:r>
+              <a:rPr lang="en-US" sz="1400" dirty="0">
                 <a:solidFill>
                   <a:srgbClr val="000000"/>
                 </a:solidFill>
@@ -5511,19 +5600,105 @@
                 <a:ea typeface="Calibri" panose="020F0502020204030204" pitchFamily="34" charset="0"/>
                 <a:cs typeface="Courier New" panose="02070309020205020404" pitchFamily="49" charset="0"/>
               </a:rPr>
-            </a:br>
-            <a:br>
-              <a:rPr lang="en-US" sz="1200" dirty="0">
-                <a:solidFill>
-                  <a:srgbClr val="000000"/>
+              <a:t>    </a:t>
+            </a:r>
+            <a:r>
+              <a:rPr lang="en-US" sz="1400" b="1" dirty="0">
+                <a:solidFill>
+                  <a:srgbClr val="000080"/>
                 </a:solidFill>
                 <a:latin typeface="Courier New" panose="02070309020205020404" pitchFamily="49" charset="0"/>
                 <a:ea typeface="Calibri" panose="020F0502020204030204" pitchFamily="34" charset="0"/>
                 <a:cs typeface="Courier New" panose="02070309020205020404" pitchFamily="49" charset="0"/>
               </a:rPr>
-            </a:br>
-            <a:r>
-              <a:rPr lang="en-US" sz="1200" b="1" dirty="0">
+              <a:t>constructor</a:t>
+            </a:r>
+            <a:r>
+              <a:rPr lang="en-US" sz="1400" dirty="0">
+                <a:solidFill>
+                  <a:srgbClr val="000000"/>
+                </a:solidFill>
+                <a:latin typeface="Courier New" panose="02070309020205020404" pitchFamily="49" charset="0"/>
+                <a:ea typeface="Calibri" panose="020F0502020204030204" pitchFamily="34" charset="0"/>
+                <a:cs typeface="Courier New" panose="02070309020205020404" pitchFamily="49" charset="0"/>
+              </a:rPr>
+              <a:t>(obj1: MyClass1) {</a:t>
+            </a:r>
+            <a:br>
+              <a:rPr lang="en-US" sz="1400" dirty="0">
+                <a:solidFill>
+                  <a:srgbClr val="000000"/>
+                </a:solidFill>
+                <a:latin typeface="Courier New" panose="02070309020205020404" pitchFamily="49" charset="0"/>
+                <a:ea typeface="Calibri" panose="020F0502020204030204" pitchFamily="34" charset="0"/>
+                <a:cs typeface="Courier New" panose="02070309020205020404" pitchFamily="49" charset="0"/>
+              </a:rPr>
+            </a:br>
+            <a:r>
+              <a:rPr lang="en-US" sz="1400" dirty="0">
+                <a:solidFill>
+                  <a:srgbClr val="000000"/>
+                </a:solidFill>
+                <a:latin typeface="Courier New" panose="02070309020205020404" pitchFamily="49" charset="0"/>
+                <a:ea typeface="Calibri" panose="020F0502020204030204" pitchFamily="34" charset="0"/>
+                <a:cs typeface="Courier New" panose="02070309020205020404" pitchFamily="49" charset="0"/>
+              </a:rPr>
+              <a:t>    }</a:t>
+            </a:r>
+            <a:br>
+              <a:rPr lang="en-US" sz="1400" dirty="0">
+                <a:solidFill>
+                  <a:srgbClr val="000000"/>
+                </a:solidFill>
+                <a:latin typeface="Courier New" panose="02070309020205020404" pitchFamily="49" charset="0"/>
+                <a:ea typeface="Calibri" panose="020F0502020204030204" pitchFamily="34" charset="0"/>
+                <a:cs typeface="Courier New" panose="02070309020205020404" pitchFamily="49" charset="0"/>
+              </a:rPr>
+            </a:br>
+            <a:r>
+              <a:rPr lang="en-US" sz="1400" dirty="0">
+                <a:solidFill>
+                  <a:srgbClr val="000000"/>
+                </a:solidFill>
+                <a:latin typeface="Courier New" panose="02070309020205020404" pitchFamily="49" charset="0"/>
+                <a:ea typeface="Calibri" panose="020F0502020204030204" pitchFamily="34" charset="0"/>
+                <a:cs typeface="Courier New" panose="02070309020205020404" pitchFamily="49" charset="0"/>
+              </a:rPr>
+              <a:t>}</a:t>
+            </a:r>
+            <a:br>
+              <a:rPr lang="en-US" sz="1400" dirty="0">
+                <a:solidFill>
+                  <a:srgbClr val="000000"/>
+                </a:solidFill>
+                <a:latin typeface="Courier New" panose="02070309020205020404" pitchFamily="49" charset="0"/>
+                <a:ea typeface="Calibri" panose="020F0502020204030204" pitchFamily="34" charset="0"/>
+                <a:cs typeface="Courier New" panose="02070309020205020404" pitchFamily="49" charset="0"/>
+              </a:rPr>
+            </a:br>
+            <a:r>
+              <a:rPr lang="en-US" sz="1400" dirty="0">
+                <a:solidFill>
+                  <a:srgbClr val="000000"/>
+                </a:solidFill>
+                <a:latin typeface="Courier New" panose="02070309020205020404" pitchFamily="49" charset="0"/>
+                <a:ea typeface="Calibri" panose="020F0502020204030204" pitchFamily="34" charset="0"/>
+                <a:cs typeface="Courier New" panose="02070309020205020404" pitchFamily="49" charset="0"/>
+              </a:rPr>
+              <a:t/>
+            </a:r>
+            <a:br>
+              <a:rPr lang="en-US" sz="1400" dirty="0">
+                <a:solidFill>
+                  <a:srgbClr val="000000"/>
+                </a:solidFill>
+                <a:latin typeface="Courier New" panose="02070309020205020404" pitchFamily="49" charset="0"/>
+                <a:ea typeface="Calibri" panose="020F0502020204030204" pitchFamily="34" charset="0"/>
+                <a:cs typeface="Courier New" panose="02070309020205020404" pitchFamily="49" charset="0"/>
+              </a:rPr>
+            </a:br>
+            <a:r>
+              <a:rPr lang="en-US" sz="1400" b="1" dirty="0" err="1">
                 <a:solidFill>
                   <a:srgbClr val="000080"/>
                 </a:solidFill>
@@ -5531,31 +5706,32 @@
                 <a:ea typeface="Calibri" panose="020F0502020204030204" pitchFamily="34" charset="0"/>
                 <a:cs typeface="Courier New" panose="02070309020205020404" pitchFamily="49" charset="0"/>
               </a:rPr>
-              <a:t>class </a:t>
-            </a:r>
-            <a:r>
-              <a:rPr lang="en-US" sz="1200" dirty="0">
-                <a:solidFill>
-                  <a:srgbClr val="000000"/>
+              <a:t>const</a:t>
+            </a:r>
+            <a:r>
+              <a:rPr lang="en-US" sz="1400" b="1" dirty="0">
+                <a:solidFill>
+                  <a:srgbClr val="000080"/>
                 </a:solidFill>
                 <a:latin typeface="Courier New" panose="02070309020205020404" pitchFamily="49" charset="0"/>
                 <a:ea typeface="Calibri" panose="020F0502020204030204" pitchFamily="34" charset="0"/>
                 <a:cs typeface="Courier New" panose="02070309020205020404" pitchFamily="49" charset="0"/>
               </a:rPr>
-              <a:t>MyClass1 {</a:t>
-            </a:r>
-            <a:br>
-              <a:rPr lang="en-US" sz="1200" dirty="0">
-                <a:solidFill>
-                  <a:srgbClr val="000000"/>
+              <a:t> </a:t>
+            </a:r>
+            <a:r>
+              <a:rPr lang="en-US" sz="1400" dirty="0">
+                <a:solidFill>
+                  <a:srgbClr val="458383"/>
                 </a:solidFill>
                 <a:latin typeface="Courier New" panose="02070309020205020404" pitchFamily="49" charset="0"/>
                 <a:ea typeface="Calibri" panose="020F0502020204030204" pitchFamily="34" charset="0"/>
                 <a:cs typeface="Courier New" panose="02070309020205020404" pitchFamily="49" charset="0"/>
               </a:rPr>
-            </a:br>
-            <a:r>
-              <a:rPr lang="en-US" sz="1200" dirty="0">
+              <a:t>injector </a:t>
+            </a:r>
+            <a:r>
+              <a:rPr lang="en-US" sz="1400" dirty="0">
                 <a:solidFill>
                   <a:srgbClr val="000000"/>
                 </a:solidFill>
@@ -5563,10 +5739,10 @@
                 <a:ea typeface="Calibri" panose="020F0502020204030204" pitchFamily="34" charset="0"/>
                 <a:cs typeface="Courier New" panose="02070309020205020404" pitchFamily="49" charset="0"/>
               </a:rPr>
-              <a:t>}</a:t>
-            </a:r>
-            <a:br>
-              <a:rPr lang="en-US" sz="1200" dirty="0">
+              <a:t>= </a:t>
+            </a:r>
+            <a:r>
+              <a:rPr lang="en-US" sz="1400" dirty="0" err="1">
                 <a:solidFill>
                   <a:srgbClr val="000000"/>
                 </a:solidFill>
@@ -5574,9 +5750,10 @@
                 <a:ea typeface="Calibri" panose="020F0502020204030204" pitchFamily="34" charset="0"/>
                 <a:cs typeface="Courier New" panose="02070309020205020404" pitchFamily="49" charset="0"/>
               </a:rPr>
-            </a:br>
-            <a:br>
-              <a:rPr lang="en-US" sz="1200" dirty="0">
+              <a:t>ReflectiveInjector.</a:t>
+            </a:r>
+            <a:r>
+              <a:rPr lang="en-US" sz="1400" i="1" dirty="0" err="1">
                 <a:solidFill>
                   <a:srgbClr val="000000"/>
                 </a:solidFill>
@@ -5584,9 +5761,115 @@
                 <a:ea typeface="Calibri" panose="020F0502020204030204" pitchFamily="34" charset="0"/>
                 <a:cs typeface="Courier New" panose="02070309020205020404" pitchFamily="49" charset="0"/>
               </a:rPr>
-            </a:br>
-            <a:r>
-              <a:rPr lang="en-US" sz="1200" b="1" dirty="0">
+              <a:t>resolveAndCreate</a:t>
+            </a:r>
+            <a:r>
+              <a:rPr lang="en-US" sz="1400" dirty="0">
+                <a:solidFill>
+                  <a:srgbClr val="000000"/>
+                </a:solidFill>
+                <a:latin typeface="Courier New" panose="02070309020205020404" pitchFamily="49" charset="0"/>
+                <a:ea typeface="Calibri" panose="020F0502020204030204" pitchFamily="34" charset="0"/>
+                <a:cs typeface="Courier New" panose="02070309020205020404" pitchFamily="49" charset="0"/>
+              </a:rPr>
+              <a:t>([</a:t>
+            </a:r>
+            <a:br>
+              <a:rPr lang="en-US" sz="1400" dirty="0">
+                <a:solidFill>
+                  <a:srgbClr val="000000"/>
+                </a:solidFill>
+                <a:latin typeface="Courier New" panose="02070309020205020404" pitchFamily="49" charset="0"/>
+                <a:ea typeface="Calibri" panose="020F0502020204030204" pitchFamily="34" charset="0"/>
+                <a:cs typeface="Courier New" panose="02070309020205020404" pitchFamily="49" charset="0"/>
+              </a:rPr>
+            </a:br>
+            <a:r>
+              <a:rPr lang="en-US" sz="1400" dirty="0">
+                <a:solidFill>
+                  <a:srgbClr val="000000"/>
+                </a:solidFill>
+                <a:latin typeface="Courier New" panose="02070309020205020404" pitchFamily="49" charset="0"/>
+                <a:ea typeface="Calibri" panose="020F0502020204030204" pitchFamily="34" charset="0"/>
+                <a:cs typeface="Courier New" panose="02070309020205020404" pitchFamily="49" charset="0"/>
+              </a:rPr>
+              <a:t>    MyClass1,</a:t>
+            </a:r>
+            <a:br>
+              <a:rPr lang="en-US" sz="1400" dirty="0">
+                <a:solidFill>
+                  <a:srgbClr val="000000"/>
+                </a:solidFill>
+                <a:latin typeface="Courier New" panose="02070309020205020404" pitchFamily="49" charset="0"/>
+                <a:ea typeface="Calibri" panose="020F0502020204030204" pitchFamily="34" charset="0"/>
+                <a:cs typeface="Courier New" panose="02070309020205020404" pitchFamily="49" charset="0"/>
+              </a:rPr>
+            </a:br>
+            <a:r>
+              <a:rPr lang="en-US" sz="1400" dirty="0">
+                <a:solidFill>
+                  <a:srgbClr val="000000"/>
+                </a:solidFill>
+                <a:latin typeface="Courier New" panose="02070309020205020404" pitchFamily="49" charset="0"/>
+                <a:ea typeface="Calibri" panose="020F0502020204030204" pitchFamily="34" charset="0"/>
+                <a:cs typeface="Courier New" panose="02070309020205020404" pitchFamily="49" charset="0"/>
+              </a:rPr>
+              <a:t>    MyClass2</a:t>
+            </a:r>
+            <a:br>
+              <a:rPr lang="en-US" sz="1400" dirty="0">
+                <a:solidFill>
+                  <a:srgbClr val="000000"/>
+                </a:solidFill>
+                <a:latin typeface="Courier New" panose="02070309020205020404" pitchFamily="49" charset="0"/>
+                <a:ea typeface="Calibri" panose="020F0502020204030204" pitchFamily="34" charset="0"/>
+                <a:cs typeface="Courier New" panose="02070309020205020404" pitchFamily="49" charset="0"/>
+              </a:rPr>
+            </a:br>
+            <a:r>
+              <a:rPr lang="en-US" sz="1400" dirty="0">
+                <a:solidFill>
+                  <a:srgbClr val="000000"/>
+                </a:solidFill>
+                <a:latin typeface="Courier New" panose="02070309020205020404" pitchFamily="49" charset="0"/>
+                <a:ea typeface="Calibri" panose="020F0502020204030204" pitchFamily="34" charset="0"/>
+                <a:cs typeface="Courier New" panose="02070309020205020404" pitchFamily="49" charset="0"/>
+              </a:rPr>
+              <a:t>]);</a:t>
+            </a:r>
+            <a:br>
+              <a:rPr lang="en-US" sz="1400" dirty="0">
+                <a:solidFill>
+                  <a:srgbClr val="000000"/>
+                </a:solidFill>
+                <a:latin typeface="Courier New" panose="02070309020205020404" pitchFamily="49" charset="0"/>
+                <a:ea typeface="Calibri" panose="020F0502020204030204" pitchFamily="34" charset="0"/>
+                <a:cs typeface="Courier New" panose="02070309020205020404" pitchFamily="49" charset="0"/>
+              </a:rPr>
+            </a:br>
+            <a:r>
+              <a:rPr lang="en-US" sz="1400" dirty="0">
+                <a:solidFill>
+                  <a:srgbClr val="000000"/>
+                </a:solidFill>
+                <a:latin typeface="Courier New" panose="02070309020205020404" pitchFamily="49" charset="0"/>
+                <a:ea typeface="Calibri" panose="020F0502020204030204" pitchFamily="34" charset="0"/>
+                <a:cs typeface="Courier New" panose="02070309020205020404" pitchFamily="49" charset="0"/>
+              </a:rPr>
+              <a:t/>
+            </a:r>
+            <a:br>
+              <a:rPr lang="en-US" sz="1400" dirty="0">
+                <a:solidFill>
+                  <a:srgbClr val="000000"/>
+                </a:solidFill>
+                <a:latin typeface="Courier New" panose="02070309020205020404" pitchFamily="49" charset="0"/>
+                <a:ea typeface="Calibri" panose="020F0502020204030204" pitchFamily="34" charset="0"/>
+                <a:cs typeface="Courier New" panose="02070309020205020404" pitchFamily="49" charset="0"/>
+              </a:rPr>
+            </a:br>
+            <a:r>
+              <a:rPr lang="en-US" sz="1400" b="1" dirty="0" err="1">
                 <a:solidFill>
                   <a:srgbClr val="000080"/>
                 </a:solidFill>
@@ -5594,64 +5877,65 @@
                 <a:ea typeface="Calibri" panose="020F0502020204030204" pitchFamily="34" charset="0"/>
                 <a:cs typeface="Courier New" panose="02070309020205020404" pitchFamily="49" charset="0"/>
               </a:rPr>
-              <a:t>class </a:t>
-            </a:r>
-            <a:r>
-              <a:rPr lang="en-US" sz="1200" dirty="0">
-                <a:solidFill>
-                  <a:srgbClr val="000000"/>
+              <a:t>const</a:t>
+            </a:r>
+            <a:r>
+              <a:rPr lang="en-US" sz="1400" b="1" dirty="0">
+                <a:solidFill>
+                  <a:srgbClr val="000080"/>
                 </a:solidFill>
                 <a:latin typeface="Courier New" panose="02070309020205020404" pitchFamily="49" charset="0"/>
                 <a:ea typeface="Calibri" panose="020F0502020204030204" pitchFamily="34" charset="0"/>
                 <a:cs typeface="Courier New" panose="02070309020205020404" pitchFamily="49" charset="0"/>
               </a:rPr>
-              <a:t>MyClass2 {</a:t>
-            </a:r>
-            <a:br>
-              <a:rPr lang="en-US" sz="1200" dirty="0">
-                <a:solidFill>
-                  <a:srgbClr val="000000"/>
+              <a:t> </a:t>
+            </a:r>
+            <a:r>
+              <a:rPr lang="en-US" sz="1400" dirty="0" err="1">
+                <a:solidFill>
+                  <a:srgbClr val="458383"/>
                 </a:solidFill>
                 <a:latin typeface="Courier New" panose="02070309020205020404" pitchFamily="49" charset="0"/>
                 <a:ea typeface="Calibri" panose="020F0502020204030204" pitchFamily="34" charset="0"/>
                 <a:cs typeface="Courier New" panose="02070309020205020404" pitchFamily="49" charset="0"/>
               </a:rPr>
-            </a:br>
-            <a:r>
-              <a:rPr lang="en-US" sz="1200" dirty="0">
-                <a:solidFill>
-                  <a:srgbClr val="000000"/>
+              <a:t>obj</a:t>
+            </a:r>
+            <a:r>
+              <a:rPr lang="en-US" sz="1400" dirty="0">
+                <a:solidFill>
+                  <a:srgbClr val="458383"/>
                 </a:solidFill>
                 <a:latin typeface="Courier New" panose="02070309020205020404" pitchFamily="49" charset="0"/>
                 <a:ea typeface="Calibri" panose="020F0502020204030204" pitchFamily="34" charset="0"/>
                 <a:cs typeface="Courier New" panose="02070309020205020404" pitchFamily="49" charset="0"/>
               </a:rPr>
-              <a:t>    </a:t>
-            </a:r>
-            <a:r>
-              <a:rPr lang="en-US" sz="1200" b="1" dirty="0">
-                <a:solidFill>
-                  <a:srgbClr val="000080"/>
+              <a:t> </a:t>
+            </a:r>
+            <a:r>
+              <a:rPr lang="en-US" sz="1400" dirty="0">
+                <a:solidFill>
+                  <a:srgbClr val="000000"/>
                 </a:solidFill>
                 <a:latin typeface="Courier New" panose="02070309020205020404" pitchFamily="49" charset="0"/>
                 <a:ea typeface="Calibri" panose="020F0502020204030204" pitchFamily="34" charset="0"/>
                 <a:cs typeface="Courier New" panose="02070309020205020404" pitchFamily="49" charset="0"/>
               </a:rPr>
-              <a:t>constructor</a:t>
-            </a:r>
-            <a:r>
-              <a:rPr lang="en-US" sz="1200" dirty="0">
-                <a:solidFill>
-                  <a:srgbClr val="000000"/>
+              <a:t>= </a:t>
+            </a:r>
+            <a:r>
+              <a:rPr lang="en-US" sz="1400" dirty="0" err="1">
+                <a:solidFill>
+                  <a:srgbClr val="458383"/>
                 </a:solidFill>
                 <a:latin typeface="Courier New" panose="02070309020205020404" pitchFamily="49" charset="0"/>
                 <a:ea typeface="Calibri" panose="020F0502020204030204" pitchFamily="34" charset="0"/>
                 <a:cs typeface="Courier New" panose="02070309020205020404" pitchFamily="49" charset="0"/>
               </a:rPr>
-              <a:t>(obj1: MyClass1) {</a:t>
-            </a:r>
-            <a:br>
-              <a:rPr lang="en-US" sz="1200" dirty="0">
+              <a:t>injector</a:t>
+            </a:r>
+            <a:r>
+              <a:rPr lang="en-US" sz="1400" dirty="0" err="1">
                 <a:solidFill>
                   <a:srgbClr val="000000"/>
                 </a:solidFill>
@@ -5659,20 +5943,21 @@
                 <a:ea typeface="Calibri" panose="020F0502020204030204" pitchFamily="34" charset="0"/>
                 <a:cs typeface="Courier New" panose="02070309020205020404" pitchFamily="49" charset="0"/>
               </a:rPr>
-            </a:br>
-            <a:r>
-              <a:rPr lang="en-US" sz="1200" dirty="0">
-                <a:solidFill>
-                  <a:srgbClr val="000000"/>
+              <a:t>.</a:t>
+            </a:r>
+            <a:r>
+              <a:rPr lang="en-US" sz="1400" dirty="0" err="1">
+                <a:solidFill>
+                  <a:srgbClr val="7A7A43"/>
                 </a:solidFill>
                 <a:latin typeface="Courier New" panose="02070309020205020404" pitchFamily="49" charset="0"/>
                 <a:ea typeface="Calibri" panose="020F0502020204030204" pitchFamily="34" charset="0"/>
                 <a:cs typeface="Courier New" panose="02070309020205020404" pitchFamily="49" charset="0"/>
               </a:rPr>
-              <a:t>    }</a:t>
-            </a:r>
-            <a:br>
-              <a:rPr lang="en-US" sz="1200" dirty="0">
+              <a:t>get</a:t>
+            </a:r>
+            <a:r>
+              <a:rPr lang="en-US" sz="1400" dirty="0">
                 <a:solidFill>
                   <a:srgbClr val="000000"/>
                 </a:solidFill>
@@ -5680,298 +5965,9 @@
                 <a:ea typeface="Calibri" panose="020F0502020204030204" pitchFamily="34" charset="0"/>
                 <a:cs typeface="Courier New" panose="02070309020205020404" pitchFamily="49" charset="0"/>
               </a:rPr>
-            </a:br>
-            <a:r>
-              <a:rPr lang="en-US" sz="1200" dirty="0">
-                <a:solidFill>
-                  <a:srgbClr val="000000"/>
-                </a:solidFill>
-                <a:latin typeface="Courier New" panose="02070309020205020404" pitchFamily="49" charset="0"/>
-                <a:ea typeface="Calibri" panose="020F0502020204030204" pitchFamily="34" charset="0"/>
-                <a:cs typeface="Courier New" panose="02070309020205020404" pitchFamily="49" charset="0"/>
-              </a:rPr>
-              <a:t>}</a:t>
-            </a:r>
-            <a:br>
-              <a:rPr lang="en-US" sz="1200" dirty="0">
-                <a:solidFill>
-                  <a:srgbClr val="000000"/>
-                </a:solidFill>
-                <a:latin typeface="Courier New" panose="02070309020205020404" pitchFamily="49" charset="0"/>
-                <a:ea typeface="Calibri" panose="020F0502020204030204" pitchFamily="34" charset="0"/>
-                <a:cs typeface="Courier New" panose="02070309020205020404" pitchFamily="49" charset="0"/>
-              </a:rPr>
-            </a:br>
-            <a:br>
-              <a:rPr lang="en-US" sz="1200" dirty="0">
-                <a:solidFill>
-                  <a:srgbClr val="000000"/>
-                </a:solidFill>
-                <a:latin typeface="Courier New" panose="02070309020205020404" pitchFamily="49" charset="0"/>
-                <a:ea typeface="Calibri" panose="020F0502020204030204" pitchFamily="34" charset="0"/>
-                <a:cs typeface="Courier New" panose="02070309020205020404" pitchFamily="49" charset="0"/>
-              </a:rPr>
-            </a:br>
-            <a:r>
-              <a:rPr lang="en-US" sz="1200" b="1" dirty="0" err="1">
-                <a:solidFill>
-                  <a:srgbClr val="000080"/>
-                </a:solidFill>
-                <a:latin typeface="Courier New" panose="02070309020205020404" pitchFamily="49" charset="0"/>
-                <a:ea typeface="Calibri" panose="020F0502020204030204" pitchFamily="34" charset="0"/>
-                <a:cs typeface="Courier New" panose="02070309020205020404" pitchFamily="49" charset="0"/>
-              </a:rPr>
-              <a:t>const</a:t>
-            </a:r>
-            <a:r>
-              <a:rPr lang="en-US" sz="1200" b="1" dirty="0">
-                <a:solidFill>
-                  <a:srgbClr val="000080"/>
-                </a:solidFill>
-                <a:latin typeface="Courier New" panose="02070309020205020404" pitchFamily="49" charset="0"/>
-                <a:ea typeface="Calibri" panose="020F0502020204030204" pitchFamily="34" charset="0"/>
-                <a:cs typeface="Courier New" panose="02070309020205020404" pitchFamily="49" charset="0"/>
-              </a:rPr>
-              <a:t> </a:t>
-            </a:r>
-            <a:r>
-              <a:rPr lang="en-US" sz="1200" dirty="0">
-                <a:solidFill>
-                  <a:srgbClr val="458383"/>
-                </a:solidFill>
-                <a:latin typeface="Courier New" panose="02070309020205020404" pitchFamily="49" charset="0"/>
-                <a:ea typeface="Calibri" panose="020F0502020204030204" pitchFamily="34" charset="0"/>
-                <a:cs typeface="Courier New" panose="02070309020205020404" pitchFamily="49" charset="0"/>
-              </a:rPr>
-              <a:t>injector </a:t>
-            </a:r>
-            <a:r>
-              <a:rPr lang="en-US" sz="1200" dirty="0">
-                <a:solidFill>
-                  <a:srgbClr val="000000"/>
-                </a:solidFill>
-                <a:latin typeface="Courier New" panose="02070309020205020404" pitchFamily="49" charset="0"/>
-                <a:ea typeface="Calibri" panose="020F0502020204030204" pitchFamily="34" charset="0"/>
-                <a:cs typeface="Courier New" panose="02070309020205020404" pitchFamily="49" charset="0"/>
-              </a:rPr>
-              <a:t>= </a:t>
-            </a:r>
-            <a:r>
-              <a:rPr lang="en-US" sz="1200" dirty="0" err="1">
-                <a:solidFill>
-                  <a:srgbClr val="000000"/>
-                </a:solidFill>
-                <a:latin typeface="Courier New" panose="02070309020205020404" pitchFamily="49" charset="0"/>
-                <a:ea typeface="Calibri" panose="020F0502020204030204" pitchFamily="34" charset="0"/>
-                <a:cs typeface="Courier New" panose="02070309020205020404" pitchFamily="49" charset="0"/>
-              </a:rPr>
-              <a:t>ReflectiveInjector.</a:t>
-            </a:r>
-            <a:r>
-              <a:rPr lang="en-US" sz="1200" i="1" dirty="0" err="1">
-                <a:solidFill>
-                  <a:srgbClr val="000000"/>
-                </a:solidFill>
-                <a:latin typeface="Courier New" panose="02070309020205020404" pitchFamily="49" charset="0"/>
-                <a:ea typeface="Calibri" panose="020F0502020204030204" pitchFamily="34" charset="0"/>
-                <a:cs typeface="Courier New" panose="02070309020205020404" pitchFamily="49" charset="0"/>
-              </a:rPr>
-              <a:t>resolveAndCreate</a:t>
-            </a:r>
-            <a:r>
-              <a:rPr lang="en-US" sz="1200" dirty="0">
-                <a:solidFill>
-                  <a:srgbClr val="000000"/>
-                </a:solidFill>
-                <a:latin typeface="Courier New" panose="02070309020205020404" pitchFamily="49" charset="0"/>
-                <a:ea typeface="Calibri" panose="020F0502020204030204" pitchFamily="34" charset="0"/>
-                <a:cs typeface="Courier New" panose="02070309020205020404" pitchFamily="49" charset="0"/>
-              </a:rPr>
-              <a:t>([</a:t>
-            </a:r>
-            <a:br>
-              <a:rPr lang="en-US" sz="1200" dirty="0">
-                <a:solidFill>
-                  <a:srgbClr val="000000"/>
-                </a:solidFill>
-                <a:latin typeface="Courier New" panose="02070309020205020404" pitchFamily="49" charset="0"/>
-                <a:ea typeface="Calibri" panose="020F0502020204030204" pitchFamily="34" charset="0"/>
-                <a:cs typeface="Courier New" panose="02070309020205020404" pitchFamily="49" charset="0"/>
-              </a:rPr>
-            </a:br>
-            <a:r>
-              <a:rPr lang="en-US" sz="1200" dirty="0">
-                <a:solidFill>
-                  <a:srgbClr val="000000"/>
-                </a:solidFill>
-                <a:latin typeface="Courier New" panose="02070309020205020404" pitchFamily="49" charset="0"/>
-                <a:ea typeface="Calibri" panose="020F0502020204030204" pitchFamily="34" charset="0"/>
-                <a:cs typeface="Courier New" panose="02070309020205020404" pitchFamily="49" charset="0"/>
-              </a:rPr>
-              <a:t>    MyClass1,</a:t>
-            </a:r>
-            <a:br>
-              <a:rPr lang="en-US" sz="1200" dirty="0">
-                <a:solidFill>
-                  <a:srgbClr val="000000"/>
-                </a:solidFill>
-                <a:latin typeface="Courier New" panose="02070309020205020404" pitchFamily="49" charset="0"/>
-                <a:ea typeface="Calibri" panose="020F0502020204030204" pitchFamily="34" charset="0"/>
-                <a:cs typeface="Courier New" panose="02070309020205020404" pitchFamily="49" charset="0"/>
-              </a:rPr>
-            </a:br>
-            <a:r>
-              <a:rPr lang="en-US" sz="1200" dirty="0">
-                <a:solidFill>
-                  <a:srgbClr val="000000"/>
-                </a:solidFill>
-                <a:latin typeface="Courier New" panose="02070309020205020404" pitchFamily="49" charset="0"/>
-                <a:ea typeface="Calibri" panose="020F0502020204030204" pitchFamily="34" charset="0"/>
-                <a:cs typeface="Courier New" panose="02070309020205020404" pitchFamily="49" charset="0"/>
-              </a:rPr>
-              <a:t>    MyClass2</a:t>
-            </a:r>
-            <a:br>
-              <a:rPr lang="en-US" sz="1200" dirty="0">
-                <a:solidFill>
-                  <a:srgbClr val="000000"/>
-                </a:solidFill>
-                <a:latin typeface="Courier New" panose="02070309020205020404" pitchFamily="49" charset="0"/>
-                <a:ea typeface="Calibri" panose="020F0502020204030204" pitchFamily="34" charset="0"/>
-                <a:cs typeface="Courier New" panose="02070309020205020404" pitchFamily="49" charset="0"/>
-              </a:rPr>
-            </a:br>
-            <a:r>
-              <a:rPr lang="en-US" sz="1200" dirty="0">
-                <a:solidFill>
-                  <a:srgbClr val="000000"/>
-                </a:solidFill>
-                <a:latin typeface="Courier New" panose="02070309020205020404" pitchFamily="49" charset="0"/>
-                <a:ea typeface="Calibri" panose="020F0502020204030204" pitchFamily="34" charset="0"/>
-                <a:cs typeface="Courier New" panose="02070309020205020404" pitchFamily="49" charset="0"/>
-              </a:rPr>
-              <a:t>]);</a:t>
-            </a:r>
-            <a:br>
-              <a:rPr lang="en-US" sz="1200" dirty="0">
-                <a:solidFill>
-                  <a:srgbClr val="000000"/>
-                </a:solidFill>
-                <a:latin typeface="Courier New" panose="02070309020205020404" pitchFamily="49" charset="0"/>
-                <a:ea typeface="Calibri" panose="020F0502020204030204" pitchFamily="34" charset="0"/>
-                <a:cs typeface="Courier New" panose="02070309020205020404" pitchFamily="49" charset="0"/>
-              </a:rPr>
-            </a:br>
-            <a:br>
-              <a:rPr lang="en-US" sz="1200" dirty="0">
-                <a:solidFill>
-                  <a:srgbClr val="000000"/>
-                </a:solidFill>
-                <a:latin typeface="Courier New" panose="02070309020205020404" pitchFamily="49" charset="0"/>
-                <a:ea typeface="Calibri" panose="020F0502020204030204" pitchFamily="34" charset="0"/>
-                <a:cs typeface="Courier New" panose="02070309020205020404" pitchFamily="49" charset="0"/>
-              </a:rPr>
-            </a:br>
-            <a:r>
-              <a:rPr lang="en-US" sz="1200" b="1" dirty="0" err="1">
-                <a:solidFill>
-                  <a:srgbClr val="000080"/>
-                </a:solidFill>
-                <a:latin typeface="Courier New" panose="02070309020205020404" pitchFamily="49" charset="0"/>
-                <a:ea typeface="Calibri" panose="020F0502020204030204" pitchFamily="34" charset="0"/>
-                <a:cs typeface="Courier New" panose="02070309020205020404" pitchFamily="49" charset="0"/>
-              </a:rPr>
-              <a:t>const</a:t>
-            </a:r>
-            <a:r>
-              <a:rPr lang="en-US" sz="1200" b="1" dirty="0">
-                <a:solidFill>
-                  <a:srgbClr val="000080"/>
-                </a:solidFill>
-                <a:latin typeface="Courier New" panose="02070309020205020404" pitchFamily="49" charset="0"/>
-                <a:ea typeface="Calibri" panose="020F0502020204030204" pitchFamily="34" charset="0"/>
-                <a:cs typeface="Courier New" panose="02070309020205020404" pitchFamily="49" charset="0"/>
-              </a:rPr>
-              <a:t> </a:t>
-            </a:r>
-            <a:r>
-              <a:rPr lang="en-US" sz="1200" dirty="0" err="1">
-                <a:solidFill>
-                  <a:srgbClr val="458383"/>
-                </a:solidFill>
-                <a:latin typeface="Courier New" panose="02070309020205020404" pitchFamily="49" charset="0"/>
-                <a:ea typeface="Calibri" panose="020F0502020204030204" pitchFamily="34" charset="0"/>
-                <a:cs typeface="Courier New" panose="02070309020205020404" pitchFamily="49" charset="0"/>
-              </a:rPr>
-              <a:t>obj</a:t>
-            </a:r>
-            <a:r>
-              <a:rPr lang="en-US" sz="1200" dirty="0">
-                <a:solidFill>
-                  <a:srgbClr val="458383"/>
-                </a:solidFill>
-                <a:latin typeface="Courier New" panose="02070309020205020404" pitchFamily="49" charset="0"/>
-                <a:ea typeface="Calibri" panose="020F0502020204030204" pitchFamily="34" charset="0"/>
-                <a:cs typeface="Courier New" panose="02070309020205020404" pitchFamily="49" charset="0"/>
-              </a:rPr>
-              <a:t> </a:t>
-            </a:r>
-            <a:r>
-              <a:rPr lang="en-US" sz="1200" dirty="0">
-                <a:solidFill>
-                  <a:srgbClr val="000000"/>
-                </a:solidFill>
-                <a:latin typeface="Courier New" panose="02070309020205020404" pitchFamily="49" charset="0"/>
-                <a:ea typeface="Calibri" panose="020F0502020204030204" pitchFamily="34" charset="0"/>
-                <a:cs typeface="Courier New" panose="02070309020205020404" pitchFamily="49" charset="0"/>
-              </a:rPr>
-              <a:t>= </a:t>
-            </a:r>
-            <a:r>
-              <a:rPr lang="en-US" sz="1200" dirty="0" err="1">
-                <a:solidFill>
-                  <a:srgbClr val="458383"/>
-                </a:solidFill>
-                <a:latin typeface="Courier New" panose="02070309020205020404" pitchFamily="49" charset="0"/>
-                <a:ea typeface="Calibri" panose="020F0502020204030204" pitchFamily="34" charset="0"/>
-                <a:cs typeface="Courier New" panose="02070309020205020404" pitchFamily="49" charset="0"/>
-              </a:rPr>
-              <a:t>injector</a:t>
-            </a:r>
-            <a:r>
-              <a:rPr lang="en-US" sz="1200" dirty="0" err="1">
-                <a:solidFill>
-                  <a:srgbClr val="000000"/>
-                </a:solidFill>
-                <a:latin typeface="Courier New" panose="02070309020205020404" pitchFamily="49" charset="0"/>
-                <a:ea typeface="Calibri" panose="020F0502020204030204" pitchFamily="34" charset="0"/>
-                <a:cs typeface="Courier New" panose="02070309020205020404" pitchFamily="49" charset="0"/>
-              </a:rPr>
-              <a:t>.</a:t>
-            </a:r>
-            <a:r>
-              <a:rPr lang="en-US" sz="1200" dirty="0" err="1">
-                <a:solidFill>
-                  <a:srgbClr val="7A7A43"/>
-                </a:solidFill>
-                <a:latin typeface="Courier New" panose="02070309020205020404" pitchFamily="49" charset="0"/>
-                <a:ea typeface="Calibri" panose="020F0502020204030204" pitchFamily="34" charset="0"/>
-                <a:cs typeface="Courier New" panose="02070309020205020404" pitchFamily="49" charset="0"/>
-              </a:rPr>
-              <a:t>get</a:t>
-            </a:r>
-            <a:r>
-              <a:rPr lang="en-US" sz="1200" dirty="0">
-                <a:solidFill>
-                  <a:srgbClr val="000000"/>
-                </a:solidFill>
-                <a:latin typeface="Courier New" panose="02070309020205020404" pitchFamily="49" charset="0"/>
-                <a:ea typeface="Calibri" panose="020F0502020204030204" pitchFamily="34" charset="0"/>
-                <a:cs typeface="Courier New" panose="02070309020205020404" pitchFamily="49" charset="0"/>
-              </a:rPr>
               <a:t>(MyClass2);</a:t>
             </a:r>
-            <a:endParaRPr lang="he-IL" sz="1200" dirty="0">
+            <a:endParaRPr lang="he-IL" sz="1400" dirty="0">
               <a:latin typeface="Courier New" panose="02070309020205020404" pitchFamily="49" charset="0"/>
               <a:cs typeface="Courier New" panose="02070309020205020404" pitchFamily="49" charset="0"/>
             </a:endParaRPr>
@@ -5995,8 +5991,8 @@
               <a:gd name="adj2" fmla="val -6165"/>
               <a:gd name="adj3" fmla="val 50803"/>
               <a:gd name="adj4" fmla="val -6028"/>
-              <a:gd name="adj5" fmla="val 72441"/>
-              <a:gd name="adj6" fmla="val -111729"/>
+              <a:gd name="adj5" fmla="val 53127"/>
+              <a:gd name="adj6" fmla="val -80384"/>
             </a:avLst>
           </a:prstGeom>
         </p:spPr>
@@ -6033,6 +6029,57 @@
               <a:rPr lang="en-US" sz="1400" dirty="0"/>
               <a:t> has 1 parameter but it cant tell the parameter type</a:t>
             </a:r>
+          </a:p>
+        </p:txBody>
+      </p:sp>
+      <p:sp>
+        <p:nvSpPr>
+          <p:cNvPr id="9" name="Line Callout 2 6"/>
+          <p:cNvSpPr/>
+          <p:nvPr/>
+        </p:nvSpPr>
+        <p:spPr>
+          <a:xfrm>
+            <a:off x="7078208" y="5038269"/>
+            <a:ext cx="806160" cy="622979"/>
+          </a:xfrm>
+          <a:prstGeom prst="borderCallout2">
+            <a:avLst>
+              <a:gd name="adj1" fmla="val 36366"/>
+              <a:gd name="adj2" fmla="val -6165"/>
+              <a:gd name="adj3" fmla="val 50803"/>
+              <a:gd name="adj4" fmla="val -6028"/>
+              <a:gd name="adj5" fmla="val 36405"/>
+              <a:gd name="adj6" fmla="val -363233"/>
+            </a:avLst>
+          </a:prstGeom>
+        </p:spPr>
+        <p:style>
+          <a:lnRef idx="2">
+            <a:schemeClr val="accent1">
+              <a:shade val="50000"/>
+            </a:schemeClr>
+          </a:lnRef>
+          <a:fillRef idx="1">
+            <a:schemeClr val="accent1"/>
+          </a:fillRef>
+          <a:effectRef idx="0">
+            <a:schemeClr val="accent1"/>
+          </a:effectRef>
+          <a:fontRef idx="minor">
+            <a:schemeClr val="lt1"/>
+          </a:fontRef>
+        </p:style>
+        <p:txBody>
+          <a:bodyPr rtlCol="0" anchor="ctr"/>
+          <a:lstStyle/>
+          <a:p>
+            <a:pPr algn="ctr"/>
+            <a:r>
+              <a:rPr lang="en-US" sz="1400" dirty="0" smtClean="0"/>
+              <a:t>Error</a:t>
+            </a:r>
+            <a:endParaRPr lang="en-US" sz="1400" dirty="0"/>
           </a:p>
         </p:txBody>
       </p:sp>
@@ -6147,7 +6194,7 @@
         <p:spPr>
           <a:xfrm>
             <a:off x="2555776" y="1772816"/>
-            <a:ext cx="4572000" cy="3970318"/>
+            <a:ext cx="4572000" cy="4185761"/>
           </a:xfrm>
           <a:prstGeom prst="rect">
             <a:avLst/>
@@ -6160,7 +6207,7 @@
           <a:lstStyle/>
           <a:p>
             <a:r>
-              <a:rPr lang="en-US" sz="1200" b="1" dirty="0">
+              <a:rPr lang="en-US" sz="1400" b="1" dirty="0" smtClean="0">
                 <a:solidFill>
                   <a:srgbClr val="000080"/>
                 </a:solidFill>
@@ -6168,43 +6215,224 @@
                 <a:ea typeface="Calibri" panose="020F0502020204030204" pitchFamily="34" charset="0"/>
                 <a:cs typeface="Arial" panose="020B0604020202020204" pitchFamily="34" charset="0"/>
               </a:rPr>
-              <a:t>import </a:t>
-            </a:r>
-            <a:r>
-              <a:rPr lang="en-US" sz="1200" dirty="0">
-                <a:solidFill>
-                  <a:srgbClr val="000000"/>
-                </a:solidFill>
-                <a:latin typeface="Calibri" panose="020F0502020204030204" pitchFamily="34" charset="0"/>
-                <a:ea typeface="Calibri" panose="020F0502020204030204" pitchFamily="34" charset="0"/>
-                <a:cs typeface="Arial" panose="020B0604020202020204" pitchFamily="34" charset="0"/>
-              </a:rPr>
-              <a:t>{</a:t>
-            </a:r>
-            <a:r>
-              <a:rPr lang="en-US" sz="1200" dirty="0" err="1">
-                <a:solidFill>
-                  <a:srgbClr val="000000"/>
-                </a:solidFill>
-                <a:latin typeface="Calibri" panose="020F0502020204030204" pitchFamily="34" charset="0"/>
-                <a:ea typeface="Calibri" panose="020F0502020204030204" pitchFamily="34" charset="0"/>
-                <a:cs typeface="Arial" panose="020B0604020202020204" pitchFamily="34" charset="0"/>
-              </a:rPr>
-              <a:t>ReflectiveInjector</a:t>
-            </a:r>
-            <a:r>
-              <a:rPr lang="en-US" sz="1200" dirty="0">
-                <a:solidFill>
-                  <a:srgbClr val="000000"/>
-                </a:solidFill>
-                <a:latin typeface="Calibri" panose="020F0502020204030204" pitchFamily="34" charset="0"/>
-                <a:ea typeface="Calibri" panose="020F0502020204030204" pitchFamily="34" charset="0"/>
-                <a:cs typeface="Arial" panose="020B0604020202020204" pitchFamily="34" charset="0"/>
-              </a:rPr>
-              <a:t>} </a:t>
-            </a:r>
-            <a:r>
-              <a:rPr lang="en-US" sz="1200" b="1" dirty="0">
+              <a:t>class </a:t>
+            </a:r>
+            <a:r>
+              <a:rPr lang="en-US" sz="1400" dirty="0">
+                <a:solidFill>
+                  <a:srgbClr val="000000"/>
+                </a:solidFill>
+                <a:latin typeface="Calibri" panose="020F0502020204030204" pitchFamily="34" charset="0"/>
+                <a:ea typeface="Calibri" panose="020F0502020204030204" pitchFamily="34" charset="0"/>
+                <a:cs typeface="Arial" panose="020B0604020202020204" pitchFamily="34" charset="0"/>
+              </a:rPr>
+              <a:t>MyClass1 {</a:t>
+            </a:r>
+            <a:br>
+              <a:rPr lang="en-US" sz="1400" dirty="0">
+                <a:solidFill>
+                  <a:srgbClr val="000000"/>
+                </a:solidFill>
+                <a:latin typeface="Calibri" panose="020F0502020204030204" pitchFamily="34" charset="0"/>
+                <a:ea typeface="Calibri" panose="020F0502020204030204" pitchFamily="34" charset="0"/>
+                <a:cs typeface="Arial" panose="020B0604020202020204" pitchFamily="34" charset="0"/>
+              </a:rPr>
+            </a:br>
+            <a:r>
+              <a:rPr lang="en-US" sz="1400" dirty="0">
+                <a:solidFill>
+                  <a:srgbClr val="000000"/>
+                </a:solidFill>
+                <a:latin typeface="Calibri" panose="020F0502020204030204" pitchFamily="34" charset="0"/>
+                <a:ea typeface="Calibri" panose="020F0502020204030204" pitchFamily="34" charset="0"/>
+                <a:cs typeface="Arial" panose="020B0604020202020204" pitchFamily="34" charset="0"/>
+              </a:rPr>
+              <a:t>    </a:t>
+            </a:r>
+            <a:r>
+              <a:rPr lang="en-US" sz="1400" dirty="0">
+                <a:solidFill>
+                  <a:srgbClr val="7A7A43"/>
+                </a:solidFill>
+                <a:latin typeface="Calibri" panose="020F0502020204030204" pitchFamily="34" charset="0"/>
+                <a:ea typeface="Calibri" panose="020F0502020204030204" pitchFamily="34" charset="0"/>
+                <a:cs typeface="Arial" panose="020B0604020202020204" pitchFamily="34" charset="0"/>
+              </a:rPr>
+              <a:t>dump</a:t>
+            </a:r>
+            <a:r>
+              <a:rPr lang="en-US" sz="1400" dirty="0">
+                <a:solidFill>
+                  <a:srgbClr val="000000"/>
+                </a:solidFill>
+                <a:latin typeface="Calibri" panose="020F0502020204030204" pitchFamily="34" charset="0"/>
+                <a:ea typeface="Calibri" panose="020F0502020204030204" pitchFamily="34" charset="0"/>
+                <a:cs typeface="Arial" panose="020B0604020202020204" pitchFamily="34" charset="0"/>
+              </a:rPr>
+              <a:t>() {</a:t>
+            </a:r>
+            <a:br>
+              <a:rPr lang="en-US" sz="1400" dirty="0">
+                <a:solidFill>
+                  <a:srgbClr val="000000"/>
+                </a:solidFill>
+                <a:latin typeface="Calibri" panose="020F0502020204030204" pitchFamily="34" charset="0"/>
+                <a:ea typeface="Calibri" panose="020F0502020204030204" pitchFamily="34" charset="0"/>
+                <a:cs typeface="Arial" panose="020B0604020202020204" pitchFamily="34" charset="0"/>
+              </a:rPr>
+            </a:br>
+            <a:r>
+              <a:rPr lang="en-US" sz="1400" dirty="0">
+                <a:solidFill>
+                  <a:srgbClr val="000000"/>
+                </a:solidFill>
+                <a:latin typeface="Calibri" panose="020F0502020204030204" pitchFamily="34" charset="0"/>
+                <a:ea typeface="Calibri" panose="020F0502020204030204" pitchFamily="34" charset="0"/>
+                <a:cs typeface="Arial" panose="020B0604020202020204" pitchFamily="34" charset="0"/>
+              </a:rPr>
+              <a:t>        </a:t>
+            </a:r>
+            <a:r>
+              <a:rPr lang="en-US" sz="1400" b="1" i="1" dirty="0">
+                <a:solidFill>
+                  <a:srgbClr val="660E7A"/>
+                </a:solidFill>
+                <a:latin typeface="Calibri" panose="020F0502020204030204" pitchFamily="34" charset="0"/>
+                <a:ea typeface="Calibri" panose="020F0502020204030204" pitchFamily="34" charset="0"/>
+                <a:cs typeface="Arial" panose="020B0604020202020204" pitchFamily="34" charset="0"/>
+              </a:rPr>
+              <a:t>console</a:t>
+            </a:r>
+            <a:r>
+              <a:rPr lang="en-US" sz="1400" dirty="0">
+                <a:solidFill>
+                  <a:srgbClr val="000000"/>
+                </a:solidFill>
+                <a:latin typeface="Calibri" panose="020F0502020204030204" pitchFamily="34" charset="0"/>
+                <a:ea typeface="Calibri" panose="020F0502020204030204" pitchFamily="34" charset="0"/>
+                <a:cs typeface="Arial" panose="020B0604020202020204" pitchFamily="34" charset="0"/>
+              </a:rPr>
+              <a:t>.</a:t>
+            </a:r>
+            <a:r>
+              <a:rPr lang="en-US" sz="1400" dirty="0">
+                <a:solidFill>
+                  <a:srgbClr val="7A7A43"/>
+                </a:solidFill>
+                <a:latin typeface="Calibri" panose="020F0502020204030204" pitchFamily="34" charset="0"/>
+                <a:ea typeface="Calibri" panose="020F0502020204030204" pitchFamily="34" charset="0"/>
+                <a:cs typeface="Arial" panose="020B0604020202020204" pitchFamily="34" charset="0"/>
+              </a:rPr>
+              <a:t>log</a:t>
+            </a:r>
+            <a:r>
+              <a:rPr lang="en-US" sz="1400" dirty="0">
+                <a:solidFill>
+                  <a:srgbClr val="000000"/>
+                </a:solidFill>
+                <a:latin typeface="Calibri" panose="020F0502020204030204" pitchFamily="34" charset="0"/>
+                <a:ea typeface="Calibri" panose="020F0502020204030204" pitchFamily="34" charset="0"/>
+                <a:cs typeface="Arial" panose="020B0604020202020204" pitchFamily="34" charset="0"/>
+              </a:rPr>
+              <a:t>(</a:t>
+            </a:r>
+            <a:r>
+              <a:rPr lang="en-US" sz="1400" b="1" dirty="0">
+                <a:solidFill>
+                  <a:srgbClr val="008000"/>
+                </a:solidFill>
+                <a:latin typeface="Calibri" panose="020F0502020204030204" pitchFamily="34" charset="0"/>
+                <a:ea typeface="Calibri" panose="020F0502020204030204" pitchFamily="34" charset="0"/>
+                <a:cs typeface="Arial" panose="020B0604020202020204" pitchFamily="34" charset="0"/>
+              </a:rPr>
+              <a:t>"xxx"</a:t>
+            </a:r>
+            <a:r>
+              <a:rPr lang="en-US" sz="1400" dirty="0">
+                <a:solidFill>
+                  <a:srgbClr val="000000"/>
+                </a:solidFill>
+                <a:latin typeface="Calibri" panose="020F0502020204030204" pitchFamily="34" charset="0"/>
+                <a:ea typeface="Calibri" panose="020F0502020204030204" pitchFamily="34" charset="0"/>
+                <a:cs typeface="Arial" panose="020B0604020202020204" pitchFamily="34" charset="0"/>
+              </a:rPr>
+              <a:t>);</a:t>
+            </a:r>
+            <a:br>
+              <a:rPr lang="en-US" sz="1400" dirty="0">
+                <a:solidFill>
+                  <a:srgbClr val="000000"/>
+                </a:solidFill>
+                <a:latin typeface="Calibri" panose="020F0502020204030204" pitchFamily="34" charset="0"/>
+                <a:ea typeface="Calibri" panose="020F0502020204030204" pitchFamily="34" charset="0"/>
+                <a:cs typeface="Arial" panose="020B0604020202020204" pitchFamily="34" charset="0"/>
+              </a:rPr>
+            </a:br>
+            <a:r>
+              <a:rPr lang="en-US" sz="1400" dirty="0">
+                <a:solidFill>
+                  <a:srgbClr val="000000"/>
+                </a:solidFill>
+                <a:latin typeface="Calibri" panose="020F0502020204030204" pitchFamily="34" charset="0"/>
+                <a:ea typeface="Calibri" panose="020F0502020204030204" pitchFamily="34" charset="0"/>
+                <a:cs typeface="Arial" panose="020B0604020202020204" pitchFamily="34" charset="0"/>
+              </a:rPr>
+              <a:t>    }</a:t>
+            </a:r>
+            <a:br>
+              <a:rPr lang="en-US" sz="1400" dirty="0">
+                <a:solidFill>
+                  <a:srgbClr val="000000"/>
+                </a:solidFill>
+                <a:latin typeface="Calibri" panose="020F0502020204030204" pitchFamily="34" charset="0"/>
+                <a:ea typeface="Calibri" panose="020F0502020204030204" pitchFamily="34" charset="0"/>
+                <a:cs typeface="Arial" panose="020B0604020202020204" pitchFamily="34" charset="0"/>
+              </a:rPr>
+            </a:br>
+            <a:r>
+              <a:rPr lang="en-US" sz="1400" dirty="0">
+                <a:solidFill>
+                  <a:srgbClr val="000000"/>
+                </a:solidFill>
+                <a:latin typeface="Calibri" panose="020F0502020204030204" pitchFamily="34" charset="0"/>
+                <a:ea typeface="Calibri" panose="020F0502020204030204" pitchFamily="34" charset="0"/>
+                <a:cs typeface="Arial" panose="020B0604020202020204" pitchFamily="34" charset="0"/>
+              </a:rPr>
+              <a:t>}</a:t>
+            </a:r>
+            <a:br>
+              <a:rPr lang="en-US" sz="1400" dirty="0">
+                <a:solidFill>
+                  <a:srgbClr val="000000"/>
+                </a:solidFill>
+                <a:latin typeface="Calibri" panose="020F0502020204030204" pitchFamily="34" charset="0"/>
+                <a:ea typeface="Calibri" panose="020F0502020204030204" pitchFamily="34" charset="0"/>
+                <a:cs typeface="Arial" panose="020B0604020202020204" pitchFamily="34" charset="0"/>
+              </a:rPr>
+            </a:br>
+            <a:r>
+              <a:rPr lang="en-US" sz="1400" dirty="0">
+                <a:solidFill>
+                  <a:srgbClr val="000000"/>
+                </a:solidFill>
+                <a:latin typeface="Calibri" panose="020F0502020204030204" pitchFamily="34" charset="0"/>
+                <a:ea typeface="Calibri" panose="020F0502020204030204" pitchFamily="34" charset="0"/>
+                <a:cs typeface="Arial" panose="020B0604020202020204" pitchFamily="34" charset="0"/>
+              </a:rPr>
+              <a:t/>
+            </a:r>
+            <a:br>
+              <a:rPr lang="en-US" sz="1400" dirty="0">
+                <a:solidFill>
+                  <a:srgbClr val="000000"/>
+                </a:solidFill>
+                <a:latin typeface="Calibri" panose="020F0502020204030204" pitchFamily="34" charset="0"/>
+                <a:ea typeface="Calibri" panose="020F0502020204030204" pitchFamily="34" charset="0"/>
+                <a:cs typeface="Arial" panose="020B0604020202020204" pitchFamily="34" charset="0"/>
+              </a:rPr>
+            </a:br>
+            <a:r>
+              <a:rPr lang="en-US" sz="1400" b="1" dirty="0">
                 <a:solidFill>
                   <a:srgbClr val="000080"/>
                 </a:solidFill>
@@ -6212,52 +6440,42 @@
                 <a:ea typeface="Calibri" panose="020F0502020204030204" pitchFamily="34" charset="0"/>
                 <a:cs typeface="Arial" panose="020B0604020202020204" pitchFamily="34" charset="0"/>
               </a:rPr>
-              <a:t>from </a:t>
-            </a:r>
-            <a:r>
-              <a:rPr lang="en-US" sz="1200" b="1" dirty="0">
-                <a:solidFill>
-                  <a:srgbClr val="008000"/>
-                </a:solidFill>
-                <a:latin typeface="Calibri" panose="020F0502020204030204" pitchFamily="34" charset="0"/>
-                <a:ea typeface="Calibri" panose="020F0502020204030204" pitchFamily="34" charset="0"/>
-                <a:cs typeface="Arial" panose="020B0604020202020204" pitchFamily="34" charset="0"/>
-              </a:rPr>
-              <a:t>"@angular/core"</a:t>
-            </a:r>
-            <a:r>
-              <a:rPr lang="en-US" sz="1200" dirty="0">
-                <a:solidFill>
-                  <a:srgbClr val="000000"/>
-                </a:solidFill>
-                <a:latin typeface="Calibri" panose="020F0502020204030204" pitchFamily="34" charset="0"/>
-                <a:ea typeface="Calibri" panose="020F0502020204030204" pitchFamily="34" charset="0"/>
-                <a:cs typeface="Arial" panose="020B0604020202020204" pitchFamily="34" charset="0"/>
-              </a:rPr>
-              <a:t>;</a:t>
-            </a:r>
-            <a:br>
-              <a:rPr lang="en-US" sz="1200" dirty="0">
-                <a:solidFill>
-                  <a:srgbClr val="000000"/>
-                </a:solidFill>
-                <a:latin typeface="Calibri" panose="020F0502020204030204" pitchFamily="34" charset="0"/>
-                <a:ea typeface="Calibri" panose="020F0502020204030204" pitchFamily="34" charset="0"/>
-                <a:cs typeface="Arial" panose="020B0604020202020204" pitchFamily="34" charset="0"/>
-              </a:rPr>
-            </a:br>
-            <a:br>
-              <a:rPr lang="en-US" sz="1200" dirty="0">
-                <a:solidFill>
-                  <a:srgbClr val="000000"/>
-                </a:solidFill>
-                <a:latin typeface="Calibri" panose="020F0502020204030204" pitchFamily="34" charset="0"/>
-                <a:ea typeface="Calibri" panose="020F0502020204030204" pitchFamily="34" charset="0"/>
-                <a:cs typeface="Arial" panose="020B0604020202020204" pitchFamily="34" charset="0"/>
-              </a:rPr>
-            </a:br>
-            <a:r>
-              <a:rPr lang="en-US" sz="1200" b="1" dirty="0">
+              <a:t>class </a:t>
+            </a:r>
+            <a:r>
+              <a:rPr lang="en-US" sz="1400" dirty="0">
+                <a:solidFill>
+                  <a:srgbClr val="000000"/>
+                </a:solidFill>
+                <a:latin typeface="Calibri" panose="020F0502020204030204" pitchFamily="34" charset="0"/>
+                <a:ea typeface="Calibri" panose="020F0502020204030204" pitchFamily="34" charset="0"/>
+                <a:cs typeface="Arial" panose="020B0604020202020204" pitchFamily="34" charset="0"/>
+              </a:rPr>
+              <a:t>MyClass2 {</a:t>
+            </a:r>
+            <a:br>
+              <a:rPr lang="en-US" sz="1400" dirty="0">
+                <a:solidFill>
+                  <a:srgbClr val="000000"/>
+                </a:solidFill>
+                <a:latin typeface="Calibri" panose="020F0502020204030204" pitchFamily="34" charset="0"/>
+                <a:ea typeface="Calibri" panose="020F0502020204030204" pitchFamily="34" charset="0"/>
+                <a:cs typeface="Arial" panose="020B0604020202020204" pitchFamily="34" charset="0"/>
+              </a:rPr>
+            </a:br>
+            <a:r>
+              <a:rPr lang="en-US" sz="1400" dirty="0">
+                <a:solidFill>
+                  <a:srgbClr val="000000"/>
+                </a:solidFill>
+                <a:latin typeface="Calibri" panose="020F0502020204030204" pitchFamily="34" charset="0"/>
+                <a:ea typeface="Calibri" panose="020F0502020204030204" pitchFamily="34" charset="0"/>
+                <a:cs typeface="Arial" panose="020B0604020202020204" pitchFamily="34" charset="0"/>
+              </a:rPr>
+              <a:t>    </a:t>
+            </a:r>
+            <a:r>
+              <a:rPr lang="en-US" sz="1400" b="1" dirty="0">
                 <a:solidFill>
                   <a:srgbClr val="000080"/>
                 </a:solidFill>
@@ -6265,31 +6483,63 @@
                 <a:ea typeface="Calibri" panose="020F0502020204030204" pitchFamily="34" charset="0"/>
                 <a:cs typeface="Arial" panose="020B0604020202020204" pitchFamily="34" charset="0"/>
               </a:rPr>
-              <a:t>class </a:t>
-            </a:r>
-            <a:r>
-              <a:rPr lang="en-US" sz="1200" dirty="0">
-                <a:solidFill>
-                  <a:srgbClr val="000000"/>
-                </a:solidFill>
-                <a:latin typeface="Calibri" panose="020F0502020204030204" pitchFamily="34" charset="0"/>
-                <a:ea typeface="Calibri" panose="020F0502020204030204" pitchFamily="34" charset="0"/>
-                <a:cs typeface="Arial" panose="020B0604020202020204" pitchFamily="34" charset="0"/>
-              </a:rPr>
-              <a:t>MyClass1 {</a:t>
-            </a:r>
-            <a:br>
-              <a:rPr lang="en-US" sz="1200" dirty="0">
-                <a:solidFill>
-                  <a:srgbClr val="000000"/>
-                </a:solidFill>
-                <a:latin typeface="Calibri" panose="020F0502020204030204" pitchFamily="34" charset="0"/>
-                <a:ea typeface="Calibri" panose="020F0502020204030204" pitchFamily="34" charset="0"/>
-                <a:cs typeface="Arial" panose="020B0604020202020204" pitchFamily="34" charset="0"/>
-              </a:rPr>
-            </a:br>
-            <a:r>
-              <a:rPr lang="en-US" sz="1200" dirty="0">
+              <a:t>static </a:t>
+            </a:r>
+            <a:r>
+              <a:rPr lang="en-US" sz="1400" i="1" dirty="0">
+                <a:solidFill>
+                  <a:srgbClr val="660E7A"/>
+                </a:solidFill>
+                <a:latin typeface="Calibri" panose="020F0502020204030204" pitchFamily="34" charset="0"/>
+                <a:ea typeface="Calibri" panose="020F0502020204030204" pitchFamily="34" charset="0"/>
+                <a:cs typeface="Arial" panose="020B0604020202020204" pitchFamily="34" charset="0"/>
+              </a:rPr>
+              <a:t>parameters </a:t>
+            </a:r>
+            <a:r>
+              <a:rPr lang="en-US" sz="1400" dirty="0">
+                <a:solidFill>
+                  <a:srgbClr val="000000"/>
+                </a:solidFill>
+                <a:latin typeface="Calibri" panose="020F0502020204030204" pitchFamily="34" charset="0"/>
+                <a:ea typeface="Calibri" panose="020F0502020204030204" pitchFamily="34" charset="0"/>
+                <a:cs typeface="Arial" panose="020B0604020202020204" pitchFamily="34" charset="0"/>
+              </a:rPr>
+              <a:t>= [MyClass1];</a:t>
+            </a:r>
+            <a:br>
+              <a:rPr lang="en-US" sz="1400" dirty="0">
+                <a:solidFill>
+                  <a:srgbClr val="000000"/>
+                </a:solidFill>
+                <a:latin typeface="Calibri" panose="020F0502020204030204" pitchFamily="34" charset="0"/>
+                <a:ea typeface="Calibri" panose="020F0502020204030204" pitchFamily="34" charset="0"/>
+                <a:cs typeface="Arial" panose="020B0604020202020204" pitchFamily="34" charset="0"/>
+              </a:rPr>
+            </a:br>
+            <a:r>
+              <a:rPr lang="en-US" sz="1400" dirty="0">
+                <a:solidFill>
+                  <a:srgbClr val="000000"/>
+                </a:solidFill>
+                <a:latin typeface="Calibri" panose="020F0502020204030204" pitchFamily="34" charset="0"/>
+                <a:ea typeface="Calibri" panose="020F0502020204030204" pitchFamily="34" charset="0"/>
+                <a:cs typeface="Arial" panose="020B0604020202020204" pitchFamily="34" charset="0"/>
+              </a:rPr>
+              <a:t/>
+            </a:r>
+            <a:br>
+              <a:rPr lang="en-US" sz="1400" dirty="0">
+                <a:solidFill>
+                  <a:srgbClr val="000000"/>
+                </a:solidFill>
+                <a:latin typeface="Calibri" panose="020F0502020204030204" pitchFamily="34" charset="0"/>
+                <a:ea typeface="Calibri" panose="020F0502020204030204" pitchFamily="34" charset="0"/>
+                <a:cs typeface="Arial" panose="020B0604020202020204" pitchFamily="34" charset="0"/>
+              </a:rPr>
+            </a:br>
+            <a:r>
+              <a:rPr lang="en-US" sz="1400" dirty="0">
                 <a:solidFill>
                   <a:srgbClr val="000000"/>
                 </a:solidFill>
@@ -6300,7 +6550,350 @@
               <a:t>    </a:t>
             </a:r>
             <a:r>
-              <a:rPr lang="en-US" sz="1200" dirty="0">
+              <a:rPr lang="en-US" sz="1400" b="1" dirty="0">
+                <a:solidFill>
+                  <a:srgbClr val="000080"/>
+                </a:solidFill>
+                <a:latin typeface="Calibri" panose="020F0502020204030204" pitchFamily="34" charset="0"/>
+                <a:ea typeface="Calibri" panose="020F0502020204030204" pitchFamily="34" charset="0"/>
+                <a:cs typeface="Arial" panose="020B0604020202020204" pitchFamily="34" charset="0"/>
+              </a:rPr>
+              <a:t>constructor</a:t>
+            </a:r>
+            <a:r>
+              <a:rPr lang="en-US" sz="1400" dirty="0">
+                <a:solidFill>
+                  <a:srgbClr val="000000"/>
+                </a:solidFill>
+                <a:latin typeface="Calibri" panose="020F0502020204030204" pitchFamily="34" charset="0"/>
+                <a:ea typeface="Calibri" panose="020F0502020204030204" pitchFamily="34" charset="0"/>
+                <a:cs typeface="Arial" panose="020B0604020202020204" pitchFamily="34" charset="0"/>
+              </a:rPr>
+              <a:t>(obj1: MyClass1) {</a:t>
+            </a:r>
+            <a:br>
+              <a:rPr lang="en-US" sz="1400" dirty="0">
+                <a:solidFill>
+                  <a:srgbClr val="000000"/>
+                </a:solidFill>
+                <a:latin typeface="Calibri" panose="020F0502020204030204" pitchFamily="34" charset="0"/>
+                <a:ea typeface="Calibri" panose="020F0502020204030204" pitchFamily="34" charset="0"/>
+                <a:cs typeface="Arial" panose="020B0604020202020204" pitchFamily="34" charset="0"/>
+              </a:rPr>
+            </a:br>
+            <a:r>
+              <a:rPr lang="en-US" sz="1400" dirty="0">
+                <a:solidFill>
+                  <a:srgbClr val="000000"/>
+                </a:solidFill>
+                <a:latin typeface="Calibri" panose="020F0502020204030204" pitchFamily="34" charset="0"/>
+                <a:ea typeface="Calibri" panose="020F0502020204030204" pitchFamily="34" charset="0"/>
+                <a:cs typeface="Arial" panose="020B0604020202020204" pitchFamily="34" charset="0"/>
+              </a:rPr>
+              <a:t>    }</a:t>
+            </a:r>
+            <a:br>
+              <a:rPr lang="en-US" sz="1400" dirty="0">
+                <a:solidFill>
+                  <a:srgbClr val="000000"/>
+                </a:solidFill>
+                <a:latin typeface="Calibri" panose="020F0502020204030204" pitchFamily="34" charset="0"/>
+                <a:ea typeface="Calibri" panose="020F0502020204030204" pitchFamily="34" charset="0"/>
+                <a:cs typeface="Arial" panose="020B0604020202020204" pitchFamily="34" charset="0"/>
+              </a:rPr>
+            </a:br>
+            <a:r>
+              <a:rPr lang="en-US" sz="1400" dirty="0">
+                <a:solidFill>
+                  <a:srgbClr val="000000"/>
+                </a:solidFill>
+                <a:latin typeface="Calibri" panose="020F0502020204030204" pitchFamily="34" charset="0"/>
+                <a:ea typeface="Calibri" panose="020F0502020204030204" pitchFamily="34" charset="0"/>
+                <a:cs typeface="Arial" panose="020B0604020202020204" pitchFamily="34" charset="0"/>
+              </a:rPr>
+              <a:t>}</a:t>
+            </a:r>
+            <a:br>
+              <a:rPr lang="en-US" sz="1400" dirty="0">
+                <a:solidFill>
+                  <a:srgbClr val="000000"/>
+                </a:solidFill>
+                <a:latin typeface="Calibri" panose="020F0502020204030204" pitchFamily="34" charset="0"/>
+                <a:ea typeface="Calibri" panose="020F0502020204030204" pitchFamily="34" charset="0"/>
+                <a:cs typeface="Arial" panose="020B0604020202020204" pitchFamily="34" charset="0"/>
+              </a:rPr>
+            </a:br>
+            <a:r>
+              <a:rPr lang="en-US" sz="1400" dirty="0">
+                <a:solidFill>
+                  <a:srgbClr val="000000"/>
+                </a:solidFill>
+                <a:latin typeface="Calibri" panose="020F0502020204030204" pitchFamily="34" charset="0"/>
+                <a:ea typeface="Calibri" panose="020F0502020204030204" pitchFamily="34" charset="0"/>
+                <a:cs typeface="Arial" panose="020B0604020202020204" pitchFamily="34" charset="0"/>
+              </a:rPr>
+              <a:t/>
+            </a:r>
+            <a:br>
+              <a:rPr lang="en-US" sz="1400" dirty="0">
+                <a:solidFill>
+                  <a:srgbClr val="000000"/>
+                </a:solidFill>
+                <a:latin typeface="Calibri" panose="020F0502020204030204" pitchFamily="34" charset="0"/>
+                <a:ea typeface="Calibri" panose="020F0502020204030204" pitchFamily="34" charset="0"/>
+                <a:cs typeface="Arial" panose="020B0604020202020204" pitchFamily="34" charset="0"/>
+              </a:rPr>
+            </a:br>
+            <a:r>
+              <a:rPr lang="en-US" sz="1400" b="1" dirty="0" err="1">
+                <a:solidFill>
+                  <a:srgbClr val="000080"/>
+                </a:solidFill>
+                <a:latin typeface="Calibri" panose="020F0502020204030204" pitchFamily="34" charset="0"/>
+                <a:ea typeface="Calibri" panose="020F0502020204030204" pitchFamily="34" charset="0"/>
+                <a:cs typeface="Arial" panose="020B0604020202020204" pitchFamily="34" charset="0"/>
+              </a:rPr>
+              <a:t>const</a:t>
+            </a:r>
+            <a:r>
+              <a:rPr lang="en-US" sz="1400" b="1" dirty="0">
+                <a:solidFill>
+                  <a:srgbClr val="000080"/>
+                </a:solidFill>
+                <a:latin typeface="Calibri" panose="020F0502020204030204" pitchFamily="34" charset="0"/>
+                <a:ea typeface="Calibri" panose="020F0502020204030204" pitchFamily="34" charset="0"/>
+                <a:cs typeface="Arial" panose="020B0604020202020204" pitchFamily="34" charset="0"/>
+              </a:rPr>
+              <a:t> </a:t>
+            </a:r>
+            <a:r>
+              <a:rPr lang="en-US" sz="1400" dirty="0">
+                <a:solidFill>
+                  <a:srgbClr val="458383"/>
+                </a:solidFill>
+                <a:latin typeface="Calibri" panose="020F0502020204030204" pitchFamily="34" charset="0"/>
+                <a:ea typeface="Calibri" panose="020F0502020204030204" pitchFamily="34" charset="0"/>
+                <a:cs typeface="Arial" panose="020B0604020202020204" pitchFamily="34" charset="0"/>
+              </a:rPr>
+              <a:t>injector </a:t>
+            </a:r>
+            <a:r>
+              <a:rPr lang="en-US" sz="1400" dirty="0">
+                <a:solidFill>
+                  <a:srgbClr val="000000"/>
+                </a:solidFill>
+                <a:latin typeface="Calibri" panose="020F0502020204030204" pitchFamily="34" charset="0"/>
+                <a:ea typeface="Calibri" panose="020F0502020204030204" pitchFamily="34" charset="0"/>
+                <a:cs typeface="Arial" panose="020B0604020202020204" pitchFamily="34" charset="0"/>
+              </a:rPr>
+              <a:t>= </a:t>
+            </a:r>
+            <a:r>
+              <a:rPr lang="en-US" sz="1400" dirty="0" err="1">
+                <a:solidFill>
+                  <a:srgbClr val="000000"/>
+                </a:solidFill>
+                <a:latin typeface="Calibri" panose="020F0502020204030204" pitchFamily="34" charset="0"/>
+                <a:ea typeface="Calibri" panose="020F0502020204030204" pitchFamily="34" charset="0"/>
+                <a:cs typeface="Arial" panose="020B0604020202020204" pitchFamily="34" charset="0"/>
+              </a:rPr>
+              <a:t>ReflectiveInjector.</a:t>
+            </a:r>
+            <a:r>
+              <a:rPr lang="en-US" sz="1400" i="1" dirty="0" err="1">
+                <a:solidFill>
+                  <a:srgbClr val="000000"/>
+                </a:solidFill>
+                <a:latin typeface="Calibri" panose="020F0502020204030204" pitchFamily="34" charset="0"/>
+                <a:ea typeface="Calibri" panose="020F0502020204030204" pitchFamily="34" charset="0"/>
+                <a:cs typeface="Arial" panose="020B0604020202020204" pitchFamily="34" charset="0"/>
+              </a:rPr>
+              <a:t>resolveAndCreate</a:t>
+            </a:r>
+            <a:r>
+              <a:rPr lang="en-US" sz="1400" dirty="0">
+                <a:solidFill>
+                  <a:srgbClr val="000000"/>
+                </a:solidFill>
+                <a:latin typeface="Calibri" panose="020F0502020204030204" pitchFamily="34" charset="0"/>
+                <a:ea typeface="Calibri" panose="020F0502020204030204" pitchFamily="34" charset="0"/>
+                <a:cs typeface="Arial" panose="020B0604020202020204" pitchFamily="34" charset="0"/>
+              </a:rPr>
+              <a:t>([</a:t>
+            </a:r>
+            <a:br>
+              <a:rPr lang="en-US" sz="1400" dirty="0">
+                <a:solidFill>
+                  <a:srgbClr val="000000"/>
+                </a:solidFill>
+                <a:latin typeface="Calibri" panose="020F0502020204030204" pitchFamily="34" charset="0"/>
+                <a:ea typeface="Calibri" panose="020F0502020204030204" pitchFamily="34" charset="0"/>
+                <a:cs typeface="Arial" panose="020B0604020202020204" pitchFamily="34" charset="0"/>
+              </a:rPr>
+            </a:br>
+            <a:r>
+              <a:rPr lang="en-US" sz="1400" dirty="0">
+                <a:solidFill>
+                  <a:srgbClr val="000000"/>
+                </a:solidFill>
+                <a:latin typeface="Calibri" panose="020F0502020204030204" pitchFamily="34" charset="0"/>
+                <a:ea typeface="Calibri" panose="020F0502020204030204" pitchFamily="34" charset="0"/>
+                <a:cs typeface="Arial" panose="020B0604020202020204" pitchFamily="34" charset="0"/>
+              </a:rPr>
+              <a:t>    MyClass1,</a:t>
+            </a:r>
+            <a:br>
+              <a:rPr lang="en-US" sz="1400" dirty="0">
+                <a:solidFill>
+                  <a:srgbClr val="000000"/>
+                </a:solidFill>
+                <a:latin typeface="Calibri" panose="020F0502020204030204" pitchFamily="34" charset="0"/>
+                <a:ea typeface="Calibri" panose="020F0502020204030204" pitchFamily="34" charset="0"/>
+                <a:cs typeface="Arial" panose="020B0604020202020204" pitchFamily="34" charset="0"/>
+              </a:rPr>
+            </a:br>
+            <a:r>
+              <a:rPr lang="en-US" sz="1400" dirty="0">
+                <a:solidFill>
+                  <a:srgbClr val="000000"/>
+                </a:solidFill>
+                <a:latin typeface="Calibri" panose="020F0502020204030204" pitchFamily="34" charset="0"/>
+                <a:ea typeface="Calibri" panose="020F0502020204030204" pitchFamily="34" charset="0"/>
+                <a:cs typeface="Arial" panose="020B0604020202020204" pitchFamily="34" charset="0"/>
+              </a:rPr>
+              <a:t>    MyClass2</a:t>
+            </a:r>
+            <a:br>
+              <a:rPr lang="en-US" sz="1400" dirty="0">
+                <a:solidFill>
+                  <a:srgbClr val="000000"/>
+                </a:solidFill>
+                <a:latin typeface="Calibri" panose="020F0502020204030204" pitchFamily="34" charset="0"/>
+                <a:ea typeface="Calibri" panose="020F0502020204030204" pitchFamily="34" charset="0"/>
+                <a:cs typeface="Arial" panose="020B0604020202020204" pitchFamily="34" charset="0"/>
+              </a:rPr>
+            </a:br>
+            <a:r>
+              <a:rPr lang="en-US" sz="1400" dirty="0">
+                <a:solidFill>
+                  <a:srgbClr val="000000"/>
+                </a:solidFill>
+                <a:latin typeface="Calibri" panose="020F0502020204030204" pitchFamily="34" charset="0"/>
+                <a:ea typeface="Calibri" panose="020F0502020204030204" pitchFamily="34" charset="0"/>
+                <a:cs typeface="Arial" panose="020B0604020202020204" pitchFamily="34" charset="0"/>
+              </a:rPr>
+              <a:t>]);</a:t>
+            </a:r>
+            <a:br>
+              <a:rPr lang="en-US" sz="1400" dirty="0">
+                <a:solidFill>
+                  <a:srgbClr val="000000"/>
+                </a:solidFill>
+                <a:latin typeface="Calibri" panose="020F0502020204030204" pitchFamily="34" charset="0"/>
+                <a:ea typeface="Calibri" panose="020F0502020204030204" pitchFamily="34" charset="0"/>
+                <a:cs typeface="Arial" panose="020B0604020202020204" pitchFamily="34" charset="0"/>
+              </a:rPr>
+            </a:br>
+            <a:r>
+              <a:rPr lang="en-US" sz="1400" dirty="0">
+                <a:solidFill>
+                  <a:srgbClr val="000000"/>
+                </a:solidFill>
+                <a:latin typeface="Calibri" panose="020F0502020204030204" pitchFamily="34" charset="0"/>
+                <a:ea typeface="Calibri" panose="020F0502020204030204" pitchFamily="34" charset="0"/>
+                <a:cs typeface="Arial" panose="020B0604020202020204" pitchFamily="34" charset="0"/>
+              </a:rPr>
+              <a:t/>
+            </a:r>
+            <a:br>
+              <a:rPr lang="en-US" sz="1400" dirty="0">
+                <a:solidFill>
+                  <a:srgbClr val="000000"/>
+                </a:solidFill>
+                <a:latin typeface="Calibri" panose="020F0502020204030204" pitchFamily="34" charset="0"/>
+                <a:ea typeface="Calibri" panose="020F0502020204030204" pitchFamily="34" charset="0"/>
+                <a:cs typeface="Arial" panose="020B0604020202020204" pitchFamily="34" charset="0"/>
+              </a:rPr>
+            </a:br>
+            <a:r>
+              <a:rPr lang="en-US" sz="1400" b="1" dirty="0" err="1">
+                <a:solidFill>
+                  <a:srgbClr val="000080"/>
+                </a:solidFill>
+                <a:latin typeface="Calibri" panose="020F0502020204030204" pitchFamily="34" charset="0"/>
+                <a:ea typeface="Calibri" panose="020F0502020204030204" pitchFamily="34" charset="0"/>
+                <a:cs typeface="Arial" panose="020B0604020202020204" pitchFamily="34" charset="0"/>
+              </a:rPr>
+              <a:t>const</a:t>
+            </a:r>
+            <a:r>
+              <a:rPr lang="en-US" sz="1400" b="1" dirty="0">
+                <a:solidFill>
+                  <a:srgbClr val="000080"/>
+                </a:solidFill>
+                <a:latin typeface="Calibri" panose="020F0502020204030204" pitchFamily="34" charset="0"/>
+                <a:ea typeface="Calibri" panose="020F0502020204030204" pitchFamily="34" charset="0"/>
+                <a:cs typeface="Arial" panose="020B0604020202020204" pitchFamily="34" charset="0"/>
+              </a:rPr>
+              <a:t> </a:t>
+            </a:r>
+            <a:r>
+              <a:rPr lang="en-US" sz="1400" dirty="0" err="1">
+                <a:solidFill>
+                  <a:srgbClr val="458383"/>
+                </a:solidFill>
+                <a:latin typeface="Calibri" panose="020F0502020204030204" pitchFamily="34" charset="0"/>
+                <a:ea typeface="Calibri" panose="020F0502020204030204" pitchFamily="34" charset="0"/>
+                <a:cs typeface="Arial" panose="020B0604020202020204" pitchFamily="34" charset="0"/>
+              </a:rPr>
+              <a:t>obj</a:t>
+            </a:r>
+            <a:r>
+              <a:rPr lang="en-US" sz="1400" dirty="0">
+                <a:solidFill>
+                  <a:srgbClr val="458383"/>
+                </a:solidFill>
+                <a:latin typeface="Calibri" panose="020F0502020204030204" pitchFamily="34" charset="0"/>
+                <a:ea typeface="Calibri" panose="020F0502020204030204" pitchFamily="34" charset="0"/>
+                <a:cs typeface="Arial" panose="020B0604020202020204" pitchFamily="34" charset="0"/>
+              </a:rPr>
+              <a:t> </a:t>
+            </a:r>
+            <a:r>
+              <a:rPr lang="en-US" sz="1400" dirty="0">
+                <a:solidFill>
+                  <a:srgbClr val="000000"/>
+                </a:solidFill>
+                <a:latin typeface="Calibri" panose="020F0502020204030204" pitchFamily="34" charset="0"/>
+                <a:ea typeface="Calibri" panose="020F0502020204030204" pitchFamily="34" charset="0"/>
+                <a:cs typeface="Arial" panose="020B0604020202020204" pitchFamily="34" charset="0"/>
+              </a:rPr>
+              <a:t>= </a:t>
+            </a:r>
+            <a:r>
+              <a:rPr lang="en-US" sz="1400" dirty="0" err="1">
+                <a:solidFill>
+                  <a:srgbClr val="458383"/>
+                </a:solidFill>
+                <a:latin typeface="Calibri" panose="020F0502020204030204" pitchFamily="34" charset="0"/>
+                <a:ea typeface="Calibri" panose="020F0502020204030204" pitchFamily="34" charset="0"/>
+                <a:cs typeface="Arial" panose="020B0604020202020204" pitchFamily="34" charset="0"/>
+              </a:rPr>
+              <a:t>injector</a:t>
+            </a:r>
+            <a:r>
+              <a:rPr lang="en-US" sz="1400" dirty="0" err="1">
+                <a:solidFill>
+                  <a:srgbClr val="000000"/>
+                </a:solidFill>
+                <a:latin typeface="Calibri" panose="020F0502020204030204" pitchFamily="34" charset="0"/>
+                <a:ea typeface="Calibri" panose="020F0502020204030204" pitchFamily="34" charset="0"/>
+                <a:cs typeface="Arial" panose="020B0604020202020204" pitchFamily="34" charset="0"/>
+              </a:rPr>
+              <a:t>.</a:t>
+            </a:r>
+            <a:r>
+              <a:rPr lang="en-US" sz="1400" dirty="0" err="1">
                 <a:solidFill>
                   <a:srgbClr val="7A7A43"/>
                 </a:solidFill>
@@ -6308,609 +6901,10 @@
                 <a:ea typeface="Calibri" panose="020F0502020204030204" pitchFamily="34" charset="0"/>
                 <a:cs typeface="Arial" panose="020B0604020202020204" pitchFamily="34" charset="0"/>
               </a:rPr>
-              <a:t>dump</a:t>
-            </a:r>
-            <a:r>
-              <a:rPr lang="en-US" sz="1200" dirty="0">
-                <a:solidFill>
-                  <a:srgbClr val="000000"/>
-                </a:solidFill>
-                <a:latin typeface="Calibri" panose="020F0502020204030204" pitchFamily="34" charset="0"/>
-                <a:ea typeface="Calibri" panose="020F0502020204030204" pitchFamily="34" charset="0"/>
-                <a:cs typeface="Arial" panose="020B0604020202020204" pitchFamily="34" charset="0"/>
-              </a:rPr>
-              <a:t>() {</a:t>
-            </a:r>
-            <a:br>
-              <a:rPr lang="en-US" sz="1200" dirty="0">
-                <a:solidFill>
-                  <a:srgbClr val="000000"/>
-                </a:solidFill>
-                <a:latin typeface="Calibri" panose="020F0502020204030204" pitchFamily="34" charset="0"/>
-                <a:ea typeface="Calibri" panose="020F0502020204030204" pitchFamily="34" charset="0"/>
-                <a:cs typeface="Arial" panose="020B0604020202020204" pitchFamily="34" charset="0"/>
-              </a:rPr>
-            </a:br>
-            <a:r>
-              <a:rPr lang="en-US" sz="1200" dirty="0">
-                <a:solidFill>
-                  <a:srgbClr val="000000"/>
-                </a:solidFill>
-                <a:latin typeface="Calibri" panose="020F0502020204030204" pitchFamily="34" charset="0"/>
-                <a:ea typeface="Calibri" panose="020F0502020204030204" pitchFamily="34" charset="0"/>
-                <a:cs typeface="Arial" panose="020B0604020202020204" pitchFamily="34" charset="0"/>
-              </a:rPr>
-              <a:t>        </a:t>
-            </a:r>
-            <a:r>
-              <a:rPr lang="en-US" sz="1200" b="1" i="1" dirty="0">
-                <a:solidFill>
-                  <a:srgbClr val="660E7A"/>
-                </a:solidFill>
-                <a:latin typeface="Calibri" panose="020F0502020204030204" pitchFamily="34" charset="0"/>
-                <a:ea typeface="Calibri" panose="020F0502020204030204" pitchFamily="34" charset="0"/>
-                <a:cs typeface="Arial" panose="020B0604020202020204" pitchFamily="34" charset="0"/>
-              </a:rPr>
-              <a:t>console</a:t>
-            </a:r>
-            <a:r>
-              <a:rPr lang="en-US" sz="1200" dirty="0">
-                <a:solidFill>
-                  <a:srgbClr val="000000"/>
-                </a:solidFill>
-                <a:latin typeface="Calibri" panose="020F0502020204030204" pitchFamily="34" charset="0"/>
-                <a:ea typeface="Calibri" panose="020F0502020204030204" pitchFamily="34" charset="0"/>
-                <a:cs typeface="Arial" panose="020B0604020202020204" pitchFamily="34" charset="0"/>
-              </a:rPr>
-              <a:t>.</a:t>
-            </a:r>
-            <a:r>
-              <a:rPr lang="en-US" sz="1200" dirty="0">
-                <a:solidFill>
-                  <a:srgbClr val="7A7A43"/>
-                </a:solidFill>
-                <a:latin typeface="Calibri" panose="020F0502020204030204" pitchFamily="34" charset="0"/>
-                <a:ea typeface="Calibri" panose="020F0502020204030204" pitchFamily="34" charset="0"/>
-                <a:cs typeface="Arial" panose="020B0604020202020204" pitchFamily="34" charset="0"/>
-              </a:rPr>
-              <a:t>log</a:t>
-            </a:r>
-            <a:r>
-              <a:rPr lang="en-US" sz="1200" dirty="0">
-                <a:solidFill>
-                  <a:srgbClr val="000000"/>
-                </a:solidFill>
-                <a:latin typeface="Calibri" panose="020F0502020204030204" pitchFamily="34" charset="0"/>
-                <a:ea typeface="Calibri" panose="020F0502020204030204" pitchFamily="34" charset="0"/>
-                <a:cs typeface="Arial" panose="020B0604020202020204" pitchFamily="34" charset="0"/>
-              </a:rPr>
-              <a:t>(</a:t>
-            </a:r>
-            <a:r>
-              <a:rPr lang="en-US" sz="1200" b="1" dirty="0">
-                <a:solidFill>
-                  <a:srgbClr val="008000"/>
-                </a:solidFill>
-                <a:latin typeface="Calibri" panose="020F0502020204030204" pitchFamily="34" charset="0"/>
-                <a:ea typeface="Calibri" panose="020F0502020204030204" pitchFamily="34" charset="0"/>
-                <a:cs typeface="Arial" panose="020B0604020202020204" pitchFamily="34" charset="0"/>
-              </a:rPr>
-              <a:t>"xxx"</a:t>
-            </a:r>
-            <a:r>
-              <a:rPr lang="en-US" sz="1200" dirty="0">
-                <a:solidFill>
-                  <a:srgbClr val="000000"/>
-                </a:solidFill>
-                <a:latin typeface="Calibri" panose="020F0502020204030204" pitchFamily="34" charset="0"/>
-                <a:ea typeface="Calibri" panose="020F0502020204030204" pitchFamily="34" charset="0"/>
-                <a:cs typeface="Arial" panose="020B0604020202020204" pitchFamily="34" charset="0"/>
-              </a:rPr>
-              <a:t>);</a:t>
-            </a:r>
-            <a:br>
-              <a:rPr lang="en-US" sz="1200" dirty="0">
-                <a:solidFill>
-                  <a:srgbClr val="000000"/>
-                </a:solidFill>
-                <a:latin typeface="Calibri" panose="020F0502020204030204" pitchFamily="34" charset="0"/>
-                <a:ea typeface="Calibri" panose="020F0502020204030204" pitchFamily="34" charset="0"/>
-                <a:cs typeface="Arial" panose="020B0604020202020204" pitchFamily="34" charset="0"/>
-              </a:rPr>
-            </a:br>
-            <a:r>
-              <a:rPr lang="en-US" sz="1200" dirty="0">
-                <a:solidFill>
-                  <a:srgbClr val="000000"/>
-                </a:solidFill>
-                <a:latin typeface="Calibri" panose="020F0502020204030204" pitchFamily="34" charset="0"/>
-                <a:ea typeface="Calibri" panose="020F0502020204030204" pitchFamily="34" charset="0"/>
-                <a:cs typeface="Arial" panose="020B0604020202020204" pitchFamily="34" charset="0"/>
-              </a:rPr>
-              <a:t>    }</a:t>
-            </a:r>
-            <a:br>
-              <a:rPr lang="en-US" sz="1200" dirty="0">
-                <a:solidFill>
-                  <a:srgbClr val="000000"/>
-                </a:solidFill>
-                <a:latin typeface="Calibri" panose="020F0502020204030204" pitchFamily="34" charset="0"/>
-                <a:ea typeface="Calibri" panose="020F0502020204030204" pitchFamily="34" charset="0"/>
-                <a:cs typeface="Arial" panose="020B0604020202020204" pitchFamily="34" charset="0"/>
-              </a:rPr>
-            </a:br>
-            <a:r>
-              <a:rPr lang="en-US" sz="1200" dirty="0">
-                <a:solidFill>
-                  <a:srgbClr val="000000"/>
-                </a:solidFill>
-                <a:latin typeface="Calibri" panose="020F0502020204030204" pitchFamily="34" charset="0"/>
-                <a:ea typeface="Calibri" panose="020F0502020204030204" pitchFamily="34" charset="0"/>
-                <a:cs typeface="Arial" panose="020B0604020202020204" pitchFamily="34" charset="0"/>
-              </a:rPr>
-              <a:t>}</a:t>
-            </a:r>
-            <a:br>
-              <a:rPr lang="en-US" sz="1200" dirty="0">
-                <a:solidFill>
-                  <a:srgbClr val="000000"/>
-                </a:solidFill>
-                <a:latin typeface="Calibri" panose="020F0502020204030204" pitchFamily="34" charset="0"/>
-                <a:ea typeface="Calibri" panose="020F0502020204030204" pitchFamily="34" charset="0"/>
-                <a:cs typeface="Arial" panose="020B0604020202020204" pitchFamily="34" charset="0"/>
-              </a:rPr>
-            </a:br>
-            <a:br>
-              <a:rPr lang="en-US" sz="1200" dirty="0">
-                <a:solidFill>
-                  <a:srgbClr val="000000"/>
-                </a:solidFill>
-                <a:latin typeface="Calibri" panose="020F0502020204030204" pitchFamily="34" charset="0"/>
-                <a:ea typeface="Calibri" panose="020F0502020204030204" pitchFamily="34" charset="0"/>
-                <a:cs typeface="Arial" panose="020B0604020202020204" pitchFamily="34" charset="0"/>
-              </a:rPr>
-            </a:br>
-            <a:r>
-              <a:rPr lang="en-US" sz="1200" b="1" dirty="0">
-                <a:solidFill>
-                  <a:srgbClr val="000080"/>
-                </a:solidFill>
-                <a:latin typeface="Calibri" panose="020F0502020204030204" pitchFamily="34" charset="0"/>
-                <a:ea typeface="Calibri" panose="020F0502020204030204" pitchFamily="34" charset="0"/>
-                <a:cs typeface="Arial" panose="020B0604020202020204" pitchFamily="34" charset="0"/>
-              </a:rPr>
-              <a:t>class </a:t>
-            </a:r>
-            <a:r>
-              <a:rPr lang="en-US" sz="1200" dirty="0">
-                <a:solidFill>
-                  <a:srgbClr val="000000"/>
-                </a:solidFill>
-                <a:latin typeface="Calibri" panose="020F0502020204030204" pitchFamily="34" charset="0"/>
-                <a:ea typeface="Calibri" panose="020F0502020204030204" pitchFamily="34" charset="0"/>
-                <a:cs typeface="Arial" panose="020B0604020202020204" pitchFamily="34" charset="0"/>
-              </a:rPr>
-              <a:t>MyClass2 {</a:t>
-            </a:r>
-            <a:br>
-              <a:rPr lang="en-US" sz="1200" dirty="0">
-                <a:solidFill>
-                  <a:srgbClr val="000000"/>
-                </a:solidFill>
-                <a:latin typeface="Calibri" panose="020F0502020204030204" pitchFamily="34" charset="0"/>
-                <a:ea typeface="Calibri" panose="020F0502020204030204" pitchFamily="34" charset="0"/>
-                <a:cs typeface="Arial" panose="020B0604020202020204" pitchFamily="34" charset="0"/>
-              </a:rPr>
-            </a:br>
-            <a:r>
-              <a:rPr lang="en-US" sz="1200" dirty="0">
-                <a:solidFill>
-                  <a:srgbClr val="000000"/>
-                </a:solidFill>
-                <a:latin typeface="Calibri" panose="020F0502020204030204" pitchFamily="34" charset="0"/>
-                <a:ea typeface="Calibri" panose="020F0502020204030204" pitchFamily="34" charset="0"/>
-                <a:cs typeface="Arial" panose="020B0604020202020204" pitchFamily="34" charset="0"/>
-              </a:rPr>
-              <a:t>    </a:t>
-            </a:r>
-            <a:r>
-              <a:rPr lang="en-US" sz="1200" b="1" dirty="0">
-                <a:solidFill>
-                  <a:srgbClr val="000080"/>
-                </a:solidFill>
-                <a:latin typeface="Calibri" panose="020F0502020204030204" pitchFamily="34" charset="0"/>
-                <a:ea typeface="Calibri" panose="020F0502020204030204" pitchFamily="34" charset="0"/>
-                <a:cs typeface="Arial" panose="020B0604020202020204" pitchFamily="34" charset="0"/>
-              </a:rPr>
-              <a:t>static </a:t>
-            </a:r>
-            <a:r>
-              <a:rPr lang="en-US" sz="1200" i="1" dirty="0">
-                <a:solidFill>
-                  <a:srgbClr val="660E7A"/>
-                </a:solidFill>
-                <a:latin typeface="Calibri" panose="020F0502020204030204" pitchFamily="34" charset="0"/>
-                <a:ea typeface="Calibri" panose="020F0502020204030204" pitchFamily="34" charset="0"/>
-                <a:cs typeface="Arial" panose="020B0604020202020204" pitchFamily="34" charset="0"/>
-              </a:rPr>
-              <a:t>parameters </a:t>
-            </a:r>
-            <a:r>
-              <a:rPr lang="en-US" sz="1200" dirty="0">
-                <a:solidFill>
-                  <a:srgbClr val="000000"/>
-                </a:solidFill>
-                <a:latin typeface="Calibri" panose="020F0502020204030204" pitchFamily="34" charset="0"/>
-                <a:ea typeface="Calibri" panose="020F0502020204030204" pitchFamily="34" charset="0"/>
-                <a:cs typeface="Arial" panose="020B0604020202020204" pitchFamily="34" charset="0"/>
-              </a:rPr>
-              <a:t>= [MyClass1];</a:t>
-            </a:r>
-            <a:br>
-              <a:rPr lang="en-US" sz="1200" dirty="0">
-                <a:solidFill>
-                  <a:srgbClr val="000000"/>
-                </a:solidFill>
-                <a:latin typeface="Calibri" panose="020F0502020204030204" pitchFamily="34" charset="0"/>
-                <a:ea typeface="Calibri" panose="020F0502020204030204" pitchFamily="34" charset="0"/>
-                <a:cs typeface="Arial" panose="020B0604020202020204" pitchFamily="34" charset="0"/>
-              </a:rPr>
-            </a:br>
-            <a:br>
-              <a:rPr lang="en-US" sz="1200" dirty="0">
-                <a:solidFill>
-                  <a:srgbClr val="000000"/>
-                </a:solidFill>
-                <a:latin typeface="Calibri" panose="020F0502020204030204" pitchFamily="34" charset="0"/>
-                <a:ea typeface="Calibri" panose="020F0502020204030204" pitchFamily="34" charset="0"/>
-                <a:cs typeface="Arial" panose="020B0604020202020204" pitchFamily="34" charset="0"/>
-              </a:rPr>
-            </a:br>
-            <a:r>
-              <a:rPr lang="en-US" sz="1200" dirty="0">
-                <a:solidFill>
-                  <a:srgbClr val="000000"/>
-                </a:solidFill>
-                <a:latin typeface="Calibri" panose="020F0502020204030204" pitchFamily="34" charset="0"/>
-                <a:ea typeface="Calibri" panose="020F0502020204030204" pitchFamily="34" charset="0"/>
-                <a:cs typeface="Arial" panose="020B0604020202020204" pitchFamily="34" charset="0"/>
-              </a:rPr>
-              <a:t>    </a:t>
-            </a:r>
-            <a:r>
-              <a:rPr lang="en-US" sz="1200" b="1" dirty="0">
-                <a:solidFill>
-                  <a:srgbClr val="000080"/>
-                </a:solidFill>
-                <a:latin typeface="Calibri" panose="020F0502020204030204" pitchFamily="34" charset="0"/>
-                <a:ea typeface="Calibri" panose="020F0502020204030204" pitchFamily="34" charset="0"/>
-                <a:cs typeface="Arial" panose="020B0604020202020204" pitchFamily="34" charset="0"/>
-              </a:rPr>
-              <a:t>constructor</a:t>
-            </a:r>
-            <a:r>
-              <a:rPr lang="en-US" sz="1200" dirty="0">
-                <a:solidFill>
-                  <a:srgbClr val="000000"/>
-                </a:solidFill>
-                <a:latin typeface="Calibri" panose="020F0502020204030204" pitchFamily="34" charset="0"/>
-                <a:ea typeface="Calibri" panose="020F0502020204030204" pitchFamily="34" charset="0"/>
-                <a:cs typeface="Arial" panose="020B0604020202020204" pitchFamily="34" charset="0"/>
-              </a:rPr>
-              <a:t>(obj1: MyClass1) {</a:t>
-            </a:r>
-            <a:br>
-              <a:rPr lang="en-US" sz="1200" dirty="0">
-                <a:solidFill>
-                  <a:srgbClr val="000000"/>
-                </a:solidFill>
-                <a:latin typeface="Calibri" panose="020F0502020204030204" pitchFamily="34" charset="0"/>
-                <a:ea typeface="Calibri" panose="020F0502020204030204" pitchFamily="34" charset="0"/>
-                <a:cs typeface="Arial" panose="020B0604020202020204" pitchFamily="34" charset="0"/>
-              </a:rPr>
-            </a:br>
-            <a:r>
-              <a:rPr lang="en-US" sz="1200" dirty="0">
-                <a:solidFill>
-                  <a:srgbClr val="000000"/>
-                </a:solidFill>
-                <a:latin typeface="Calibri" panose="020F0502020204030204" pitchFamily="34" charset="0"/>
-                <a:ea typeface="Calibri" panose="020F0502020204030204" pitchFamily="34" charset="0"/>
-                <a:cs typeface="Arial" panose="020B0604020202020204" pitchFamily="34" charset="0"/>
-              </a:rPr>
-              <a:t>    }</a:t>
-            </a:r>
-            <a:br>
-              <a:rPr lang="en-US" sz="1200" dirty="0">
-                <a:solidFill>
-                  <a:srgbClr val="000000"/>
-                </a:solidFill>
-                <a:latin typeface="Calibri" panose="020F0502020204030204" pitchFamily="34" charset="0"/>
-                <a:ea typeface="Calibri" panose="020F0502020204030204" pitchFamily="34" charset="0"/>
-                <a:cs typeface="Arial" panose="020B0604020202020204" pitchFamily="34" charset="0"/>
-              </a:rPr>
-            </a:br>
-            <a:r>
-              <a:rPr lang="en-US" sz="1200" dirty="0">
-                <a:solidFill>
-                  <a:srgbClr val="000000"/>
-                </a:solidFill>
-                <a:latin typeface="Calibri" panose="020F0502020204030204" pitchFamily="34" charset="0"/>
-                <a:ea typeface="Calibri" panose="020F0502020204030204" pitchFamily="34" charset="0"/>
-                <a:cs typeface="Arial" panose="020B0604020202020204" pitchFamily="34" charset="0"/>
-              </a:rPr>
-              <a:t>}</a:t>
-            </a:r>
-            <a:br>
-              <a:rPr lang="en-US" sz="1200" dirty="0">
-                <a:solidFill>
-                  <a:srgbClr val="000000"/>
-                </a:solidFill>
-                <a:latin typeface="Calibri" panose="020F0502020204030204" pitchFamily="34" charset="0"/>
-                <a:ea typeface="Calibri" panose="020F0502020204030204" pitchFamily="34" charset="0"/>
-                <a:cs typeface="Arial" panose="020B0604020202020204" pitchFamily="34" charset="0"/>
-              </a:rPr>
-            </a:br>
-            <a:br>
-              <a:rPr lang="en-US" sz="1200" dirty="0">
-                <a:solidFill>
-                  <a:srgbClr val="000000"/>
-                </a:solidFill>
-                <a:latin typeface="Calibri" panose="020F0502020204030204" pitchFamily="34" charset="0"/>
-                <a:ea typeface="Calibri" panose="020F0502020204030204" pitchFamily="34" charset="0"/>
-                <a:cs typeface="Arial" panose="020B0604020202020204" pitchFamily="34" charset="0"/>
-              </a:rPr>
-            </a:br>
-            <a:r>
-              <a:rPr lang="en-US" sz="1200" b="1" dirty="0" err="1">
-                <a:solidFill>
-                  <a:srgbClr val="000080"/>
-                </a:solidFill>
-                <a:latin typeface="Calibri" panose="020F0502020204030204" pitchFamily="34" charset="0"/>
-                <a:ea typeface="Calibri" panose="020F0502020204030204" pitchFamily="34" charset="0"/>
-                <a:cs typeface="Arial" panose="020B0604020202020204" pitchFamily="34" charset="0"/>
-              </a:rPr>
-              <a:t>const</a:t>
-            </a:r>
-            <a:r>
-              <a:rPr lang="en-US" sz="1200" b="1" dirty="0">
-                <a:solidFill>
-                  <a:srgbClr val="000080"/>
-                </a:solidFill>
-                <a:latin typeface="Calibri" panose="020F0502020204030204" pitchFamily="34" charset="0"/>
-                <a:ea typeface="Calibri" panose="020F0502020204030204" pitchFamily="34" charset="0"/>
-                <a:cs typeface="Arial" panose="020B0604020202020204" pitchFamily="34" charset="0"/>
-              </a:rPr>
-              <a:t> </a:t>
-            </a:r>
-            <a:r>
-              <a:rPr lang="en-US" sz="1200" dirty="0">
-                <a:solidFill>
-                  <a:srgbClr val="458383"/>
-                </a:solidFill>
-                <a:latin typeface="Calibri" panose="020F0502020204030204" pitchFamily="34" charset="0"/>
-                <a:ea typeface="Calibri" panose="020F0502020204030204" pitchFamily="34" charset="0"/>
-                <a:cs typeface="Arial" panose="020B0604020202020204" pitchFamily="34" charset="0"/>
-              </a:rPr>
-              <a:t>injector </a:t>
-            </a:r>
-            <a:r>
-              <a:rPr lang="en-US" sz="1200" dirty="0">
-                <a:solidFill>
-                  <a:srgbClr val="000000"/>
-                </a:solidFill>
-                <a:latin typeface="Calibri" panose="020F0502020204030204" pitchFamily="34" charset="0"/>
-                <a:ea typeface="Calibri" panose="020F0502020204030204" pitchFamily="34" charset="0"/>
-                <a:cs typeface="Arial" panose="020B0604020202020204" pitchFamily="34" charset="0"/>
-              </a:rPr>
-              <a:t>= </a:t>
-            </a:r>
-            <a:r>
-              <a:rPr lang="en-US" sz="1200" dirty="0" err="1">
-                <a:solidFill>
-                  <a:srgbClr val="000000"/>
-                </a:solidFill>
-                <a:latin typeface="Calibri" panose="020F0502020204030204" pitchFamily="34" charset="0"/>
-                <a:ea typeface="Calibri" panose="020F0502020204030204" pitchFamily="34" charset="0"/>
-                <a:cs typeface="Arial" panose="020B0604020202020204" pitchFamily="34" charset="0"/>
-              </a:rPr>
-              <a:t>ReflectiveInjector.</a:t>
-            </a:r>
-            <a:r>
-              <a:rPr lang="en-US" sz="1200" i="1" dirty="0" err="1">
-                <a:solidFill>
-                  <a:srgbClr val="000000"/>
-                </a:solidFill>
-                <a:latin typeface="Calibri" panose="020F0502020204030204" pitchFamily="34" charset="0"/>
-                <a:ea typeface="Calibri" panose="020F0502020204030204" pitchFamily="34" charset="0"/>
-                <a:cs typeface="Arial" panose="020B0604020202020204" pitchFamily="34" charset="0"/>
-              </a:rPr>
-              <a:t>resolveAndCreate</a:t>
-            </a:r>
-            <a:r>
-              <a:rPr lang="en-US" sz="1200" dirty="0">
-                <a:solidFill>
-                  <a:srgbClr val="000000"/>
-                </a:solidFill>
-                <a:latin typeface="Calibri" panose="020F0502020204030204" pitchFamily="34" charset="0"/>
-                <a:ea typeface="Calibri" panose="020F0502020204030204" pitchFamily="34" charset="0"/>
-                <a:cs typeface="Arial" panose="020B0604020202020204" pitchFamily="34" charset="0"/>
-              </a:rPr>
-              <a:t>([</a:t>
-            </a:r>
-            <a:br>
-              <a:rPr lang="en-US" sz="1200" dirty="0">
-                <a:solidFill>
-                  <a:srgbClr val="000000"/>
-                </a:solidFill>
-                <a:latin typeface="Calibri" panose="020F0502020204030204" pitchFamily="34" charset="0"/>
-                <a:ea typeface="Calibri" panose="020F0502020204030204" pitchFamily="34" charset="0"/>
-                <a:cs typeface="Arial" panose="020B0604020202020204" pitchFamily="34" charset="0"/>
-              </a:rPr>
-            </a:br>
-            <a:r>
-              <a:rPr lang="en-US" sz="1200" dirty="0">
-                <a:solidFill>
-                  <a:srgbClr val="000000"/>
-                </a:solidFill>
-                <a:latin typeface="Calibri" panose="020F0502020204030204" pitchFamily="34" charset="0"/>
-                <a:ea typeface="Calibri" panose="020F0502020204030204" pitchFamily="34" charset="0"/>
-                <a:cs typeface="Arial" panose="020B0604020202020204" pitchFamily="34" charset="0"/>
-              </a:rPr>
-              <a:t>    MyClass1,</a:t>
-            </a:r>
-            <a:br>
-              <a:rPr lang="en-US" sz="1200" dirty="0">
-                <a:solidFill>
-                  <a:srgbClr val="000000"/>
-                </a:solidFill>
-                <a:latin typeface="Calibri" panose="020F0502020204030204" pitchFamily="34" charset="0"/>
-                <a:ea typeface="Calibri" panose="020F0502020204030204" pitchFamily="34" charset="0"/>
-                <a:cs typeface="Arial" panose="020B0604020202020204" pitchFamily="34" charset="0"/>
-              </a:rPr>
-            </a:br>
-            <a:r>
-              <a:rPr lang="en-US" sz="1200" dirty="0">
-                <a:solidFill>
-                  <a:srgbClr val="000000"/>
-                </a:solidFill>
-                <a:latin typeface="Calibri" panose="020F0502020204030204" pitchFamily="34" charset="0"/>
-                <a:ea typeface="Calibri" panose="020F0502020204030204" pitchFamily="34" charset="0"/>
-                <a:cs typeface="Arial" panose="020B0604020202020204" pitchFamily="34" charset="0"/>
-              </a:rPr>
-              <a:t>    MyClass2</a:t>
-            </a:r>
-            <a:br>
-              <a:rPr lang="en-US" sz="1200" dirty="0">
-                <a:solidFill>
-                  <a:srgbClr val="000000"/>
-                </a:solidFill>
-                <a:latin typeface="Calibri" panose="020F0502020204030204" pitchFamily="34" charset="0"/>
-                <a:ea typeface="Calibri" panose="020F0502020204030204" pitchFamily="34" charset="0"/>
-                <a:cs typeface="Arial" panose="020B0604020202020204" pitchFamily="34" charset="0"/>
-              </a:rPr>
-            </a:br>
-            <a:r>
-              <a:rPr lang="en-US" sz="1200" dirty="0">
-                <a:solidFill>
-                  <a:srgbClr val="000000"/>
-                </a:solidFill>
-                <a:latin typeface="Calibri" panose="020F0502020204030204" pitchFamily="34" charset="0"/>
-                <a:ea typeface="Calibri" panose="020F0502020204030204" pitchFamily="34" charset="0"/>
-                <a:cs typeface="Arial" panose="020B0604020202020204" pitchFamily="34" charset="0"/>
-              </a:rPr>
-              <a:t>]);</a:t>
-            </a:r>
-            <a:br>
-              <a:rPr lang="en-US" sz="1200" dirty="0">
-                <a:solidFill>
-                  <a:srgbClr val="000000"/>
-                </a:solidFill>
-                <a:latin typeface="Calibri" panose="020F0502020204030204" pitchFamily="34" charset="0"/>
-                <a:ea typeface="Calibri" panose="020F0502020204030204" pitchFamily="34" charset="0"/>
-                <a:cs typeface="Arial" panose="020B0604020202020204" pitchFamily="34" charset="0"/>
-              </a:rPr>
-            </a:br>
-            <a:br>
-              <a:rPr lang="en-US" sz="1200" dirty="0">
-                <a:solidFill>
-                  <a:srgbClr val="000000"/>
-                </a:solidFill>
-                <a:latin typeface="Calibri" panose="020F0502020204030204" pitchFamily="34" charset="0"/>
-                <a:ea typeface="Calibri" panose="020F0502020204030204" pitchFamily="34" charset="0"/>
-                <a:cs typeface="Arial" panose="020B0604020202020204" pitchFamily="34" charset="0"/>
-              </a:rPr>
-            </a:br>
-            <a:r>
-              <a:rPr lang="en-US" sz="1200" b="1" dirty="0" err="1">
-                <a:solidFill>
-                  <a:srgbClr val="000080"/>
-                </a:solidFill>
-                <a:latin typeface="Calibri" panose="020F0502020204030204" pitchFamily="34" charset="0"/>
-                <a:ea typeface="Calibri" panose="020F0502020204030204" pitchFamily="34" charset="0"/>
-                <a:cs typeface="Arial" panose="020B0604020202020204" pitchFamily="34" charset="0"/>
-              </a:rPr>
-              <a:t>const</a:t>
-            </a:r>
-            <a:r>
-              <a:rPr lang="en-US" sz="1200" b="1" dirty="0">
-                <a:solidFill>
-                  <a:srgbClr val="000080"/>
-                </a:solidFill>
-                <a:latin typeface="Calibri" panose="020F0502020204030204" pitchFamily="34" charset="0"/>
-                <a:ea typeface="Calibri" panose="020F0502020204030204" pitchFamily="34" charset="0"/>
-                <a:cs typeface="Arial" panose="020B0604020202020204" pitchFamily="34" charset="0"/>
-              </a:rPr>
-              <a:t> </a:t>
-            </a:r>
-            <a:r>
-              <a:rPr lang="en-US" sz="1200" dirty="0" err="1">
-                <a:solidFill>
-                  <a:srgbClr val="458383"/>
-                </a:solidFill>
-                <a:latin typeface="Calibri" panose="020F0502020204030204" pitchFamily="34" charset="0"/>
-                <a:ea typeface="Calibri" panose="020F0502020204030204" pitchFamily="34" charset="0"/>
-                <a:cs typeface="Arial" panose="020B0604020202020204" pitchFamily="34" charset="0"/>
-              </a:rPr>
-              <a:t>obj</a:t>
-            </a:r>
-            <a:r>
-              <a:rPr lang="en-US" sz="1200" dirty="0">
-                <a:solidFill>
-                  <a:srgbClr val="458383"/>
-                </a:solidFill>
-                <a:latin typeface="Calibri" panose="020F0502020204030204" pitchFamily="34" charset="0"/>
-                <a:ea typeface="Calibri" panose="020F0502020204030204" pitchFamily="34" charset="0"/>
-                <a:cs typeface="Arial" panose="020B0604020202020204" pitchFamily="34" charset="0"/>
-              </a:rPr>
-              <a:t> </a:t>
-            </a:r>
-            <a:r>
-              <a:rPr lang="en-US" sz="1200" dirty="0">
-                <a:solidFill>
-                  <a:srgbClr val="000000"/>
-                </a:solidFill>
-                <a:latin typeface="Calibri" panose="020F0502020204030204" pitchFamily="34" charset="0"/>
-                <a:ea typeface="Calibri" panose="020F0502020204030204" pitchFamily="34" charset="0"/>
-                <a:cs typeface="Arial" panose="020B0604020202020204" pitchFamily="34" charset="0"/>
-              </a:rPr>
-              <a:t>= </a:t>
-            </a:r>
-            <a:r>
-              <a:rPr lang="en-US" sz="1200" dirty="0" err="1">
-                <a:solidFill>
-                  <a:srgbClr val="458383"/>
-                </a:solidFill>
-                <a:latin typeface="Calibri" panose="020F0502020204030204" pitchFamily="34" charset="0"/>
-                <a:ea typeface="Calibri" panose="020F0502020204030204" pitchFamily="34" charset="0"/>
-                <a:cs typeface="Arial" panose="020B0604020202020204" pitchFamily="34" charset="0"/>
-              </a:rPr>
-              <a:t>injector</a:t>
-            </a:r>
-            <a:r>
-              <a:rPr lang="en-US" sz="1200" dirty="0" err="1">
-                <a:solidFill>
-                  <a:srgbClr val="000000"/>
-                </a:solidFill>
-                <a:latin typeface="Calibri" panose="020F0502020204030204" pitchFamily="34" charset="0"/>
-                <a:ea typeface="Calibri" panose="020F0502020204030204" pitchFamily="34" charset="0"/>
-                <a:cs typeface="Arial" panose="020B0604020202020204" pitchFamily="34" charset="0"/>
-              </a:rPr>
-              <a:t>.</a:t>
-            </a:r>
-            <a:r>
-              <a:rPr lang="en-US" sz="1200" dirty="0" err="1">
-                <a:solidFill>
-                  <a:srgbClr val="7A7A43"/>
-                </a:solidFill>
-                <a:latin typeface="Calibri" panose="020F0502020204030204" pitchFamily="34" charset="0"/>
-                <a:ea typeface="Calibri" panose="020F0502020204030204" pitchFamily="34" charset="0"/>
-                <a:cs typeface="Arial" panose="020B0604020202020204" pitchFamily="34" charset="0"/>
-              </a:rPr>
               <a:t>get</a:t>
             </a:r>
             <a:r>
-              <a:rPr lang="en-US" sz="1200" dirty="0">
+              <a:rPr lang="en-US" sz="1400" dirty="0">
                 <a:solidFill>
                   <a:srgbClr val="000000"/>
                 </a:solidFill>
@@ -6920,7 +6914,7 @@
               </a:rPr>
               <a:t>(MyClass2);</a:t>
             </a:r>
-            <a:endParaRPr lang="he-IL" sz="1200" dirty="0"/>
+            <a:endParaRPr lang="he-IL" sz="1400" dirty="0"/>
           </a:p>
         </p:txBody>
       </p:sp>
@@ -6941,8 +6935,8 @@
               <a:gd name="adj2" fmla="val -8333"/>
               <a:gd name="adj3" fmla="val 18750"/>
               <a:gd name="adj4" fmla="val -16667"/>
-              <a:gd name="adj5" fmla="val 96489"/>
-              <a:gd name="adj6" fmla="val -203278"/>
+              <a:gd name="adj5" fmla="val 80778"/>
+              <a:gd name="adj6" fmla="val -172571"/>
             </a:avLst>
           </a:prstGeom>
         </p:spPr>
@@ -7241,7 +7235,7 @@
         </p:nvSpPr>
         <p:spPr>
           <a:xfrm>
-            <a:off x="3537220" y="1916832"/>
+            <a:off x="4000956" y="1916832"/>
             <a:ext cx="2546948" cy="3754874"/>
           </a:xfrm>
           <a:prstGeom prst="rect">
@@ -7480,6 +7474,17 @@
                 <a:cs typeface="Arial" panose="020B0604020202020204" pitchFamily="34" charset="0"/>
               </a:rPr>
             </a:br>
+            <a:r>
+              <a:rPr lang="en-US" sz="1400" dirty="0">
+                <a:solidFill>
+                  <a:srgbClr val="000000"/>
+                </a:solidFill>
+                <a:latin typeface="Calibri" panose="020F0502020204030204" pitchFamily="34" charset="0"/>
+                <a:ea typeface="Calibri" panose="020F0502020204030204" pitchFamily="34" charset="0"/>
+                <a:cs typeface="Arial" panose="020B0604020202020204" pitchFamily="34" charset="0"/>
+              </a:rPr>
+              <a:t/>
+            </a:r>
             <a:br>
               <a:rPr lang="en-US" sz="1400" dirty="0">
                 <a:solidFill>
@@ -7694,6 +7699,17 @@
                 <a:cs typeface="Arial" panose="020B0604020202020204" pitchFamily="34" charset="0"/>
               </a:rPr>
             </a:br>
+            <a:r>
+              <a:rPr lang="en-US" sz="1400" dirty="0">
+                <a:solidFill>
+                  <a:srgbClr val="000000"/>
+                </a:solidFill>
+                <a:latin typeface="Calibri" panose="020F0502020204030204" pitchFamily="34" charset="0"/>
+                <a:ea typeface="Calibri" panose="020F0502020204030204" pitchFamily="34" charset="0"/>
+                <a:cs typeface="Arial" panose="020B0604020202020204" pitchFamily="34" charset="0"/>
+              </a:rPr>
+              <a:t/>
+            </a:r>
             <a:br>
               <a:rPr lang="en-US" sz="1400" dirty="0">
                 <a:solidFill>
@@ -7875,8 +7891,8 @@
               <a:gd name="adj2" fmla="val -8333"/>
               <a:gd name="adj3" fmla="val 18750"/>
               <a:gd name="adj4" fmla="val -16667"/>
-              <a:gd name="adj5" fmla="val -103544"/>
-              <a:gd name="adj6" fmla="val -183406"/>
+              <a:gd name="adj5" fmla="val -101973"/>
+              <a:gd name="adj6" fmla="val -144063"/>
             </a:avLst>
           </a:prstGeom>
         </p:spPr>
@@ -7925,8 +7941,8 @@
               <a:gd name="adj2" fmla="val -8333"/>
               <a:gd name="adj3" fmla="val 18750"/>
               <a:gd name="adj4" fmla="val -16667"/>
-              <a:gd name="adj5" fmla="val -13168"/>
-              <a:gd name="adj6" fmla="val -261421"/>
+              <a:gd name="adj5" fmla="val -6884"/>
+              <a:gd name="adj6" fmla="val -220159"/>
             </a:avLst>
           </a:prstGeom>
         </p:spPr>
@@ -7966,8 +7982,8 @@
         </p:nvSpPr>
         <p:spPr>
           <a:xfrm>
-            <a:off x="289380" y="3055605"/>
-            <a:ext cx="2799673" cy="2123658"/>
+            <a:off x="213260" y="3154515"/>
+            <a:ext cx="3247840" cy="1938992"/>
           </a:xfrm>
           <a:prstGeom prst="rect">
             <a:avLst/>
@@ -8164,6 +8180,17 @@
             </a:r>
           </a:p>
           <a:p>
+            <a:r>
+              <a:rPr lang="en-US" sz="1200" dirty="0">
+                <a:solidFill>
+                  <a:srgbClr val="000000"/>
+                </a:solidFill>
+                <a:latin typeface="Calibri" panose="020F0502020204030204" pitchFamily="34" charset="0"/>
+                <a:ea typeface="Calibri" panose="020F0502020204030204" pitchFamily="34" charset="0"/>
+                <a:cs typeface="Arial" panose="020B0604020202020204" pitchFamily="34" charset="0"/>
+              </a:rPr>
+              <a:t/>
+            </a:r>
             <a:br>
               <a:rPr lang="en-US" sz="1200" dirty="0">
                 <a:solidFill>
@@ -8368,6 +8395,57 @@
           </a:p>
         </p:txBody>
       </p:sp>
+      <p:sp>
+        <p:nvSpPr>
+          <p:cNvPr id="14" name="Line Callout 2 6"/>
+          <p:cNvSpPr/>
+          <p:nvPr/>
+        </p:nvSpPr>
+        <p:spPr>
+          <a:xfrm>
+            <a:off x="2051720" y="5748322"/>
+            <a:ext cx="1206224" cy="736727"/>
+          </a:xfrm>
+          <a:prstGeom prst="borderCallout2">
+            <a:avLst>
+              <a:gd name="adj1" fmla="val 18750"/>
+              <a:gd name="adj2" fmla="val -8333"/>
+              <a:gd name="adj3" fmla="val 18750"/>
+              <a:gd name="adj4" fmla="val -16667"/>
+              <a:gd name="adj5" fmla="val -113795"/>
+              <a:gd name="adj6" fmla="val 796"/>
+            </a:avLst>
+          </a:prstGeom>
+        </p:spPr>
+        <p:style>
+          <a:lnRef idx="2">
+            <a:schemeClr val="accent1">
+              <a:shade val="50000"/>
+            </a:schemeClr>
+          </a:lnRef>
+          <a:fillRef idx="1">
+            <a:schemeClr val="accent1"/>
+          </a:fillRef>
+          <a:effectRef idx="0">
+            <a:schemeClr val="accent1"/>
+          </a:effectRef>
+          <a:fontRef idx="minor">
+            <a:schemeClr val="lt1"/>
+          </a:fontRef>
+        </p:style>
+        <p:txBody>
+          <a:bodyPr rtlCol="0" anchor="ctr"/>
+          <a:lstStyle/>
+          <a:p>
+            <a:pPr algn="ctr"/>
+            <a:r>
+              <a:rPr lang="en-US" sz="1400" dirty="0" smtClean="0"/>
+              <a:t>Metadata</a:t>
+            </a:r>
+            <a:endParaRPr lang="en-US" sz="1400" dirty="0"/>
+          </a:p>
+        </p:txBody>
+      </p:sp>
     </p:spTree>
     <p:extLst>
       <p:ext uri="{BB962C8B-B14F-4D97-AF65-F5344CB8AC3E}">
@@ -8673,8 +8751,8 @@
               <a:gd name="adj2" fmla="val -8333"/>
               <a:gd name="adj3" fmla="val 18750"/>
               <a:gd name="adj4" fmla="val -16667"/>
-              <a:gd name="adj5" fmla="val -86674"/>
-              <a:gd name="adj6" fmla="val -121584"/>
+              <a:gd name="adj5" fmla="val -59965"/>
+              <a:gd name="adj6" fmla="val -120624"/>
             </a:avLst>
           </a:prstGeom>
         </p:spPr>
@@ -8715,7 +8793,7 @@
         <p:spPr>
           <a:xfrm>
             <a:off x="2403348" y="3568335"/>
-            <a:ext cx="4572000" cy="1600438"/>
+            <a:ext cx="4572000" cy="1815882"/>
           </a:xfrm>
           <a:prstGeom prst="rect">
             <a:avLst/>
@@ -9053,6 +9131,17 @@
                 <a:cs typeface="Arial" panose="020B0604020202020204" pitchFamily="34" charset="0"/>
               </a:rPr>
             </a:br>
+            <a:r>
+              <a:rPr lang="en-US" sz="1400" dirty="0">
+                <a:solidFill>
+                  <a:srgbClr val="000000"/>
+                </a:solidFill>
+                <a:latin typeface="Calibri" panose="020F0502020204030204" pitchFamily="34" charset="0"/>
+                <a:ea typeface="Calibri" panose="020F0502020204030204" pitchFamily="34" charset="0"/>
+                <a:cs typeface="Arial" panose="020B0604020202020204" pitchFamily="34" charset="0"/>
+              </a:rPr>
+              <a:t/>
+            </a:r>
             <a:br>
               <a:rPr lang="en-US" sz="1400" dirty="0">
                 <a:solidFill>
@@ -9185,7 +9274,7 @@
               <a:t>myService</a:t>
             </a:r>
             <a:r>
-              <a:rPr lang="en-US" sz="1400" b="1" dirty="0">
+              <a:rPr lang="en-US" sz="1400" b="1" dirty="0" smtClean="0">
                 <a:solidFill>
                   <a:srgbClr val="008000"/>
                 </a:solidFill>
@@ -9196,7 +9285,7 @@
               <a:t>"</a:t>
             </a:r>
             <a:r>
-              <a:rPr lang="en-US" sz="1400" dirty="0">
+              <a:rPr lang="en-US" sz="1400" dirty="0" smtClean="0">
                 <a:solidFill>
                   <a:srgbClr val="000000"/>
                 </a:solidFill>
@@ -9205,6 +9294,19 @@
                 <a:cs typeface="Arial" panose="020B0604020202020204" pitchFamily="34" charset="0"/>
               </a:rPr>
               <a:t>);</a:t>
+            </a:r>
+          </a:p>
+          <a:p>
+            <a:r>
+              <a:rPr lang="en-US" sz="1400" dirty="0">
+                <a:solidFill>
+                  <a:srgbClr val="000000"/>
+                </a:solidFill>
+                <a:latin typeface="Calibri" panose="020F0502020204030204" pitchFamily="34" charset="0"/>
+                <a:ea typeface="Calibri" panose="020F0502020204030204" pitchFamily="34" charset="0"/>
+                <a:cs typeface="Arial" panose="020B0604020202020204" pitchFamily="34" charset="0"/>
+              </a:rPr>
+              <a:t/>
             </a:r>
             <a:br>
               <a:rPr lang="en-US" sz="1400" dirty="0">
@@ -9689,6 +9791,17 @@
                 <a:cs typeface="Arial" panose="020B0604020202020204" pitchFamily="34" charset="0"/>
               </a:rPr>
             </a:br>
+            <a:r>
+              <a:rPr lang="en-US" sz="1400" dirty="0">
+                <a:solidFill>
+                  <a:srgbClr val="000000"/>
+                </a:solidFill>
+                <a:latin typeface="Calibri" panose="020F0502020204030204" pitchFamily="34" charset="0"/>
+                <a:ea typeface="Calibri" panose="020F0502020204030204" pitchFamily="34" charset="0"/>
+                <a:cs typeface="Arial" panose="020B0604020202020204" pitchFamily="34" charset="0"/>
+              </a:rPr>
+              <a:t/>
+            </a:r>
             <a:br>
               <a:rPr lang="en-US" sz="1400" dirty="0">
                 <a:solidFill>
@@ -9993,6 +10106,17 @@
                 <a:cs typeface="Arial" panose="020B0604020202020204" pitchFamily="34" charset="0"/>
               </a:rPr>
             </a:br>
+            <a:r>
+              <a:rPr lang="en-US" sz="1400" dirty="0">
+                <a:solidFill>
+                  <a:srgbClr val="000000"/>
+                </a:solidFill>
+                <a:latin typeface="Calibri" panose="020F0502020204030204" pitchFamily="34" charset="0"/>
+                <a:ea typeface="Calibri" panose="020F0502020204030204" pitchFamily="34" charset="0"/>
+                <a:cs typeface="Arial" panose="020B0604020202020204" pitchFamily="34" charset="0"/>
+              </a:rPr>
+              <a:t/>
+            </a:r>
             <a:br>
               <a:rPr lang="en-US" sz="1400" dirty="0">
                 <a:solidFill>
@@ -10026,7 +10150,7 @@
               <a:t> </a:t>
             </a:r>
             <a:r>
-              <a:rPr lang="en-US" sz="1400" dirty="0">
+              <a:rPr lang="en-US" sz="1400" dirty="0" smtClean="0">
                 <a:solidFill>
                   <a:srgbClr val="458383"/>
                 </a:solidFill>
@@ -10034,7 +10158,7 @@
                 <a:ea typeface="Calibri" panose="020F0502020204030204" pitchFamily="34" charset="0"/>
                 <a:cs typeface="Arial" panose="020B0604020202020204" pitchFamily="34" charset="0"/>
               </a:rPr>
-              <a:t>obj2 </a:t>
+              <a:t>b </a:t>
             </a:r>
             <a:r>
               <a:rPr lang="en-US" sz="1400" dirty="0">
@@ -10270,7 +10394,15 @@
           <a:p>
             <a:r>
               <a:rPr lang="en-US" dirty="0"/>
-              <a:t>In that case it will create a new instance object for the “redefined” provider</a:t>
+              <a:t>In that case it will create </a:t>
+            </a:r>
+            <a:r>
+              <a:rPr lang="en-US" u="sng" dirty="0"/>
+              <a:t>a new instance</a:t>
+            </a:r>
+            <a:r>
+              <a:rPr lang="en-US" dirty="0"/>
+              <a:t> object for the “redefined” provider</a:t>
             </a:r>
             <a:endParaRPr lang="he-IL" dirty="0"/>
           </a:p>
@@ -10493,6 +10625,17 @@
                 <a:cs typeface="Arial" panose="020B0604020202020204" pitchFamily="34" charset="0"/>
               </a:rPr>
             </a:br>
+            <a:r>
+              <a:rPr lang="en-US" sz="1400" dirty="0">
+                <a:solidFill>
+                  <a:srgbClr val="000000"/>
+                </a:solidFill>
+                <a:latin typeface="Calibri" panose="020F0502020204030204" pitchFamily="34" charset="0"/>
+                <a:ea typeface="Calibri" panose="020F0502020204030204" pitchFamily="34" charset="0"/>
+                <a:cs typeface="Arial" panose="020B0604020202020204" pitchFamily="34" charset="0"/>
+              </a:rPr>
+              <a:t/>
+            </a:r>
             <a:br>
               <a:rPr lang="en-US" sz="1400" dirty="0">
                 <a:solidFill>
@@ -10699,6 +10842,17 @@
                 <a:cs typeface="Arial" panose="020B0604020202020204" pitchFamily="34" charset="0"/>
               </a:rPr>
             </a:br>
+            <a:r>
+              <a:rPr lang="en-US" sz="1400" dirty="0">
+                <a:solidFill>
+                  <a:srgbClr val="000000"/>
+                </a:solidFill>
+                <a:latin typeface="Calibri" panose="020F0502020204030204" pitchFamily="34" charset="0"/>
+                <a:ea typeface="Calibri" panose="020F0502020204030204" pitchFamily="34" charset="0"/>
+                <a:cs typeface="Arial" panose="020B0604020202020204" pitchFamily="34" charset="0"/>
+              </a:rPr>
+              <a:t/>
+            </a:r>
             <a:br>
               <a:rPr lang="en-US" sz="1400" dirty="0">
                 <a:solidFill>
@@ -11092,6 +11246,17 @@
                 <a:cs typeface="Arial" panose="020B0604020202020204" pitchFamily="34" charset="0"/>
               </a:rPr>
             </a:br>
+            <a:r>
+              <a:rPr lang="en-US" sz="1400" dirty="0">
+                <a:solidFill>
+                  <a:srgbClr val="000000"/>
+                </a:solidFill>
+                <a:latin typeface="Calibri" panose="020F0502020204030204" pitchFamily="34" charset="0"/>
+                <a:ea typeface="Calibri" panose="020F0502020204030204" pitchFamily="34" charset="0"/>
+                <a:cs typeface="Arial" panose="020B0604020202020204" pitchFamily="34" charset="0"/>
+              </a:rPr>
+              <a:t/>
+            </a:r>
             <a:br>
               <a:rPr lang="en-US" sz="1400" dirty="0">
                 <a:solidFill>
@@ -11339,6 +11504,17 @@
                 <a:cs typeface="Arial" panose="020B0604020202020204" pitchFamily="34" charset="0"/>
               </a:rPr>
             </a:br>
+            <a:r>
+              <a:rPr lang="en-US" sz="1400" dirty="0">
+                <a:solidFill>
+                  <a:srgbClr val="000000"/>
+                </a:solidFill>
+                <a:latin typeface="Calibri" panose="020F0502020204030204" pitchFamily="34" charset="0"/>
+                <a:ea typeface="Calibri" panose="020F0502020204030204" pitchFamily="34" charset="0"/>
+                <a:cs typeface="Arial" panose="020B0604020202020204" pitchFamily="34" charset="0"/>
+              </a:rPr>
+              <a:t/>
+            </a:r>
             <a:br>
               <a:rPr lang="en-US" sz="1400" dirty="0">
                 <a:solidFill>
@@ -11690,7 +11866,19 @@
             </a:r>
             <a:r>
               <a:rPr lang="en-US" sz="1400" dirty="0"/>
-              <a:t> party definition can cannot be modified</a:t>
+              <a:t> party definition </a:t>
+            </a:r>
+            <a:r>
+              <a:rPr lang="en-US" sz="1400" dirty="0" smtClean="0"/>
+              <a:t>that </a:t>
+            </a:r>
+            <a:r>
+              <a:rPr lang="en-US" sz="1400" dirty="0" smtClean="0"/>
+              <a:t>cannot </a:t>
+            </a:r>
+            <a:r>
+              <a:rPr lang="en-US" sz="1400" dirty="0"/>
+              <a:t>be modified</a:t>
             </a:r>
           </a:p>
         </p:txBody>
@@ -11792,7 +11980,11 @@
           <a:p>
             <a:r>
               <a:rPr lang="en-US" dirty="0"/>
-              <a:t>The Term</a:t>
+              <a:t>The </a:t>
+            </a:r>
+            <a:r>
+              <a:rPr lang="en-US" dirty="0" smtClean="0"/>
+              <a:t>Pattern</a:t>
             </a:r>
             <a:endParaRPr lang="he-IL" dirty="0"/>
           </a:p>
@@ -11892,6 +12084,11 @@
               <a:rPr lang="en-US" dirty="0"/>
               <a:t>Usually harder to debug </a:t>
             </a:r>
+            <a:r>
+              <a:rPr lang="en-US" dirty="0" smtClean="0"/>
+              <a:t>since there a lot of “magic” behind the scene</a:t>
+            </a:r>
+            <a:endParaRPr lang="en-US" dirty="0"/>
           </a:p>
           <a:p>
             <a:endParaRPr lang="en-US" dirty="0"/>
@@ -12017,7 +12214,15 @@
           <a:p>
             <a:r>
               <a:rPr lang="en-US" dirty="0"/>
-              <a:t>Below code failed to compile</a:t>
+              <a:t>Below code </a:t>
+            </a:r>
+            <a:r>
+              <a:rPr lang="en-US" dirty="0" smtClean="0"/>
+              <a:t>fails </a:t>
+            </a:r>
+            <a:r>
+              <a:rPr lang="en-US" dirty="0"/>
+              <a:t>to compile</a:t>
             </a:r>
             <a:endParaRPr lang="he-IL" dirty="0"/>
           </a:p>
@@ -12173,6 +12378,17 @@
                 <a:cs typeface="Arial" panose="020B0604020202020204" pitchFamily="34" charset="0"/>
               </a:rPr>
             </a:br>
+            <a:r>
+              <a:rPr lang="en-US" sz="1400" dirty="0">
+                <a:solidFill>
+                  <a:srgbClr val="000000"/>
+                </a:solidFill>
+                <a:latin typeface="Calibri" panose="020F0502020204030204" pitchFamily="34" charset="0"/>
+                <a:ea typeface="Calibri" panose="020F0502020204030204" pitchFamily="34" charset="0"/>
+                <a:cs typeface="Arial" panose="020B0604020202020204" pitchFamily="34" charset="0"/>
+              </a:rPr>
+              <a:t/>
+            </a:r>
             <a:br>
               <a:rPr lang="en-US" sz="1400" dirty="0">
                 <a:solidFill>
@@ -12442,6 +12658,17 @@
                 <a:cs typeface="Arial" panose="020B0604020202020204" pitchFamily="34" charset="0"/>
               </a:rPr>
             </a:br>
+            <a:r>
+              <a:rPr lang="en-US" sz="1400" dirty="0">
+                <a:solidFill>
+                  <a:srgbClr val="000000"/>
+                </a:solidFill>
+                <a:latin typeface="Calibri" panose="020F0502020204030204" pitchFamily="34" charset="0"/>
+                <a:ea typeface="Calibri" panose="020F0502020204030204" pitchFamily="34" charset="0"/>
+                <a:cs typeface="Arial" panose="020B0604020202020204" pitchFamily="34" charset="0"/>
+              </a:rPr>
+              <a:t/>
+            </a:r>
             <a:br>
               <a:rPr lang="en-US" sz="1400" dirty="0">
                 <a:solidFill>
@@ -12996,6 +13223,17 @@
                 <a:cs typeface="Arial" panose="020B0604020202020204" pitchFamily="34" charset="0"/>
               </a:rPr>
             </a:br>
+            <a:r>
+              <a:rPr lang="en-US" sz="1400" dirty="0">
+                <a:solidFill>
+                  <a:srgbClr val="000000"/>
+                </a:solidFill>
+                <a:latin typeface="Calibri" panose="020F0502020204030204" pitchFamily="34" charset="0"/>
+                <a:ea typeface="Calibri" panose="020F0502020204030204" pitchFamily="34" charset="0"/>
+                <a:cs typeface="Arial" panose="020B0604020202020204" pitchFamily="34" charset="0"/>
+              </a:rPr>
+              <a:t/>
+            </a:r>
             <a:br>
               <a:rPr lang="en-US" sz="1400" dirty="0">
                 <a:solidFill>
@@ -13137,6 +13375,17 @@
                 <a:cs typeface="Arial" panose="020B0604020202020204" pitchFamily="34" charset="0"/>
               </a:rPr>
             </a:br>
+            <a:r>
+              <a:rPr lang="en-US" sz="1400" dirty="0">
+                <a:solidFill>
+                  <a:srgbClr val="000000"/>
+                </a:solidFill>
+                <a:latin typeface="Calibri" panose="020F0502020204030204" pitchFamily="34" charset="0"/>
+                <a:ea typeface="Calibri" panose="020F0502020204030204" pitchFamily="34" charset="0"/>
+                <a:cs typeface="Arial" panose="020B0604020202020204" pitchFamily="34" charset="0"/>
+              </a:rPr>
+              <a:t/>
+            </a:r>
             <a:br>
               <a:rPr lang="en-US" sz="1400" dirty="0">
                 <a:solidFill>
@@ -13406,6 +13655,17 @@
                 <a:cs typeface="Arial" panose="020B0604020202020204" pitchFamily="34" charset="0"/>
               </a:rPr>
             </a:br>
+            <a:r>
+              <a:rPr lang="en-US" sz="1400" dirty="0">
+                <a:solidFill>
+                  <a:srgbClr val="000000"/>
+                </a:solidFill>
+                <a:latin typeface="Calibri" panose="020F0502020204030204" pitchFamily="34" charset="0"/>
+                <a:ea typeface="Calibri" panose="020F0502020204030204" pitchFamily="34" charset="0"/>
+                <a:cs typeface="Arial" panose="020B0604020202020204" pitchFamily="34" charset="0"/>
+              </a:rPr>
+              <a:t/>
+            </a:r>
             <a:br>
               <a:rPr lang="en-US" sz="1400" dirty="0">
                 <a:solidFill>
@@ -13633,6 +13893,17 @@
                 <a:cs typeface="Arial" panose="020B0604020202020204" pitchFamily="34" charset="0"/>
               </a:rPr>
             </a:br>
+            <a:r>
+              <a:rPr lang="en-US" sz="1400" dirty="0">
+                <a:solidFill>
+                  <a:srgbClr val="000000"/>
+                </a:solidFill>
+                <a:latin typeface="Calibri" panose="020F0502020204030204" pitchFamily="34" charset="0"/>
+                <a:ea typeface="Calibri" panose="020F0502020204030204" pitchFamily="34" charset="0"/>
+                <a:cs typeface="Arial" panose="020B0604020202020204" pitchFamily="34" charset="0"/>
+              </a:rPr>
+              <a:t/>
+            </a:r>
             <a:br>
               <a:rPr lang="en-US" sz="1400" dirty="0">
                 <a:solidFill>
@@ -14055,6 +14326,17 @@
                 <a:cs typeface="Arial" panose="020B0604020202020204" pitchFamily="34" charset="0"/>
               </a:rPr>
             </a:br>
+            <a:r>
+              <a:rPr lang="en-US" sz="1400" dirty="0">
+                <a:solidFill>
+                  <a:srgbClr val="000000"/>
+                </a:solidFill>
+                <a:latin typeface="Calibri" panose="020F0502020204030204" pitchFamily="34" charset="0"/>
+                <a:ea typeface="Calibri" panose="020F0502020204030204" pitchFamily="34" charset="0"/>
+                <a:cs typeface="Arial" panose="020B0604020202020204" pitchFamily="34" charset="0"/>
+              </a:rPr>
+              <a:t/>
+            </a:r>
             <a:br>
               <a:rPr lang="en-US" sz="1400" dirty="0">
                 <a:solidFill>
@@ -14279,6 +14561,17 @@
                 <a:cs typeface="Arial" panose="020B0604020202020204" pitchFamily="34" charset="0"/>
               </a:rPr>
             </a:br>
+            <a:r>
+              <a:rPr lang="en-US" sz="1400" dirty="0">
+                <a:solidFill>
+                  <a:srgbClr val="000000"/>
+                </a:solidFill>
+                <a:latin typeface="Calibri" panose="020F0502020204030204" pitchFamily="34" charset="0"/>
+                <a:ea typeface="Calibri" panose="020F0502020204030204" pitchFamily="34" charset="0"/>
+                <a:cs typeface="Arial" panose="020B0604020202020204" pitchFamily="34" charset="0"/>
+              </a:rPr>
+              <a:t/>
+            </a:r>
             <a:br>
               <a:rPr lang="en-US" sz="1400" dirty="0">
                 <a:solidFill>
@@ -14472,6 +14765,17 @@
                 <a:cs typeface="Arial" panose="020B0604020202020204" pitchFamily="34" charset="0"/>
               </a:rPr>
             </a:br>
+            <a:r>
+              <a:rPr lang="en-US" sz="1400" dirty="0">
+                <a:solidFill>
+                  <a:srgbClr val="000000"/>
+                </a:solidFill>
+                <a:latin typeface="Calibri" panose="020F0502020204030204" pitchFamily="34" charset="0"/>
+                <a:ea typeface="Calibri" panose="020F0502020204030204" pitchFamily="34" charset="0"/>
+                <a:cs typeface="Arial" panose="020B0604020202020204" pitchFamily="34" charset="0"/>
+              </a:rPr>
+              <a:t/>
+            </a:r>
             <a:br>
               <a:rPr lang="en-US" sz="1400" dirty="0">
                 <a:solidFill>
@@ -15008,6 +15312,17 @@
                 <a:cs typeface="Arial" panose="020B0604020202020204" pitchFamily="34" charset="0"/>
               </a:rPr>
             </a:br>
+            <a:r>
+              <a:rPr lang="en-US" sz="1400" dirty="0">
+                <a:solidFill>
+                  <a:srgbClr val="000000"/>
+                </a:solidFill>
+                <a:latin typeface="Calibri" panose="020F0502020204030204" pitchFamily="34" charset="0"/>
+                <a:ea typeface="Calibri" panose="020F0502020204030204" pitchFamily="34" charset="0"/>
+                <a:cs typeface="Arial" panose="020B0604020202020204" pitchFamily="34" charset="0"/>
+              </a:rPr>
+              <a:t/>
+            </a:r>
             <a:br>
               <a:rPr lang="en-US" sz="1400" dirty="0">
                 <a:solidFill>
@@ -15071,6 +15386,17 @@
                 <a:cs typeface="Arial" panose="020B0604020202020204" pitchFamily="34" charset="0"/>
               </a:rPr>
             </a:br>
+            <a:r>
+              <a:rPr lang="en-US" sz="1400" dirty="0">
+                <a:solidFill>
+                  <a:srgbClr val="000000"/>
+                </a:solidFill>
+                <a:latin typeface="Calibri" panose="020F0502020204030204" pitchFamily="34" charset="0"/>
+                <a:ea typeface="Calibri" panose="020F0502020204030204" pitchFamily="34" charset="0"/>
+                <a:cs typeface="Arial" panose="020B0604020202020204" pitchFamily="34" charset="0"/>
+              </a:rPr>
+              <a:t/>
+            </a:r>
             <a:br>
               <a:rPr lang="en-US" sz="1400" dirty="0">
                 <a:solidFill>
@@ -15253,6 +15579,17 @@
                 <a:cs typeface="Arial" panose="020B0604020202020204" pitchFamily="34" charset="0"/>
               </a:rPr>
             </a:br>
+            <a:r>
+              <a:rPr lang="en-US" sz="1400" dirty="0">
+                <a:solidFill>
+                  <a:srgbClr val="000000"/>
+                </a:solidFill>
+                <a:latin typeface="Calibri" panose="020F0502020204030204" pitchFamily="34" charset="0"/>
+                <a:ea typeface="Calibri" panose="020F0502020204030204" pitchFamily="34" charset="0"/>
+                <a:cs typeface="Arial" panose="020B0604020202020204" pitchFamily="34" charset="0"/>
+              </a:rPr>
+              <a:t/>
+            </a:r>
             <a:br>
               <a:rPr lang="en-US" sz="1400" dirty="0">
                 <a:solidFill>
@@ -16284,7 +16621,15 @@
           <a:p>
             <a:r>
               <a:rPr lang="en-US" dirty="0"/>
-              <a:t>Allows use to use a dependency token that was not initialized yet</a:t>
+              <a:t>Allows </a:t>
+            </a:r>
+            <a:r>
+              <a:rPr lang="en-US" dirty="0" smtClean="0"/>
+              <a:t>us </a:t>
+            </a:r>
+            <a:r>
+              <a:rPr lang="en-US" dirty="0"/>
+              <a:t>to use a dependency token that was not initialized yet</a:t>
             </a:r>
           </a:p>
           <a:p>
@@ -16554,7 +16899,7 @@
                 <a:cs typeface="Arial" panose="020B0604020202020204" pitchFamily="34" charset="0"/>
               </a:rPr>
             </a:br>
-            <a:br>
+            <a:r>
               <a:rPr lang="en-US" sz="1200" dirty="0">
                 <a:solidFill>
                   <a:srgbClr val="000000"/>
@@ -16563,6 +16908,17 @@
                 <a:ea typeface="Calibri" panose="020F0502020204030204" pitchFamily="34" charset="0"/>
                 <a:cs typeface="Arial" panose="020B0604020202020204" pitchFamily="34" charset="0"/>
               </a:rPr>
+              <a:t/>
+            </a:r>
+            <a:br>
+              <a:rPr lang="en-US" sz="1200" dirty="0">
+                <a:solidFill>
+                  <a:srgbClr val="000000"/>
+                </a:solidFill>
+                <a:latin typeface="Calibri" panose="020F0502020204030204" pitchFamily="34" charset="0"/>
+                <a:ea typeface="Calibri" panose="020F0502020204030204" pitchFamily="34" charset="0"/>
+                <a:cs typeface="Arial" panose="020B0604020202020204" pitchFamily="34" charset="0"/>
+              </a:rPr>
             </a:br>
             <a:r>
               <a:rPr lang="en-US" sz="1200" b="1" dirty="0">
@@ -16617,7 +16973,7 @@
                 <a:cs typeface="Arial" panose="020B0604020202020204" pitchFamily="34" charset="0"/>
               </a:rPr>
             </a:br>
-            <a:br>
+            <a:r>
               <a:rPr lang="en-US" sz="1200" dirty="0">
                 <a:solidFill>
                   <a:srgbClr val="000000"/>
@@ -16626,6 +16982,17 @@
                 <a:ea typeface="Calibri" panose="020F0502020204030204" pitchFamily="34" charset="0"/>
                 <a:cs typeface="Arial" panose="020B0604020202020204" pitchFamily="34" charset="0"/>
               </a:rPr>
+              <a:t/>
+            </a:r>
+            <a:br>
+              <a:rPr lang="en-US" sz="1200" dirty="0">
+                <a:solidFill>
+                  <a:srgbClr val="000000"/>
+                </a:solidFill>
+                <a:latin typeface="Calibri" panose="020F0502020204030204" pitchFamily="34" charset="0"/>
+                <a:ea typeface="Calibri" panose="020F0502020204030204" pitchFamily="34" charset="0"/>
+                <a:cs typeface="Arial" panose="020B0604020202020204" pitchFamily="34" charset="0"/>
+              </a:rPr>
             </a:br>
             <a:r>
               <a:rPr lang="en-US" sz="1200" b="1" dirty="0" err="1">
@@ -16799,6 +17166,17 @@
                 <a:cs typeface="Arial" panose="020B0604020202020204" pitchFamily="34" charset="0"/>
               </a:rPr>
             </a:br>
+            <a:r>
+              <a:rPr lang="en-US" sz="1200" dirty="0">
+                <a:solidFill>
+                  <a:srgbClr val="000000"/>
+                </a:solidFill>
+                <a:latin typeface="Calibri" panose="020F0502020204030204" pitchFamily="34" charset="0"/>
+                <a:ea typeface="Calibri" panose="020F0502020204030204" pitchFamily="34" charset="0"/>
+                <a:cs typeface="Arial" panose="020B0604020202020204" pitchFamily="34" charset="0"/>
+              </a:rPr>
+              <a:t/>
+            </a:r>
             <a:br>
               <a:rPr lang="en-US" sz="1200" dirty="0">
                 <a:solidFill>
@@ -17081,12 +17459,12 @@
               <a:t>A.K.A </a:t>
             </a:r>
             <a:r>
-              <a:rPr lang="en-US" dirty="0" err="1"/>
-              <a:t>hierarchial</a:t>
+              <a:rPr lang="en-US" dirty="0" smtClean="0"/>
+              <a:t>hierarchical </a:t>
             </a:r>
             <a:r>
               <a:rPr lang="en-US" dirty="0"/>
-              <a:t> injector</a:t>
+              <a:t>injector</a:t>
             </a:r>
             <a:endParaRPr lang="he-IL" dirty="0"/>
           </a:p>
@@ -17802,6 +18180,17 @@
               </a:rPr>
               <a:t>AppComponent</a:t>
             </a:r>
+            <a:r>
+              <a:rPr lang="en-US" sz="1400" dirty="0">
+                <a:solidFill>
+                  <a:srgbClr val="000000"/>
+                </a:solidFill>
+                <a:latin typeface="Calibri" panose="020F0502020204030204" pitchFamily="34" charset="0"/>
+                <a:ea typeface="Calibri" panose="020F0502020204030204" pitchFamily="34" charset="0"/>
+                <a:cs typeface="Arial" panose="020B0604020202020204" pitchFamily="34" charset="0"/>
+              </a:rPr>
+              <a:t/>
+            </a:r>
             <a:br>
               <a:rPr lang="en-US" sz="1400" dirty="0">
                 <a:solidFill>
@@ -18225,6 +18614,17 @@
                 <a:cs typeface="Arial" panose="020B0604020202020204" pitchFamily="34" charset="0"/>
               </a:rPr>
             </a:br>
+            <a:r>
+              <a:rPr lang="en-US" sz="1400" dirty="0">
+                <a:solidFill>
+                  <a:srgbClr val="000000"/>
+                </a:solidFill>
+                <a:latin typeface="Calibri" panose="020F0502020204030204" pitchFamily="34" charset="0"/>
+                <a:ea typeface="Calibri" panose="020F0502020204030204" pitchFamily="34" charset="0"/>
+                <a:cs typeface="Arial" panose="020B0604020202020204" pitchFamily="34" charset="0"/>
+              </a:rPr>
+              <a:t/>
+            </a:r>
             <a:br>
               <a:rPr lang="en-US" sz="1400" dirty="0">
                 <a:solidFill>
@@ -18354,6 +18754,17 @@
                 <a:cs typeface="Arial" panose="020B0604020202020204" pitchFamily="34" charset="0"/>
               </a:rPr>
             </a:br>
+            <a:r>
+              <a:rPr lang="en-US" sz="1400" dirty="0">
+                <a:solidFill>
+                  <a:srgbClr val="000000"/>
+                </a:solidFill>
+                <a:latin typeface="Calibri" panose="020F0502020204030204" pitchFamily="34" charset="0"/>
+                <a:ea typeface="Calibri" panose="020F0502020204030204" pitchFamily="34" charset="0"/>
+                <a:cs typeface="Arial" panose="020B0604020202020204" pitchFamily="34" charset="0"/>
+              </a:rPr>
+              <a:t/>
+            </a:r>
             <a:br>
               <a:rPr lang="en-US" sz="1400" dirty="0">
                 <a:solidFill>
@@ -18840,8 +19251,23 @@
           <a:p>
             <a:r>
               <a:rPr lang="en-US" dirty="0"/>
-              <a:t>The injector knows how to instantiate a “service” based on its dependencies</a:t>
-            </a:r>
+              <a:t>The injector knows how to instantiate a “service” based on its </a:t>
+            </a:r>
+            <a:r>
+              <a:rPr lang="en-US" dirty="0" smtClean="0"/>
+              <a:t>dependencies</a:t>
+            </a:r>
+          </a:p>
+          <a:p>
+            <a:r>
+              <a:rPr lang="en-US" dirty="0" smtClean="0"/>
+              <a:t>Services are singletons in the </a:t>
+            </a:r>
+            <a:r>
+              <a:rPr lang="en-US" u="sng" dirty="0" smtClean="0"/>
+              <a:t>context of a single injector</a:t>
+            </a:r>
+            <a:endParaRPr lang="en-US" u="sng" dirty="0"/>
           </a:p>
         </p:txBody>
       </p:sp>
@@ -20564,7 +20990,7 @@
                 <a:cs typeface="Arial" panose="020B0604020202020204" pitchFamily="34" charset="0"/>
               </a:rPr>
             </a:br>
-            <a:br>
+            <a:r>
               <a:rPr lang="en-US" dirty="0">
                 <a:solidFill>
                   <a:srgbClr val="000000"/>
@@ -20573,6 +20999,17 @@
                 <a:ea typeface="Calibri" panose="020F0502020204030204" pitchFamily="34" charset="0"/>
                 <a:cs typeface="Arial" panose="020B0604020202020204" pitchFamily="34" charset="0"/>
               </a:rPr>
+              <a:t/>
+            </a:r>
+            <a:br>
+              <a:rPr lang="en-US" dirty="0">
+                <a:solidFill>
+                  <a:srgbClr val="000000"/>
+                </a:solidFill>
+                <a:latin typeface="Calibri" panose="020F0502020204030204" pitchFamily="34" charset="0"/>
+                <a:ea typeface="Calibri" panose="020F0502020204030204" pitchFamily="34" charset="0"/>
+                <a:cs typeface="Arial" panose="020B0604020202020204" pitchFamily="34" charset="0"/>
+              </a:rPr>
             </a:br>
             <a:r>
               <a:rPr lang="en-US" b="1" dirty="0">
@@ -20661,7 +21098,7 @@
                 <a:cs typeface="Arial" panose="020B0604020202020204" pitchFamily="34" charset="0"/>
               </a:rPr>
             </a:br>
-            <a:br>
+            <a:r>
               <a:rPr lang="en-US" dirty="0">
                 <a:solidFill>
                   <a:srgbClr val="000000"/>
@@ -20670,6 +21107,17 @@
                 <a:ea typeface="Calibri" panose="020F0502020204030204" pitchFamily="34" charset="0"/>
                 <a:cs typeface="Arial" panose="020B0604020202020204" pitchFamily="34" charset="0"/>
               </a:rPr>
+              <a:t/>
+            </a:r>
+            <a:br>
+              <a:rPr lang="en-US" dirty="0">
+                <a:solidFill>
+                  <a:srgbClr val="000000"/>
+                </a:solidFill>
+                <a:latin typeface="Calibri" panose="020F0502020204030204" pitchFamily="34" charset="0"/>
+                <a:ea typeface="Calibri" panose="020F0502020204030204" pitchFamily="34" charset="0"/>
+                <a:cs typeface="Arial" panose="020B0604020202020204" pitchFamily="34" charset="0"/>
+              </a:rPr>
             </a:br>
             <a:r>
               <a:rPr lang="en-US" b="1" dirty="0" err="1">
@@ -20866,6 +21314,17 @@
                 <a:cs typeface="Arial" panose="020B0604020202020204" pitchFamily="34" charset="0"/>
               </a:rPr>
             </a:br>
+            <a:r>
+              <a:rPr lang="en-US" dirty="0">
+                <a:solidFill>
+                  <a:srgbClr val="000000"/>
+                </a:solidFill>
+                <a:latin typeface="Calibri" panose="020F0502020204030204" pitchFamily="34" charset="0"/>
+                <a:ea typeface="Calibri" panose="020F0502020204030204" pitchFamily="34" charset="0"/>
+                <a:cs typeface="Arial" panose="020B0604020202020204" pitchFamily="34" charset="0"/>
+              </a:rPr>
+              <a:t/>
+            </a:r>
             <a:br>
               <a:rPr lang="en-US" dirty="0">
                 <a:solidFill>

--- a/PPTs/02 Dependency Injection.pptx
+++ b/PPTs/02 Dependency Injection.pptx
@@ -5,7 +5,7 @@
     <p:sldMasterId id="2147483672" r:id="rId1"/>
   </p:sldMasterIdLst>
   <p:notesMasterIdLst>
-    <p:notesMasterId r:id="rId26"/>
+    <p:notesMasterId r:id="rId27"/>
   </p:notesMasterIdLst>
   <p:sldIdLst>
     <p:sldId id="256" r:id="rId2"/>
@@ -32,6 +32,7 @@
     <p:sldId id="278" r:id="rId23"/>
     <p:sldId id="279" r:id="rId24"/>
     <p:sldId id="280" r:id="rId25"/>
+    <p:sldId id="281" r:id="rId26"/>
   </p:sldIdLst>
   <p:sldSz cx="9144000" cy="6858000" type="screen4x3"/>
   <p:notesSz cx="6858000" cy="9144000"/>
@@ -4361,6 +4362,13 @@
   <p:clrMapOvr>
     <a:masterClrMapping/>
   </p:clrMapOvr>
+  <p:timing>
+    <p:tnLst>
+      <p:par>
+        <p:cTn id="1" dur="indefinite" restart="never" nodeType="tmRoot"/>
+      </p:par>
+    </p:tnLst>
+  </p:timing>
 </p:sld>
 </file>
 
@@ -5328,6 +5336,13 @@
   <p:clrMapOvr>
     <a:masterClrMapping/>
   </p:clrMapOvr>
+  <p:timing>
+    <p:tnLst>
+      <p:par>
+        <p:cTn id="1" dur="indefinite" restart="never" nodeType="tmRoot"/>
+      </p:par>
+    </p:tnLst>
+  </p:timing>
 </p:sld>
 </file>
 
@@ -6093,6 +6108,13 @@
   <p:clrMapOvr>
     <a:masterClrMapping/>
   </p:clrMapOvr>
+  <p:timing>
+    <p:tnLst>
+      <p:par>
+        <p:cTn id="1" dur="indefinite" restart="never" nodeType="tmRoot"/>
+      </p:par>
+    </p:tnLst>
+  </p:timing>
 </p:sld>
 </file>
 
@@ -6978,6 +7000,13 @@
   <p:clrMapOvr>
     <a:masterClrMapping/>
   </p:clrMapOvr>
+  <p:timing>
+    <p:tnLst>
+      <p:par>
+        <p:cTn id="1" dur="indefinite" restart="never" nodeType="tmRoot"/>
+      </p:par>
+    </p:tnLst>
+  </p:timing>
 </p:sld>
 </file>
 
@@ -7133,6 +7162,13 @@
   <p:clrMapOvr>
     <a:masterClrMapping/>
   </p:clrMapOvr>
+  <p:timing>
+    <p:tnLst>
+      <p:par>
+        <p:cTn id="1" dur="indefinite" restart="never" nodeType="tmRoot"/>
+      </p:par>
+    </p:tnLst>
+  </p:timing>
 </p:sld>
 </file>
 
@@ -8456,6 +8492,13 @@
   <p:clrMapOvr>
     <a:masterClrMapping/>
   </p:clrMapOvr>
+  <p:timing>
+    <p:tnLst>
+      <p:par>
+        <p:cTn id="1" dur="indefinite" restart="never" nodeType="tmRoot"/>
+      </p:par>
+    </p:tnLst>
+  </p:timing>
 </p:sld>
 </file>
 
@@ -8607,6 +8650,13 @@
   <p:clrMapOvr>
     <a:masterClrMapping/>
   </p:clrMapOvr>
+  <p:timing>
+    <p:tnLst>
+      <p:par>
+        <p:cTn id="1" dur="indefinite" restart="never" nodeType="tmRoot"/>
+      </p:par>
+    </p:tnLst>
+  </p:timing>
 </p:sld>
 </file>
 
@@ -9431,6 +9481,13 @@
   <p:clrMapOvr>
     <a:masterClrMapping/>
   </p:clrMapOvr>
+  <p:timing>
+    <p:tnLst>
+      <p:par>
+        <p:cTn id="1" dur="indefinite" restart="never" nodeType="tmRoot"/>
+      </p:par>
+    </p:tnLst>
+  </p:timing>
 </p:sld>
 </file>
 
@@ -10279,6 +10336,13 @@
   <p:clrMapOvr>
     <a:masterClrMapping/>
   </p:clrMapOvr>
+  <p:timing>
+    <p:tnLst>
+      <p:par>
+        <p:cTn id="1" dur="indefinite" restart="never" nodeType="tmRoot"/>
+      </p:par>
+    </p:tnLst>
+  </p:timing>
 </p:sld>
 </file>
 
@@ -11015,6 +11079,13 @@
   <p:clrMapOvr>
     <a:masterClrMapping/>
   </p:clrMapOvr>
+  <p:timing>
+    <p:tnLst>
+      <p:par>
+        <p:cTn id="1" dur="indefinite" restart="never" nodeType="tmRoot"/>
+      </p:par>
+    </p:tnLst>
+  </p:timing>
 </p:sld>
 </file>
 
@@ -11870,11 +11941,7 @@
             </a:r>
             <a:r>
               <a:rPr lang="en-US" sz="1400" dirty="0" smtClean="0"/>
-              <a:t>that </a:t>
-            </a:r>
-            <a:r>
-              <a:rPr lang="en-US" sz="1400" dirty="0" smtClean="0"/>
-              <a:t>cannot </a:t>
+              <a:t>that cannot </a:t>
             </a:r>
             <a:r>
               <a:rPr lang="en-US" sz="1400" dirty="0"/>
@@ -11943,6 +12010,13 @@
   <p:clrMapOvr>
     <a:masterClrMapping/>
   </p:clrMapOvr>
+  <p:timing>
+    <p:tnLst>
+      <p:par>
+        <p:cTn id="1" dur="indefinite" restart="never" nodeType="tmRoot"/>
+      </p:par>
+    </p:tnLst>
+  </p:timing>
 </p:sld>
 </file>
 
@@ -12105,6 +12179,13 @@
   <p:clrMapOvr>
     <a:masterClrMapping/>
   </p:clrMapOvr>
+  <p:timing>
+    <p:tnLst>
+      <p:par>
+        <p:cTn id="1" dur="indefinite" restart="never" nodeType="tmRoot"/>
+      </p:par>
+    </p:tnLst>
+  </p:timing>
 </p:sld>
 </file>
 
@@ -12958,6 +13039,13 @@
   <p:clrMapOvr>
     <a:masterClrMapping/>
   </p:clrMapOvr>
+  <p:timing>
+    <p:tnLst>
+      <p:par>
+        <p:cTn id="1" dur="indefinite" restart="never" nodeType="tmRoot"/>
+      </p:par>
+    </p:tnLst>
+  </p:timing>
 </p:sld>
 </file>
 
@@ -14160,6 +14248,13 @@
   <p:clrMapOvr>
     <a:masterClrMapping/>
   </p:clrMapOvr>
+  <p:timing>
+    <p:tnLst>
+      <p:par>
+        <p:cTn id="1" dur="indefinite" restart="never" nodeType="tmRoot"/>
+      </p:par>
+    </p:tnLst>
+  </p:timing>
 </p:sld>
 </file>
 
@@ -15021,6 +15116,13 @@
   <p:clrMapOvr>
     <a:masterClrMapping/>
   </p:clrMapOvr>
+  <p:timing>
+    <p:tnLst>
+      <p:par>
+        <p:cTn id="1" dur="indefinite" restart="never" nodeType="tmRoot"/>
+      </p:par>
+    </p:tnLst>
+  </p:timing>
 </p:sld>
 </file>
 
@@ -16512,6 +16614,13 @@
   <p:clrMapOvr>
     <a:masterClrMapping/>
   </p:clrMapOvr>
+  <p:timing>
+    <p:tnLst>
+      <p:par>
+        <p:cTn id="1" dur="indefinite" restart="never" nodeType="tmRoot"/>
+      </p:par>
+    </p:tnLst>
+  </p:timing>
 </p:sld>
 </file>
 
@@ -16633,7 +16742,6 @@
             </a:r>
           </a:p>
           <a:p>
-            <a:pPr lvl="1"/>
             <a:r>
               <a:rPr lang="en-US" dirty="0"/>
               <a:t>Must be initialized before resolving providers</a:t>
@@ -17316,6 +17424,806 @@
     <p:extLst>
       <p:ext uri="{BB962C8B-B14F-4D97-AF65-F5344CB8AC3E}">
         <p14:creationId xmlns:p14="http://schemas.microsoft.com/office/powerpoint/2010/main" val="3348169544"/>
+      </p:ext>
+    </p:extLst>
+  </p:cSld>
+  <p:clrMapOvr>
+    <a:masterClrMapping/>
+  </p:clrMapOvr>
+  <p:timing>
+    <p:tnLst>
+      <p:par>
+        <p:cTn id="1" dur="indefinite" restart="never" nodeType="tmRoot"/>
+      </p:par>
+    </p:tnLst>
+  </p:timing>
+</p:sld>
+</file>
+
+<file path=ppt/slides/slide25.xml><?xml version="1.0" encoding="utf-8"?>
+<p:sld xmlns:a="http://schemas.openxmlformats.org/drawingml/2006/main" xmlns:r="http://schemas.openxmlformats.org/officeDocument/2006/relationships" xmlns:p="http://schemas.openxmlformats.org/presentationml/2006/main">
+  <p:cSld>
+    <p:spTree>
+      <p:nvGrpSpPr>
+        <p:cNvPr id="1" name=""/>
+        <p:cNvGrpSpPr/>
+        <p:nvPr/>
+      </p:nvGrpSpPr>
+      <p:grpSpPr>
+        <a:xfrm>
+          <a:off x="0" y="0"/>
+          <a:ext cx="0" cy="0"/>
+          <a:chOff x="0" y="0"/>
+          <a:chExt cx="0" cy="0"/>
+        </a:xfrm>
+      </p:grpSpPr>
+      <p:sp>
+        <p:nvSpPr>
+          <p:cNvPr id="2" name="Title 1"/>
+          <p:cNvSpPr>
+            <a:spLocks noGrp="1"/>
+          </p:cNvSpPr>
+          <p:nvPr>
+            <p:ph type="title"/>
+          </p:nvPr>
+        </p:nvSpPr>
+        <p:spPr/>
+        <p:txBody>
+          <a:bodyPr/>
+          <a:lstStyle/>
+          <a:p>
+            <a:r>
+              <a:rPr lang="en-US" dirty="0" smtClean="0"/>
+              <a:t>Multi Provider</a:t>
+            </a:r>
+            <a:endParaRPr lang="en-US" dirty="0"/>
+          </a:p>
+        </p:txBody>
+      </p:sp>
+      <p:sp>
+        <p:nvSpPr>
+          <p:cNvPr id="3" name="Footer Placeholder 2"/>
+          <p:cNvSpPr>
+            <a:spLocks noGrp="1"/>
+          </p:cNvSpPr>
+          <p:nvPr>
+            <p:ph type="ftr" sz="quarter" idx="11"/>
+          </p:nvPr>
+        </p:nvSpPr>
+        <p:spPr/>
+        <p:txBody>
+          <a:bodyPr/>
+          <a:lstStyle/>
+          <a:p>
+            <a:r>
+              <a:rPr lang="en-US" smtClean="0"/>
+              <a:t>© 2016 Ori Calvo</a:t>
+            </a:r>
+            <a:endParaRPr lang="en-US" dirty="0"/>
+          </a:p>
+        </p:txBody>
+      </p:sp>
+      <p:sp>
+        <p:nvSpPr>
+          <p:cNvPr id="4" name="Slide Number Placeholder 3"/>
+          <p:cNvSpPr>
+            <a:spLocks noGrp="1"/>
+          </p:cNvSpPr>
+          <p:nvPr>
+            <p:ph type="sldNum" sz="quarter" idx="12"/>
+          </p:nvPr>
+        </p:nvSpPr>
+        <p:spPr/>
+        <p:txBody>
+          <a:bodyPr>
+            <a:normAutofit fontScale="85000" lnSpcReduction="20000"/>
+          </a:bodyPr>
+          <a:lstStyle/>
+          <a:p>
+            <a:fld id="{6EDEC3BC-0694-4586-AE63-02B4D54ABF43}" type="slidenum">
+              <a:rPr lang="en-US" smtClean="0"/>
+              <a:pPr/>
+              <a:t>25</a:t>
+            </a:fld>
+            <a:endParaRPr lang="en-US"/>
+          </a:p>
+        </p:txBody>
+      </p:sp>
+      <p:sp>
+        <p:nvSpPr>
+          <p:cNvPr id="5" name="Content Placeholder 4"/>
+          <p:cNvSpPr>
+            <a:spLocks noGrp="1"/>
+          </p:cNvSpPr>
+          <p:nvPr>
+            <p:ph sz="quarter" idx="1"/>
+          </p:nvPr>
+        </p:nvSpPr>
+        <p:spPr/>
+        <p:txBody>
+          <a:bodyPr/>
+          <a:lstStyle/>
+          <a:p>
+            <a:r>
+              <a:rPr lang="en-US" dirty="0" smtClean="0"/>
+              <a:t>Register multiple providers with the same token</a:t>
+            </a:r>
+          </a:p>
+          <a:p>
+            <a:r>
+              <a:rPr lang="en-US" dirty="0" smtClean="0"/>
+              <a:t>When resolved and array of services is returned</a:t>
+            </a:r>
+            <a:endParaRPr lang="en-US" dirty="0"/>
+          </a:p>
+        </p:txBody>
+      </p:sp>
+      <p:sp>
+        <p:nvSpPr>
+          <p:cNvPr id="6" name="Rectangle 5"/>
+          <p:cNvSpPr/>
+          <p:nvPr/>
+        </p:nvSpPr>
+        <p:spPr>
+          <a:xfrm>
+            <a:off x="863080" y="3212976"/>
+            <a:ext cx="7488832" cy="1815882"/>
+          </a:xfrm>
+          <a:prstGeom prst="rect">
+            <a:avLst/>
+          </a:prstGeom>
+        </p:spPr>
+        <p:txBody>
+          <a:bodyPr wrap="square">
+            <a:spAutoFit/>
+          </a:bodyPr>
+          <a:lstStyle/>
+          <a:p>
+            <a:r>
+              <a:rPr lang="en-US" sz="1600" b="1" dirty="0" err="1">
+                <a:solidFill>
+                  <a:srgbClr val="000080"/>
+                </a:solidFill>
+                <a:latin typeface="Courier New" panose="02070309020205020404" pitchFamily="49" charset="0"/>
+                <a:ea typeface="Times New Roman" panose="02020603050405020304" pitchFamily="18" charset="0"/>
+              </a:rPr>
+              <a:t>const</a:t>
+            </a:r>
+            <a:r>
+              <a:rPr lang="en-US" sz="1600" b="1" dirty="0">
+                <a:solidFill>
+                  <a:srgbClr val="000080"/>
+                </a:solidFill>
+                <a:latin typeface="Courier New" panose="02070309020205020404" pitchFamily="49" charset="0"/>
+                <a:ea typeface="Times New Roman" panose="02020603050405020304" pitchFamily="18" charset="0"/>
+              </a:rPr>
+              <a:t> </a:t>
+            </a:r>
+            <a:r>
+              <a:rPr lang="en-US" sz="1600" dirty="0">
+                <a:solidFill>
+                  <a:srgbClr val="458383"/>
+                </a:solidFill>
+                <a:latin typeface="Courier New" panose="02070309020205020404" pitchFamily="49" charset="0"/>
+                <a:ea typeface="Times New Roman" panose="02020603050405020304" pitchFamily="18" charset="0"/>
+              </a:rPr>
+              <a:t>injector </a:t>
+            </a:r>
+            <a:r>
+              <a:rPr lang="en-US" sz="1600" dirty="0">
+                <a:solidFill>
+                  <a:srgbClr val="000000"/>
+                </a:solidFill>
+                <a:latin typeface="Courier New" panose="02070309020205020404" pitchFamily="49" charset="0"/>
+                <a:ea typeface="Times New Roman" panose="02020603050405020304" pitchFamily="18" charset="0"/>
+              </a:rPr>
+              <a:t>= </a:t>
+            </a:r>
+            <a:r>
+              <a:rPr lang="en-US" sz="1600" dirty="0" err="1">
+                <a:solidFill>
+                  <a:srgbClr val="000000"/>
+                </a:solidFill>
+                <a:latin typeface="Courier New" panose="02070309020205020404" pitchFamily="49" charset="0"/>
+                <a:ea typeface="Times New Roman" panose="02020603050405020304" pitchFamily="18" charset="0"/>
+              </a:rPr>
+              <a:t>ReflectiveInjector.</a:t>
+            </a:r>
+            <a:r>
+              <a:rPr lang="en-US" sz="1600" i="1" dirty="0" err="1">
+                <a:solidFill>
+                  <a:srgbClr val="000000"/>
+                </a:solidFill>
+                <a:latin typeface="Courier New" panose="02070309020205020404" pitchFamily="49" charset="0"/>
+                <a:ea typeface="Times New Roman" panose="02020603050405020304" pitchFamily="18" charset="0"/>
+              </a:rPr>
+              <a:t>resolveAndCreate</a:t>
+            </a:r>
+            <a:r>
+              <a:rPr lang="en-US" sz="1600" dirty="0">
+                <a:solidFill>
+                  <a:srgbClr val="000000"/>
+                </a:solidFill>
+                <a:latin typeface="Courier New" panose="02070309020205020404" pitchFamily="49" charset="0"/>
+                <a:ea typeface="Times New Roman" panose="02020603050405020304" pitchFamily="18" charset="0"/>
+              </a:rPr>
+              <a:t>([</a:t>
+            </a:r>
+            <a:br>
+              <a:rPr lang="en-US" sz="1600" dirty="0">
+                <a:solidFill>
+                  <a:srgbClr val="000000"/>
+                </a:solidFill>
+                <a:latin typeface="Courier New" panose="02070309020205020404" pitchFamily="49" charset="0"/>
+                <a:ea typeface="Times New Roman" panose="02020603050405020304" pitchFamily="18" charset="0"/>
+              </a:rPr>
+            </a:br>
+            <a:r>
+              <a:rPr lang="en-US" sz="1600" dirty="0">
+                <a:solidFill>
+                  <a:srgbClr val="000000"/>
+                </a:solidFill>
+                <a:latin typeface="Courier New" panose="02070309020205020404" pitchFamily="49" charset="0"/>
+                <a:ea typeface="Times New Roman" panose="02020603050405020304" pitchFamily="18" charset="0"/>
+              </a:rPr>
+              <a:t>    {</a:t>
+            </a:r>
+            <a:r>
+              <a:rPr lang="en-US" sz="1600" b="1" dirty="0">
+                <a:solidFill>
+                  <a:srgbClr val="660E7A"/>
+                </a:solidFill>
+                <a:latin typeface="Courier New" panose="02070309020205020404" pitchFamily="49" charset="0"/>
+                <a:ea typeface="Times New Roman" panose="02020603050405020304" pitchFamily="18" charset="0"/>
+              </a:rPr>
+              <a:t>provide</a:t>
+            </a:r>
+            <a:r>
+              <a:rPr lang="en-US" sz="1600" dirty="0">
+                <a:solidFill>
+                  <a:srgbClr val="000000"/>
+                </a:solidFill>
+                <a:latin typeface="Courier New" panose="02070309020205020404" pitchFamily="49" charset="0"/>
+                <a:ea typeface="Times New Roman" panose="02020603050405020304" pitchFamily="18" charset="0"/>
+              </a:rPr>
+              <a:t>: </a:t>
+            </a:r>
+            <a:r>
+              <a:rPr lang="en-US" sz="1600" dirty="0" err="1">
+                <a:solidFill>
+                  <a:srgbClr val="000000"/>
+                </a:solidFill>
+                <a:latin typeface="Courier New" panose="02070309020205020404" pitchFamily="49" charset="0"/>
+                <a:ea typeface="Times New Roman" panose="02020603050405020304" pitchFamily="18" charset="0"/>
+              </a:rPr>
+              <a:t>MyService</a:t>
+            </a:r>
+            <a:r>
+              <a:rPr lang="en-US" sz="1600" dirty="0">
+                <a:solidFill>
+                  <a:srgbClr val="000000"/>
+                </a:solidFill>
+                <a:latin typeface="Courier New" panose="02070309020205020404" pitchFamily="49" charset="0"/>
+                <a:ea typeface="Times New Roman" panose="02020603050405020304" pitchFamily="18" charset="0"/>
+              </a:rPr>
+              <a:t>, </a:t>
+            </a:r>
+            <a:r>
+              <a:rPr lang="en-US" sz="1600" b="1" dirty="0" err="1">
+                <a:solidFill>
+                  <a:srgbClr val="660E7A"/>
+                </a:solidFill>
+                <a:latin typeface="Courier New" panose="02070309020205020404" pitchFamily="49" charset="0"/>
+                <a:ea typeface="Times New Roman" panose="02020603050405020304" pitchFamily="18" charset="0"/>
+              </a:rPr>
+              <a:t>useClass</a:t>
+            </a:r>
+            <a:r>
+              <a:rPr lang="en-US" sz="1600" dirty="0">
+                <a:solidFill>
+                  <a:srgbClr val="000000"/>
+                </a:solidFill>
+                <a:latin typeface="Courier New" panose="02070309020205020404" pitchFamily="49" charset="0"/>
+                <a:ea typeface="Times New Roman" panose="02020603050405020304" pitchFamily="18" charset="0"/>
+              </a:rPr>
+              <a:t>: </a:t>
+            </a:r>
+            <a:r>
+              <a:rPr lang="en-US" sz="1600" dirty="0" err="1">
+                <a:solidFill>
+                  <a:srgbClr val="000000"/>
+                </a:solidFill>
+                <a:latin typeface="Courier New" panose="02070309020205020404" pitchFamily="49" charset="0"/>
+                <a:ea typeface="Times New Roman" panose="02020603050405020304" pitchFamily="18" charset="0"/>
+              </a:rPr>
+              <a:t>MyService</a:t>
+            </a:r>
+            <a:r>
+              <a:rPr lang="en-US" sz="1600" dirty="0">
+                <a:solidFill>
+                  <a:srgbClr val="000000"/>
+                </a:solidFill>
+                <a:latin typeface="Courier New" panose="02070309020205020404" pitchFamily="49" charset="0"/>
+                <a:ea typeface="Times New Roman" panose="02020603050405020304" pitchFamily="18" charset="0"/>
+              </a:rPr>
+              <a:t>, </a:t>
+            </a:r>
+            <a:r>
+              <a:rPr lang="en-US" sz="1600" b="1" dirty="0">
+                <a:solidFill>
+                  <a:srgbClr val="660E7A"/>
+                </a:solidFill>
+                <a:latin typeface="Courier New" panose="02070309020205020404" pitchFamily="49" charset="0"/>
+                <a:ea typeface="Times New Roman" panose="02020603050405020304" pitchFamily="18" charset="0"/>
+              </a:rPr>
+              <a:t>multi</a:t>
+            </a:r>
+            <a:r>
+              <a:rPr lang="en-US" sz="1600" dirty="0">
+                <a:solidFill>
+                  <a:srgbClr val="000000"/>
+                </a:solidFill>
+                <a:latin typeface="Courier New" panose="02070309020205020404" pitchFamily="49" charset="0"/>
+                <a:ea typeface="Times New Roman" panose="02020603050405020304" pitchFamily="18" charset="0"/>
+              </a:rPr>
+              <a:t>: </a:t>
+            </a:r>
+            <a:r>
+              <a:rPr lang="en-US" sz="1600" b="1" dirty="0">
+                <a:solidFill>
+                  <a:srgbClr val="000080"/>
+                </a:solidFill>
+                <a:latin typeface="Courier New" panose="02070309020205020404" pitchFamily="49" charset="0"/>
+                <a:ea typeface="Times New Roman" panose="02020603050405020304" pitchFamily="18" charset="0"/>
+              </a:rPr>
+              <a:t>true</a:t>
+            </a:r>
+            <a:r>
+              <a:rPr lang="en-US" sz="1600" dirty="0">
+                <a:solidFill>
+                  <a:srgbClr val="000000"/>
+                </a:solidFill>
+                <a:latin typeface="Courier New" panose="02070309020205020404" pitchFamily="49" charset="0"/>
+                <a:ea typeface="Times New Roman" panose="02020603050405020304" pitchFamily="18" charset="0"/>
+              </a:rPr>
+              <a:t>},</a:t>
+            </a:r>
+            <a:br>
+              <a:rPr lang="en-US" sz="1600" dirty="0">
+                <a:solidFill>
+                  <a:srgbClr val="000000"/>
+                </a:solidFill>
+                <a:latin typeface="Courier New" panose="02070309020205020404" pitchFamily="49" charset="0"/>
+                <a:ea typeface="Times New Roman" panose="02020603050405020304" pitchFamily="18" charset="0"/>
+              </a:rPr>
+            </a:br>
+            <a:r>
+              <a:rPr lang="en-US" sz="1600" dirty="0">
+                <a:solidFill>
+                  <a:srgbClr val="000000"/>
+                </a:solidFill>
+                <a:latin typeface="Courier New" panose="02070309020205020404" pitchFamily="49" charset="0"/>
+                <a:ea typeface="Times New Roman" panose="02020603050405020304" pitchFamily="18" charset="0"/>
+              </a:rPr>
+              <a:t>    {</a:t>
+            </a:r>
+            <a:r>
+              <a:rPr lang="en-US" sz="1600" b="1" dirty="0">
+                <a:solidFill>
+                  <a:srgbClr val="660E7A"/>
+                </a:solidFill>
+                <a:latin typeface="Courier New" panose="02070309020205020404" pitchFamily="49" charset="0"/>
+                <a:ea typeface="Times New Roman" panose="02020603050405020304" pitchFamily="18" charset="0"/>
+              </a:rPr>
+              <a:t>provide</a:t>
+            </a:r>
+            <a:r>
+              <a:rPr lang="en-US" sz="1600" dirty="0">
+                <a:solidFill>
+                  <a:srgbClr val="000000"/>
+                </a:solidFill>
+                <a:latin typeface="Courier New" panose="02070309020205020404" pitchFamily="49" charset="0"/>
+                <a:ea typeface="Times New Roman" panose="02020603050405020304" pitchFamily="18" charset="0"/>
+              </a:rPr>
+              <a:t>: </a:t>
+            </a:r>
+            <a:r>
+              <a:rPr lang="en-US" sz="1600" dirty="0" err="1">
+                <a:solidFill>
+                  <a:srgbClr val="000000"/>
+                </a:solidFill>
+                <a:latin typeface="Courier New" panose="02070309020205020404" pitchFamily="49" charset="0"/>
+                <a:ea typeface="Times New Roman" panose="02020603050405020304" pitchFamily="18" charset="0"/>
+              </a:rPr>
+              <a:t>MyService</a:t>
+            </a:r>
+            <a:r>
+              <a:rPr lang="en-US" sz="1600" dirty="0">
+                <a:solidFill>
+                  <a:srgbClr val="000000"/>
+                </a:solidFill>
+                <a:latin typeface="Courier New" panose="02070309020205020404" pitchFamily="49" charset="0"/>
+                <a:ea typeface="Times New Roman" panose="02020603050405020304" pitchFamily="18" charset="0"/>
+              </a:rPr>
+              <a:t>, </a:t>
+            </a:r>
+            <a:r>
+              <a:rPr lang="en-US" sz="1600" b="1" dirty="0" err="1">
+                <a:solidFill>
+                  <a:srgbClr val="660E7A"/>
+                </a:solidFill>
+                <a:latin typeface="Courier New" panose="02070309020205020404" pitchFamily="49" charset="0"/>
+                <a:ea typeface="Times New Roman" panose="02020603050405020304" pitchFamily="18" charset="0"/>
+              </a:rPr>
+              <a:t>useClass</a:t>
+            </a:r>
+            <a:r>
+              <a:rPr lang="en-US" sz="1600" dirty="0">
+                <a:solidFill>
+                  <a:srgbClr val="000000"/>
+                </a:solidFill>
+                <a:latin typeface="Courier New" panose="02070309020205020404" pitchFamily="49" charset="0"/>
+                <a:ea typeface="Times New Roman" panose="02020603050405020304" pitchFamily="18" charset="0"/>
+              </a:rPr>
+              <a:t>: </a:t>
+            </a:r>
+            <a:r>
+              <a:rPr lang="en-US" sz="1600" dirty="0" err="1">
+                <a:solidFill>
+                  <a:srgbClr val="000000"/>
+                </a:solidFill>
+                <a:latin typeface="Courier New" panose="02070309020205020404" pitchFamily="49" charset="0"/>
+                <a:ea typeface="Times New Roman" panose="02020603050405020304" pitchFamily="18" charset="0"/>
+              </a:rPr>
+              <a:t>MyService</a:t>
+            </a:r>
+            <a:r>
+              <a:rPr lang="en-US" sz="1600" dirty="0">
+                <a:solidFill>
+                  <a:srgbClr val="000000"/>
+                </a:solidFill>
+                <a:latin typeface="Courier New" panose="02070309020205020404" pitchFamily="49" charset="0"/>
+                <a:ea typeface="Times New Roman" panose="02020603050405020304" pitchFamily="18" charset="0"/>
+              </a:rPr>
+              <a:t>, </a:t>
+            </a:r>
+            <a:r>
+              <a:rPr lang="en-US" sz="1600" b="1" dirty="0">
+                <a:solidFill>
+                  <a:srgbClr val="660E7A"/>
+                </a:solidFill>
+                <a:latin typeface="Courier New" panose="02070309020205020404" pitchFamily="49" charset="0"/>
+                <a:ea typeface="Times New Roman" panose="02020603050405020304" pitchFamily="18" charset="0"/>
+              </a:rPr>
+              <a:t>multi</a:t>
+            </a:r>
+            <a:r>
+              <a:rPr lang="en-US" sz="1600" dirty="0">
+                <a:solidFill>
+                  <a:srgbClr val="000000"/>
+                </a:solidFill>
+                <a:latin typeface="Courier New" panose="02070309020205020404" pitchFamily="49" charset="0"/>
+                <a:ea typeface="Times New Roman" panose="02020603050405020304" pitchFamily="18" charset="0"/>
+              </a:rPr>
+              <a:t>: </a:t>
+            </a:r>
+            <a:r>
+              <a:rPr lang="en-US" sz="1600" b="1" dirty="0">
+                <a:solidFill>
+                  <a:srgbClr val="000080"/>
+                </a:solidFill>
+                <a:latin typeface="Courier New" panose="02070309020205020404" pitchFamily="49" charset="0"/>
+                <a:ea typeface="Times New Roman" panose="02020603050405020304" pitchFamily="18" charset="0"/>
+              </a:rPr>
+              <a:t>true</a:t>
+            </a:r>
+            <a:r>
+              <a:rPr lang="en-US" sz="1600" dirty="0">
+                <a:solidFill>
+                  <a:srgbClr val="000000"/>
+                </a:solidFill>
+                <a:latin typeface="Courier New" panose="02070309020205020404" pitchFamily="49" charset="0"/>
+                <a:ea typeface="Times New Roman" panose="02020603050405020304" pitchFamily="18" charset="0"/>
+              </a:rPr>
+              <a:t>},</a:t>
+            </a:r>
+            <a:br>
+              <a:rPr lang="en-US" sz="1600" dirty="0">
+                <a:solidFill>
+                  <a:srgbClr val="000000"/>
+                </a:solidFill>
+                <a:latin typeface="Courier New" panose="02070309020205020404" pitchFamily="49" charset="0"/>
+                <a:ea typeface="Times New Roman" panose="02020603050405020304" pitchFamily="18" charset="0"/>
+              </a:rPr>
+            </a:br>
+            <a:r>
+              <a:rPr lang="en-US" sz="1600" dirty="0">
+                <a:solidFill>
+                  <a:srgbClr val="000000"/>
+                </a:solidFill>
+                <a:latin typeface="Courier New" panose="02070309020205020404" pitchFamily="49" charset="0"/>
+                <a:ea typeface="Times New Roman" panose="02020603050405020304" pitchFamily="18" charset="0"/>
+              </a:rPr>
+              <a:t>]);</a:t>
+            </a:r>
+            <a:br>
+              <a:rPr lang="en-US" sz="1600" dirty="0">
+                <a:solidFill>
+                  <a:srgbClr val="000000"/>
+                </a:solidFill>
+                <a:latin typeface="Courier New" panose="02070309020205020404" pitchFamily="49" charset="0"/>
+                <a:ea typeface="Times New Roman" panose="02020603050405020304" pitchFamily="18" charset="0"/>
+              </a:rPr>
+            </a:br>
+            <a:r>
+              <a:rPr lang="en-US" sz="1600" dirty="0">
+                <a:solidFill>
+                  <a:srgbClr val="000000"/>
+                </a:solidFill>
+                <a:latin typeface="Courier New" panose="02070309020205020404" pitchFamily="49" charset="0"/>
+                <a:ea typeface="Times New Roman" panose="02020603050405020304" pitchFamily="18" charset="0"/>
+              </a:rPr>
+              <a:t/>
+            </a:r>
+            <a:br>
+              <a:rPr lang="en-US" sz="1600" dirty="0">
+                <a:solidFill>
+                  <a:srgbClr val="000000"/>
+                </a:solidFill>
+                <a:latin typeface="Courier New" panose="02070309020205020404" pitchFamily="49" charset="0"/>
+                <a:ea typeface="Times New Roman" panose="02020603050405020304" pitchFamily="18" charset="0"/>
+              </a:rPr>
+            </a:br>
+            <a:r>
+              <a:rPr lang="en-US" sz="1600" b="1" dirty="0" err="1">
+                <a:solidFill>
+                  <a:srgbClr val="000080"/>
+                </a:solidFill>
+                <a:latin typeface="Courier New" panose="02070309020205020404" pitchFamily="49" charset="0"/>
+                <a:ea typeface="Times New Roman" panose="02020603050405020304" pitchFamily="18" charset="0"/>
+              </a:rPr>
+              <a:t>const</a:t>
+            </a:r>
+            <a:r>
+              <a:rPr lang="en-US" sz="1600" b="1" dirty="0">
+                <a:solidFill>
+                  <a:srgbClr val="000080"/>
+                </a:solidFill>
+                <a:latin typeface="Courier New" panose="02070309020205020404" pitchFamily="49" charset="0"/>
+                <a:ea typeface="Times New Roman" panose="02020603050405020304" pitchFamily="18" charset="0"/>
+              </a:rPr>
+              <a:t> </a:t>
+            </a:r>
+            <a:r>
+              <a:rPr lang="en-US" sz="1600" dirty="0" err="1" smtClean="0">
+                <a:solidFill>
+                  <a:srgbClr val="458383"/>
+                </a:solidFill>
+                <a:latin typeface="Courier New" panose="02070309020205020404" pitchFamily="49" charset="0"/>
+                <a:ea typeface="Times New Roman" panose="02020603050405020304" pitchFamily="18" charset="0"/>
+              </a:rPr>
+              <a:t>arr</a:t>
+            </a:r>
+            <a:r>
+              <a:rPr lang="en-US" sz="1600" dirty="0" smtClean="0">
+                <a:solidFill>
+                  <a:srgbClr val="458383"/>
+                </a:solidFill>
+                <a:latin typeface="Courier New" panose="02070309020205020404" pitchFamily="49" charset="0"/>
+                <a:ea typeface="Times New Roman" panose="02020603050405020304" pitchFamily="18" charset="0"/>
+              </a:rPr>
+              <a:t> </a:t>
+            </a:r>
+            <a:r>
+              <a:rPr lang="en-US" sz="1600" dirty="0">
+                <a:solidFill>
+                  <a:srgbClr val="000000"/>
+                </a:solidFill>
+                <a:latin typeface="Courier New" panose="02070309020205020404" pitchFamily="49" charset="0"/>
+                <a:ea typeface="Times New Roman" panose="02020603050405020304" pitchFamily="18" charset="0"/>
+              </a:rPr>
+              <a:t>= </a:t>
+            </a:r>
+            <a:r>
+              <a:rPr lang="en-US" sz="1600" dirty="0" err="1">
+                <a:solidFill>
+                  <a:srgbClr val="458383"/>
+                </a:solidFill>
+                <a:latin typeface="Courier New" panose="02070309020205020404" pitchFamily="49" charset="0"/>
+                <a:ea typeface="Times New Roman" panose="02020603050405020304" pitchFamily="18" charset="0"/>
+              </a:rPr>
+              <a:t>injector</a:t>
+            </a:r>
+            <a:r>
+              <a:rPr lang="en-US" sz="1600" dirty="0" err="1">
+                <a:solidFill>
+                  <a:srgbClr val="000000"/>
+                </a:solidFill>
+                <a:latin typeface="Courier New" panose="02070309020205020404" pitchFamily="49" charset="0"/>
+                <a:ea typeface="Times New Roman" panose="02020603050405020304" pitchFamily="18" charset="0"/>
+              </a:rPr>
+              <a:t>.</a:t>
+            </a:r>
+            <a:r>
+              <a:rPr lang="en-US" sz="1600" dirty="0" err="1">
+                <a:solidFill>
+                  <a:srgbClr val="7A7A43"/>
+                </a:solidFill>
+                <a:latin typeface="Courier New" panose="02070309020205020404" pitchFamily="49" charset="0"/>
+                <a:ea typeface="Times New Roman" panose="02020603050405020304" pitchFamily="18" charset="0"/>
+              </a:rPr>
+              <a:t>get</a:t>
+            </a:r>
+            <a:r>
+              <a:rPr lang="en-US" sz="1600" dirty="0">
+                <a:solidFill>
+                  <a:srgbClr val="000000"/>
+                </a:solidFill>
+                <a:latin typeface="Courier New" panose="02070309020205020404" pitchFamily="49" charset="0"/>
+                <a:ea typeface="Times New Roman" panose="02020603050405020304" pitchFamily="18" charset="0"/>
+              </a:rPr>
+              <a:t>(</a:t>
+            </a:r>
+            <a:r>
+              <a:rPr lang="en-US" sz="1600" dirty="0" err="1">
+                <a:solidFill>
+                  <a:srgbClr val="000000"/>
+                </a:solidFill>
+                <a:latin typeface="Courier New" panose="02070309020205020404" pitchFamily="49" charset="0"/>
+                <a:ea typeface="Times New Roman" panose="02020603050405020304" pitchFamily="18" charset="0"/>
+              </a:rPr>
+              <a:t>MyService</a:t>
+            </a:r>
+            <a:r>
+              <a:rPr lang="en-US" sz="1600" dirty="0">
+                <a:solidFill>
+                  <a:srgbClr val="000000"/>
+                </a:solidFill>
+                <a:latin typeface="Courier New" panose="02070309020205020404" pitchFamily="49" charset="0"/>
+                <a:ea typeface="Times New Roman" panose="02020603050405020304" pitchFamily="18" charset="0"/>
+              </a:rPr>
+              <a:t>);</a:t>
+            </a:r>
+            <a:br>
+              <a:rPr lang="en-US" sz="1600" dirty="0">
+                <a:solidFill>
+                  <a:srgbClr val="000000"/>
+                </a:solidFill>
+                <a:latin typeface="Courier New" panose="02070309020205020404" pitchFamily="49" charset="0"/>
+                <a:ea typeface="Times New Roman" panose="02020603050405020304" pitchFamily="18" charset="0"/>
+              </a:rPr>
+            </a:br>
+            <a:r>
+              <a:rPr lang="en-US" sz="1600" b="1" i="1" dirty="0" smtClean="0">
+                <a:solidFill>
+                  <a:srgbClr val="660E7A"/>
+                </a:solidFill>
+                <a:latin typeface="Courier New" panose="02070309020205020404" pitchFamily="49" charset="0"/>
+                <a:ea typeface="Times New Roman" panose="02020603050405020304" pitchFamily="18" charset="0"/>
+              </a:rPr>
+              <a:t>console</a:t>
+            </a:r>
+            <a:r>
+              <a:rPr lang="en-US" sz="1600" dirty="0" smtClean="0">
+                <a:solidFill>
+                  <a:srgbClr val="000000"/>
+                </a:solidFill>
+                <a:latin typeface="Courier New" panose="02070309020205020404" pitchFamily="49" charset="0"/>
+                <a:ea typeface="Times New Roman" panose="02020603050405020304" pitchFamily="18" charset="0"/>
+              </a:rPr>
+              <a:t>.</a:t>
+            </a:r>
+            <a:r>
+              <a:rPr lang="en-US" sz="1600" dirty="0" smtClean="0">
+                <a:solidFill>
+                  <a:srgbClr val="7A7A43"/>
+                </a:solidFill>
+                <a:latin typeface="Courier New" panose="02070309020205020404" pitchFamily="49" charset="0"/>
+                <a:ea typeface="Times New Roman" panose="02020603050405020304" pitchFamily="18" charset="0"/>
+              </a:rPr>
+              <a:t>log</a:t>
+            </a:r>
+            <a:r>
+              <a:rPr lang="en-US" sz="1600" dirty="0" smtClean="0">
+                <a:solidFill>
+                  <a:srgbClr val="000000"/>
+                </a:solidFill>
+                <a:latin typeface="Courier New" panose="02070309020205020404" pitchFamily="49" charset="0"/>
+                <a:ea typeface="Times New Roman" panose="02020603050405020304" pitchFamily="18" charset="0"/>
+              </a:rPr>
+              <a:t>(</a:t>
+            </a:r>
+            <a:r>
+              <a:rPr lang="en-US" sz="1600" dirty="0" err="1" smtClean="0">
+                <a:solidFill>
+                  <a:srgbClr val="458383"/>
+                </a:solidFill>
+                <a:latin typeface="Courier New" panose="02070309020205020404" pitchFamily="49" charset="0"/>
+                <a:ea typeface="Times New Roman" panose="02020603050405020304" pitchFamily="18" charset="0"/>
+              </a:rPr>
+              <a:t>arr</a:t>
+            </a:r>
+            <a:r>
+              <a:rPr lang="en-US" sz="1600" dirty="0" smtClean="0">
+                <a:solidFill>
+                  <a:srgbClr val="000000"/>
+                </a:solidFill>
+                <a:latin typeface="Courier New" panose="02070309020205020404" pitchFamily="49" charset="0"/>
+                <a:ea typeface="Times New Roman" panose="02020603050405020304" pitchFamily="18" charset="0"/>
+              </a:rPr>
+              <a:t>);</a:t>
+            </a:r>
+            <a:endParaRPr lang="en-US" sz="1600" dirty="0"/>
+          </a:p>
+        </p:txBody>
+      </p:sp>
+      <p:sp>
+        <p:nvSpPr>
+          <p:cNvPr id="7" name="Line Callout 2 6"/>
+          <p:cNvSpPr/>
+          <p:nvPr/>
+        </p:nvSpPr>
+        <p:spPr>
+          <a:xfrm>
+            <a:off x="6623720" y="4348404"/>
+            <a:ext cx="1404664" cy="1240836"/>
+          </a:xfrm>
+          <a:prstGeom prst="borderCallout2">
+            <a:avLst>
+              <a:gd name="adj1" fmla="val 18750"/>
+              <a:gd name="adj2" fmla="val -8333"/>
+              <a:gd name="adj3" fmla="val 18750"/>
+              <a:gd name="adj4" fmla="val -16667"/>
+              <a:gd name="adj5" fmla="val 41756"/>
+              <a:gd name="adj6" fmla="val -250297"/>
+            </a:avLst>
+          </a:prstGeom>
+        </p:spPr>
+        <p:style>
+          <a:lnRef idx="2">
+            <a:schemeClr val="accent1">
+              <a:shade val="50000"/>
+            </a:schemeClr>
+          </a:lnRef>
+          <a:fillRef idx="1">
+            <a:schemeClr val="accent1"/>
+          </a:fillRef>
+          <a:effectRef idx="0">
+            <a:schemeClr val="accent1"/>
+          </a:effectRef>
+          <a:fontRef idx="minor">
+            <a:schemeClr val="lt1"/>
+          </a:fontRef>
+        </p:style>
+        <p:txBody>
+          <a:bodyPr rtlCol="0" anchor="ctr"/>
+          <a:lstStyle/>
+          <a:p>
+            <a:pPr algn="ctr"/>
+            <a:r>
+              <a:rPr lang="en-US" sz="1400" dirty="0" smtClean="0"/>
+              <a:t>Array </a:t>
+            </a:r>
+            <a:r>
+              <a:rPr lang="en-US" sz="1400" dirty="0" smtClean="0"/>
+              <a:t>of </a:t>
+            </a:r>
+            <a:r>
+              <a:rPr lang="en-US" sz="1400" dirty="0" err="1" smtClean="0"/>
+              <a:t>MyService</a:t>
+            </a:r>
+            <a:r>
+              <a:rPr lang="en-US" sz="1400" dirty="0" smtClean="0"/>
+              <a:t> objects</a:t>
+            </a:r>
+            <a:endParaRPr lang="en-US" sz="1400" dirty="0"/>
+          </a:p>
+        </p:txBody>
+      </p:sp>
+    </p:spTree>
+    <p:extLst>
+      <p:ext uri="{BB962C8B-B14F-4D97-AF65-F5344CB8AC3E}">
+        <p14:creationId xmlns:p14="http://schemas.microsoft.com/office/powerpoint/2010/main" val="1329221546"/>
       </p:ext>
     </p:extLst>
   </p:cSld>
@@ -17480,6 +18388,13 @@
   <p:clrMapOvr>
     <a:masterClrMapping/>
   </p:clrMapOvr>
+  <p:timing>
+    <p:tnLst>
+      <p:par>
+        <p:cTn id="1" dur="indefinite" restart="never" nodeType="tmRoot"/>
+      </p:par>
+    </p:tnLst>
+  </p:timing>
 </p:sld>
 </file>
 
@@ -19117,6 +20032,13 @@
   <p:clrMapOvr>
     <a:masterClrMapping/>
   </p:clrMapOvr>
+  <p:timing>
+    <p:tnLst>
+      <p:par>
+        <p:cTn id="1" dur="indefinite" restart="never" nodeType="tmRoot"/>
+      </p:par>
+    </p:tnLst>
+  </p:timing>
 </p:sld>
 </file>
 
@@ -19281,6 +20203,13 @@
   <p:clrMapOvr>
     <a:masterClrMapping/>
   </p:clrMapOvr>
+  <p:timing>
+    <p:tnLst>
+      <p:par>
+        <p:cTn id="1" dur="indefinite" restart="never" nodeType="tmRoot"/>
+      </p:par>
+    </p:tnLst>
+  </p:timing>
 </p:sld>
 </file>
 
@@ -19418,6 +20347,13 @@
   <p:clrMapOvr>
     <a:masterClrMapping/>
   </p:clrMapOvr>
+  <p:timing>
+    <p:tnLst>
+      <p:par>
+        <p:cTn id="1" dur="indefinite" restart="never" nodeType="tmRoot"/>
+      </p:par>
+    </p:tnLst>
+  </p:timing>
 </p:sld>
 </file>
 
@@ -20217,6 +21153,13 @@
   <p:clrMapOvr>
     <a:masterClrMapping/>
   </p:clrMapOvr>
+  <p:timing>
+    <p:tnLst>
+      <p:par>
+        <p:cTn id="1" dur="indefinite" restart="never" nodeType="tmRoot"/>
+      </p:par>
+    </p:tnLst>
+  </p:timing>
 </p:sld>
 </file>
 
@@ -20673,6 +21616,13 @@
   <p:clrMapOvr>
     <a:masterClrMapping/>
   </p:clrMapOvr>
+  <p:timing>
+    <p:tnLst>
+      <p:par>
+        <p:cTn id="1" dur="indefinite" restart="never" nodeType="tmRoot"/>
+      </p:par>
+    </p:tnLst>
+  </p:timing>
 </p:sld>
 </file>
 
@@ -21552,6 +22502,13 @@
   <p:clrMapOvr>
     <a:masterClrMapping/>
   </p:clrMapOvr>
+  <p:timing>
+    <p:tnLst>
+      <p:par>
+        <p:cTn id="1" dur="indefinite" restart="never" nodeType="tmRoot"/>
+      </p:par>
+    </p:tnLst>
+  </p:timing>
 </p:sld>
 </file>
 

--- a/PPTs/02 Dependency Injection.pptx
+++ b/PPTs/02 Dependency Injection.pptx
@@ -5,7 +5,7 @@
     <p:sldMasterId id="2147483672" r:id="rId1"/>
   </p:sldMasterIdLst>
   <p:notesMasterIdLst>
-    <p:notesMasterId r:id="rId34"/>
+    <p:notesMasterId r:id="rId35"/>
   </p:notesMasterIdLst>
   <p:sldIdLst>
     <p:sldId id="256" r:id="rId2"/>
@@ -39,7 +39,8 @@
     <p:sldId id="284" r:id="rId30"/>
     <p:sldId id="286" r:id="rId31"/>
     <p:sldId id="287" r:id="rId32"/>
-    <p:sldId id="288" r:id="rId33"/>
+    <p:sldId id="289" r:id="rId33"/>
+    <p:sldId id="288" r:id="rId34"/>
   </p:sldIdLst>
   <p:sldSz cx="9144000" cy="6858000" type="screen4x3"/>
   <p:notesSz cx="6858000" cy="9144000"/>
@@ -21662,7 +21663,11 @@
           <a:p>
             <a:r>
               <a:rPr lang="en-US" dirty="0"/>
-              <a:t>Mixing </a:t>
+              <a:t>@</a:t>
+            </a:r>
+            <a:r>
+              <a:rPr lang="en-US" dirty="0" err="1"/>
+              <a:t>SkipSelf</a:t>
             </a:r>
             <a:endParaRPr lang="he-IL" dirty="0"/>
           </a:p>
@@ -21712,6 +21717,1013 @@
               <a:rPr lang="en-US" smtClean="0"/>
               <a:pPr/>
               <a:t>32</a:t>
+            </a:fld>
+            <a:endParaRPr lang="en-US"/>
+          </a:p>
+        </p:txBody>
+      </p:sp>
+      <p:sp>
+        <p:nvSpPr>
+          <p:cNvPr id="5" name="Content Placeholder 4"/>
+          <p:cNvSpPr>
+            <a:spLocks noGrp="1"/>
+          </p:cNvSpPr>
+          <p:nvPr>
+            <p:ph sz="quarter" idx="1"/>
+          </p:nvPr>
+        </p:nvSpPr>
+        <p:spPr/>
+        <p:txBody>
+          <a:bodyPr/>
+          <a:lstStyle/>
+          <a:p>
+            <a:r>
+              <a:rPr lang="en-US" dirty="0"/>
+              <a:t>Always resolve dependency using parent injector</a:t>
+            </a:r>
+            <a:endParaRPr lang="he-IL" dirty="0"/>
+          </a:p>
+        </p:txBody>
+      </p:sp>
+      <p:sp>
+        <p:nvSpPr>
+          <p:cNvPr id="6" name="Rectangle 5"/>
+          <p:cNvSpPr/>
+          <p:nvPr/>
+        </p:nvSpPr>
+        <p:spPr>
+          <a:xfrm>
+            <a:off x="2308878" y="2420888"/>
+            <a:ext cx="4760940" cy="3600986"/>
+          </a:xfrm>
+          <a:prstGeom prst="rect">
+            <a:avLst/>
+          </a:prstGeom>
+        </p:spPr>
+        <p:txBody>
+          <a:bodyPr wrap="square">
+            <a:spAutoFit/>
+          </a:bodyPr>
+          <a:lstStyle/>
+          <a:p>
+            <a:r>
+              <a:rPr lang="en-US" sz="1200" dirty="0">
+                <a:solidFill>
+                  <a:srgbClr val="000000"/>
+                </a:solidFill>
+                <a:latin typeface="Calibri" panose="020F0502020204030204" pitchFamily="34" charset="0"/>
+                <a:ea typeface="Calibri" panose="020F0502020204030204" pitchFamily="34" charset="0"/>
+                <a:cs typeface="Arial" panose="020B0604020202020204" pitchFamily="34" charset="0"/>
+              </a:rPr>
+              <a:t>@Injectable()</a:t>
+            </a:r>
+            <a:br>
+              <a:rPr lang="en-US" sz="1200" dirty="0">
+                <a:solidFill>
+                  <a:srgbClr val="000000"/>
+                </a:solidFill>
+                <a:latin typeface="Calibri" panose="020F0502020204030204" pitchFamily="34" charset="0"/>
+                <a:ea typeface="Calibri" panose="020F0502020204030204" pitchFamily="34" charset="0"/>
+                <a:cs typeface="Arial" panose="020B0604020202020204" pitchFamily="34" charset="0"/>
+              </a:rPr>
+            </a:br>
+            <a:r>
+              <a:rPr lang="en-US" sz="1200" b="1" dirty="0">
+                <a:solidFill>
+                  <a:srgbClr val="000080"/>
+                </a:solidFill>
+                <a:latin typeface="Calibri" panose="020F0502020204030204" pitchFamily="34" charset="0"/>
+                <a:ea typeface="Calibri" panose="020F0502020204030204" pitchFamily="34" charset="0"/>
+                <a:cs typeface="Arial" panose="020B0604020202020204" pitchFamily="34" charset="0"/>
+              </a:rPr>
+              <a:t>class </a:t>
+            </a:r>
+            <a:r>
+              <a:rPr lang="en-US" sz="1200" dirty="0">
+                <a:solidFill>
+                  <a:srgbClr val="000000"/>
+                </a:solidFill>
+                <a:latin typeface="Calibri" panose="020F0502020204030204" pitchFamily="34" charset="0"/>
+                <a:ea typeface="Calibri" panose="020F0502020204030204" pitchFamily="34" charset="0"/>
+                <a:cs typeface="Arial" panose="020B0604020202020204" pitchFamily="34" charset="0"/>
+              </a:rPr>
+              <a:t>MyService1 {</a:t>
+            </a:r>
+            <a:br>
+              <a:rPr lang="en-US" sz="1200" dirty="0">
+                <a:solidFill>
+                  <a:srgbClr val="000000"/>
+                </a:solidFill>
+                <a:latin typeface="Calibri" panose="020F0502020204030204" pitchFamily="34" charset="0"/>
+                <a:ea typeface="Calibri" panose="020F0502020204030204" pitchFamily="34" charset="0"/>
+                <a:cs typeface="Arial" panose="020B0604020202020204" pitchFamily="34" charset="0"/>
+              </a:rPr>
+            </a:br>
+            <a:r>
+              <a:rPr lang="en-US" sz="1200" dirty="0">
+                <a:solidFill>
+                  <a:srgbClr val="000000"/>
+                </a:solidFill>
+                <a:latin typeface="Calibri" panose="020F0502020204030204" pitchFamily="34" charset="0"/>
+                <a:ea typeface="Calibri" panose="020F0502020204030204" pitchFamily="34" charset="0"/>
+                <a:cs typeface="Arial" panose="020B0604020202020204" pitchFamily="34" charset="0"/>
+              </a:rPr>
+              <a:t>}</a:t>
+            </a:r>
+            <a:br>
+              <a:rPr lang="en-US" sz="1200" dirty="0">
+                <a:solidFill>
+                  <a:srgbClr val="000000"/>
+                </a:solidFill>
+                <a:latin typeface="Calibri" panose="020F0502020204030204" pitchFamily="34" charset="0"/>
+                <a:ea typeface="Calibri" panose="020F0502020204030204" pitchFamily="34" charset="0"/>
+                <a:cs typeface="Arial" panose="020B0604020202020204" pitchFamily="34" charset="0"/>
+              </a:rPr>
+            </a:br>
+            <a:br>
+              <a:rPr lang="en-US" sz="1200" dirty="0">
+                <a:solidFill>
+                  <a:srgbClr val="000000"/>
+                </a:solidFill>
+                <a:latin typeface="Calibri" panose="020F0502020204030204" pitchFamily="34" charset="0"/>
+                <a:ea typeface="Calibri" panose="020F0502020204030204" pitchFamily="34" charset="0"/>
+                <a:cs typeface="Arial" panose="020B0604020202020204" pitchFamily="34" charset="0"/>
+              </a:rPr>
+            </a:br>
+            <a:r>
+              <a:rPr lang="en-US" sz="1200" dirty="0">
+                <a:solidFill>
+                  <a:srgbClr val="000000"/>
+                </a:solidFill>
+                <a:latin typeface="Calibri" panose="020F0502020204030204" pitchFamily="34" charset="0"/>
+                <a:ea typeface="Calibri" panose="020F0502020204030204" pitchFamily="34" charset="0"/>
+                <a:cs typeface="Arial" panose="020B0604020202020204" pitchFamily="34" charset="0"/>
+              </a:rPr>
+              <a:t>@Injectable()</a:t>
+            </a:r>
+            <a:br>
+              <a:rPr lang="en-US" sz="1200" dirty="0">
+                <a:solidFill>
+                  <a:srgbClr val="000000"/>
+                </a:solidFill>
+                <a:latin typeface="Calibri" panose="020F0502020204030204" pitchFamily="34" charset="0"/>
+                <a:ea typeface="Calibri" panose="020F0502020204030204" pitchFamily="34" charset="0"/>
+                <a:cs typeface="Arial" panose="020B0604020202020204" pitchFamily="34" charset="0"/>
+              </a:rPr>
+            </a:br>
+            <a:r>
+              <a:rPr lang="en-US" sz="1200" b="1" dirty="0">
+                <a:solidFill>
+                  <a:srgbClr val="000080"/>
+                </a:solidFill>
+                <a:latin typeface="Calibri" panose="020F0502020204030204" pitchFamily="34" charset="0"/>
+                <a:ea typeface="Calibri" panose="020F0502020204030204" pitchFamily="34" charset="0"/>
+                <a:cs typeface="Arial" panose="020B0604020202020204" pitchFamily="34" charset="0"/>
+              </a:rPr>
+              <a:t>class </a:t>
+            </a:r>
+            <a:r>
+              <a:rPr lang="en-US" sz="1200" dirty="0">
+                <a:solidFill>
+                  <a:srgbClr val="000000"/>
+                </a:solidFill>
+                <a:latin typeface="Calibri" panose="020F0502020204030204" pitchFamily="34" charset="0"/>
+                <a:ea typeface="Calibri" panose="020F0502020204030204" pitchFamily="34" charset="0"/>
+                <a:cs typeface="Arial" panose="020B0604020202020204" pitchFamily="34" charset="0"/>
+              </a:rPr>
+              <a:t>MyService2 {</a:t>
+            </a:r>
+            <a:br>
+              <a:rPr lang="en-US" sz="1200" dirty="0">
+                <a:solidFill>
+                  <a:srgbClr val="000000"/>
+                </a:solidFill>
+                <a:latin typeface="Calibri" panose="020F0502020204030204" pitchFamily="34" charset="0"/>
+                <a:ea typeface="Calibri" panose="020F0502020204030204" pitchFamily="34" charset="0"/>
+                <a:cs typeface="Arial" panose="020B0604020202020204" pitchFamily="34" charset="0"/>
+              </a:rPr>
+            </a:br>
+            <a:r>
+              <a:rPr lang="en-US" sz="1200" dirty="0">
+                <a:solidFill>
+                  <a:srgbClr val="000000"/>
+                </a:solidFill>
+                <a:latin typeface="Calibri" panose="020F0502020204030204" pitchFamily="34" charset="0"/>
+                <a:ea typeface="Calibri" panose="020F0502020204030204" pitchFamily="34" charset="0"/>
+                <a:cs typeface="Arial" panose="020B0604020202020204" pitchFamily="34" charset="0"/>
+              </a:rPr>
+              <a:t>    </a:t>
+            </a:r>
+            <a:r>
+              <a:rPr lang="en-US" sz="1200" b="1" dirty="0">
+                <a:solidFill>
+                  <a:srgbClr val="000080"/>
+                </a:solidFill>
+                <a:latin typeface="Calibri" panose="020F0502020204030204" pitchFamily="34" charset="0"/>
+                <a:ea typeface="Calibri" panose="020F0502020204030204" pitchFamily="34" charset="0"/>
+                <a:cs typeface="Arial" panose="020B0604020202020204" pitchFamily="34" charset="0"/>
+              </a:rPr>
+              <a:t>constructor</a:t>
+            </a:r>
+            <a:r>
+              <a:rPr lang="en-US" sz="1200" dirty="0">
+                <a:solidFill>
+                  <a:srgbClr val="000000"/>
+                </a:solidFill>
+                <a:latin typeface="Calibri" panose="020F0502020204030204" pitchFamily="34" charset="0"/>
+                <a:ea typeface="Calibri" panose="020F0502020204030204" pitchFamily="34" charset="0"/>
+                <a:cs typeface="Arial" panose="020B0604020202020204" pitchFamily="34" charset="0"/>
+              </a:rPr>
+              <a:t>(@</a:t>
+            </a:r>
+            <a:r>
+              <a:rPr lang="en-US" sz="1200" dirty="0" err="1">
+                <a:solidFill>
+                  <a:srgbClr val="000000"/>
+                </a:solidFill>
+                <a:latin typeface="Calibri" panose="020F0502020204030204" pitchFamily="34" charset="0"/>
+                <a:ea typeface="Calibri" panose="020F0502020204030204" pitchFamily="34" charset="0"/>
+                <a:cs typeface="Arial" panose="020B0604020202020204" pitchFamily="34" charset="0"/>
+              </a:rPr>
+              <a:t>SkipSelf</a:t>
+            </a:r>
+            <a:r>
+              <a:rPr lang="en-US" sz="1200" dirty="0">
+                <a:solidFill>
+                  <a:srgbClr val="000000"/>
+                </a:solidFill>
+                <a:latin typeface="Calibri" panose="020F0502020204030204" pitchFamily="34" charset="0"/>
+                <a:ea typeface="Calibri" panose="020F0502020204030204" pitchFamily="34" charset="0"/>
+                <a:cs typeface="Arial" panose="020B0604020202020204" pitchFamily="34" charset="0"/>
+              </a:rPr>
+              <a:t>() </a:t>
+            </a:r>
+            <a:r>
+              <a:rPr lang="en-US" sz="1200" b="1" dirty="0">
+                <a:solidFill>
+                  <a:srgbClr val="000080"/>
+                </a:solidFill>
+                <a:latin typeface="Calibri" panose="020F0502020204030204" pitchFamily="34" charset="0"/>
+                <a:ea typeface="Calibri" panose="020F0502020204030204" pitchFamily="34" charset="0"/>
+                <a:cs typeface="Arial" panose="020B0604020202020204" pitchFamily="34" charset="0"/>
+              </a:rPr>
+              <a:t>private </a:t>
+            </a:r>
+            <a:r>
+              <a:rPr lang="en-US" sz="1200" dirty="0">
+                <a:solidFill>
+                  <a:srgbClr val="000000"/>
+                </a:solidFill>
+                <a:latin typeface="Calibri" panose="020F0502020204030204" pitchFamily="34" charset="0"/>
+                <a:ea typeface="Calibri" panose="020F0502020204030204" pitchFamily="34" charset="0"/>
+                <a:cs typeface="Arial" panose="020B0604020202020204" pitchFamily="34" charset="0"/>
+              </a:rPr>
+              <a:t>service1: MyService1) {</a:t>
+            </a:r>
+            <a:br>
+              <a:rPr lang="en-US" sz="1200" dirty="0">
+                <a:solidFill>
+                  <a:srgbClr val="000000"/>
+                </a:solidFill>
+                <a:latin typeface="Calibri" panose="020F0502020204030204" pitchFamily="34" charset="0"/>
+                <a:ea typeface="Calibri" panose="020F0502020204030204" pitchFamily="34" charset="0"/>
+                <a:cs typeface="Arial" panose="020B0604020202020204" pitchFamily="34" charset="0"/>
+              </a:rPr>
+            </a:br>
+            <a:r>
+              <a:rPr lang="en-US" sz="1200" dirty="0">
+                <a:solidFill>
+                  <a:srgbClr val="000000"/>
+                </a:solidFill>
+                <a:latin typeface="Calibri" panose="020F0502020204030204" pitchFamily="34" charset="0"/>
+                <a:ea typeface="Calibri" panose="020F0502020204030204" pitchFamily="34" charset="0"/>
+                <a:cs typeface="Arial" panose="020B0604020202020204" pitchFamily="34" charset="0"/>
+              </a:rPr>
+              <a:t>    }</a:t>
+            </a:r>
+            <a:br>
+              <a:rPr lang="en-US" sz="1200" dirty="0">
+                <a:solidFill>
+                  <a:srgbClr val="000000"/>
+                </a:solidFill>
+                <a:latin typeface="Calibri" panose="020F0502020204030204" pitchFamily="34" charset="0"/>
+                <a:ea typeface="Calibri" panose="020F0502020204030204" pitchFamily="34" charset="0"/>
+                <a:cs typeface="Arial" panose="020B0604020202020204" pitchFamily="34" charset="0"/>
+              </a:rPr>
+            </a:br>
+            <a:r>
+              <a:rPr lang="en-US" sz="1200" dirty="0">
+                <a:solidFill>
+                  <a:srgbClr val="000000"/>
+                </a:solidFill>
+                <a:latin typeface="Calibri" panose="020F0502020204030204" pitchFamily="34" charset="0"/>
+                <a:ea typeface="Calibri" panose="020F0502020204030204" pitchFamily="34" charset="0"/>
+                <a:cs typeface="Arial" panose="020B0604020202020204" pitchFamily="34" charset="0"/>
+              </a:rPr>
+              <a:t>}</a:t>
+            </a:r>
+            <a:br>
+              <a:rPr lang="en-US" sz="1200" dirty="0">
+                <a:solidFill>
+                  <a:srgbClr val="000000"/>
+                </a:solidFill>
+                <a:latin typeface="Calibri" panose="020F0502020204030204" pitchFamily="34" charset="0"/>
+                <a:ea typeface="Calibri" panose="020F0502020204030204" pitchFamily="34" charset="0"/>
+                <a:cs typeface="Arial" panose="020B0604020202020204" pitchFamily="34" charset="0"/>
+              </a:rPr>
+            </a:br>
+            <a:br>
+              <a:rPr lang="en-US" sz="1200" dirty="0">
+                <a:solidFill>
+                  <a:srgbClr val="000000"/>
+                </a:solidFill>
+                <a:latin typeface="Calibri" panose="020F0502020204030204" pitchFamily="34" charset="0"/>
+                <a:ea typeface="Calibri" panose="020F0502020204030204" pitchFamily="34" charset="0"/>
+                <a:cs typeface="Arial" panose="020B0604020202020204" pitchFamily="34" charset="0"/>
+              </a:rPr>
+            </a:br>
+            <a:r>
+              <a:rPr lang="en-US" sz="1200" b="1" dirty="0" err="1">
+                <a:solidFill>
+                  <a:srgbClr val="000080"/>
+                </a:solidFill>
+                <a:latin typeface="Calibri" panose="020F0502020204030204" pitchFamily="34" charset="0"/>
+                <a:ea typeface="Calibri" panose="020F0502020204030204" pitchFamily="34" charset="0"/>
+                <a:cs typeface="Arial" panose="020B0604020202020204" pitchFamily="34" charset="0"/>
+              </a:rPr>
+              <a:t>const</a:t>
+            </a:r>
+            <a:r>
+              <a:rPr lang="en-US" sz="1200" b="1" dirty="0">
+                <a:solidFill>
+                  <a:srgbClr val="000080"/>
+                </a:solidFill>
+                <a:latin typeface="Calibri" panose="020F0502020204030204" pitchFamily="34" charset="0"/>
+                <a:ea typeface="Calibri" panose="020F0502020204030204" pitchFamily="34" charset="0"/>
+                <a:cs typeface="Arial" panose="020B0604020202020204" pitchFamily="34" charset="0"/>
+              </a:rPr>
+              <a:t> </a:t>
+            </a:r>
+            <a:r>
+              <a:rPr lang="en-US" sz="1200" dirty="0">
+                <a:solidFill>
+                  <a:srgbClr val="458383"/>
+                </a:solidFill>
+                <a:latin typeface="Calibri" panose="020F0502020204030204" pitchFamily="34" charset="0"/>
+                <a:ea typeface="Calibri" panose="020F0502020204030204" pitchFamily="34" charset="0"/>
+                <a:cs typeface="Arial" panose="020B0604020202020204" pitchFamily="34" charset="0"/>
+              </a:rPr>
+              <a:t>injector </a:t>
+            </a:r>
+            <a:r>
+              <a:rPr lang="en-US" sz="1200" dirty="0">
+                <a:solidFill>
+                  <a:srgbClr val="000000"/>
+                </a:solidFill>
+                <a:latin typeface="Calibri" panose="020F0502020204030204" pitchFamily="34" charset="0"/>
+                <a:ea typeface="Calibri" panose="020F0502020204030204" pitchFamily="34" charset="0"/>
+                <a:cs typeface="Arial" panose="020B0604020202020204" pitchFamily="34" charset="0"/>
+              </a:rPr>
+              <a:t>= </a:t>
+            </a:r>
+            <a:r>
+              <a:rPr lang="en-US" sz="1200" dirty="0" err="1">
+                <a:solidFill>
+                  <a:srgbClr val="000000"/>
+                </a:solidFill>
+                <a:latin typeface="Calibri" panose="020F0502020204030204" pitchFamily="34" charset="0"/>
+                <a:ea typeface="Calibri" panose="020F0502020204030204" pitchFamily="34" charset="0"/>
+                <a:cs typeface="Arial" panose="020B0604020202020204" pitchFamily="34" charset="0"/>
+              </a:rPr>
+              <a:t>ReflectiveInjector.</a:t>
+            </a:r>
+            <a:r>
+              <a:rPr lang="en-US" sz="1200" i="1" dirty="0" err="1">
+                <a:solidFill>
+                  <a:srgbClr val="000000"/>
+                </a:solidFill>
+                <a:latin typeface="Calibri" panose="020F0502020204030204" pitchFamily="34" charset="0"/>
+                <a:ea typeface="Calibri" panose="020F0502020204030204" pitchFamily="34" charset="0"/>
+                <a:cs typeface="Arial" panose="020B0604020202020204" pitchFamily="34" charset="0"/>
+              </a:rPr>
+              <a:t>resolveAndCreate</a:t>
+            </a:r>
+            <a:r>
+              <a:rPr lang="en-US" sz="1200" dirty="0">
+                <a:solidFill>
+                  <a:srgbClr val="000000"/>
+                </a:solidFill>
+                <a:latin typeface="Calibri" panose="020F0502020204030204" pitchFamily="34" charset="0"/>
+                <a:ea typeface="Calibri" panose="020F0502020204030204" pitchFamily="34" charset="0"/>
+                <a:cs typeface="Arial" panose="020B0604020202020204" pitchFamily="34" charset="0"/>
+              </a:rPr>
+              <a:t>([</a:t>
+            </a:r>
+            <a:br>
+              <a:rPr lang="en-US" sz="1200" dirty="0">
+                <a:solidFill>
+                  <a:srgbClr val="000000"/>
+                </a:solidFill>
+                <a:latin typeface="Calibri" panose="020F0502020204030204" pitchFamily="34" charset="0"/>
+                <a:ea typeface="Calibri" panose="020F0502020204030204" pitchFamily="34" charset="0"/>
+                <a:cs typeface="Arial" panose="020B0604020202020204" pitchFamily="34" charset="0"/>
+              </a:rPr>
+            </a:br>
+            <a:r>
+              <a:rPr lang="en-US" sz="1200" dirty="0">
+                <a:solidFill>
+                  <a:srgbClr val="000000"/>
+                </a:solidFill>
+                <a:latin typeface="Calibri" panose="020F0502020204030204" pitchFamily="34" charset="0"/>
+                <a:ea typeface="Calibri" panose="020F0502020204030204" pitchFamily="34" charset="0"/>
+                <a:cs typeface="Arial" panose="020B0604020202020204" pitchFamily="34" charset="0"/>
+              </a:rPr>
+              <a:t>    MyService1,</a:t>
+            </a:r>
+            <a:br>
+              <a:rPr lang="en-US" sz="1200" dirty="0">
+                <a:solidFill>
+                  <a:srgbClr val="000000"/>
+                </a:solidFill>
+                <a:latin typeface="Calibri" panose="020F0502020204030204" pitchFamily="34" charset="0"/>
+                <a:ea typeface="Calibri" panose="020F0502020204030204" pitchFamily="34" charset="0"/>
+                <a:cs typeface="Arial" panose="020B0604020202020204" pitchFamily="34" charset="0"/>
+              </a:rPr>
+            </a:br>
+            <a:r>
+              <a:rPr lang="en-US" sz="1200" dirty="0">
+                <a:solidFill>
+                  <a:srgbClr val="000000"/>
+                </a:solidFill>
+                <a:latin typeface="Calibri" panose="020F0502020204030204" pitchFamily="34" charset="0"/>
+                <a:ea typeface="Calibri" panose="020F0502020204030204" pitchFamily="34" charset="0"/>
+                <a:cs typeface="Arial" panose="020B0604020202020204" pitchFamily="34" charset="0"/>
+              </a:rPr>
+              <a:t>]);</a:t>
+            </a:r>
+            <a:br>
+              <a:rPr lang="en-US" sz="1200" dirty="0">
+                <a:solidFill>
+                  <a:srgbClr val="000000"/>
+                </a:solidFill>
+                <a:latin typeface="Calibri" panose="020F0502020204030204" pitchFamily="34" charset="0"/>
+                <a:ea typeface="Calibri" panose="020F0502020204030204" pitchFamily="34" charset="0"/>
+                <a:cs typeface="Arial" panose="020B0604020202020204" pitchFamily="34" charset="0"/>
+              </a:rPr>
+            </a:br>
+            <a:br>
+              <a:rPr lang="en-US" sz="1200" dirty="0">
+                <a:solidFill>
+                  <a:srgbClr val="000000"/>
+                </a:solidFill>
+                <a:latin typeface="Calibri" panose="020F0502020204030204" pitchFamily="34" charset="0"/>
+                <a:ea typeface="Calibri" panose="020F0502020204030204" pitchFamily="34" charset="0"/>
+                <a:cs typeface="Arial" panose="020B0604020202020204" pitchFamily="34" charset="0"/>
+              </a:rPr>
+            </a:br>
+            <a:r>
+              <a:rPr lang="en-US" sz="1200" b="1" dirty="0" err="1">
+                <a:solidFill>
+                  <a:srgbClr val="000080"/>
+                </a:solidFill>
+                <a:latin typeface="Calibri" panose="020F0502020204030204" pitchFamily="34" charset="0"/>
+                <a:ea typeface="Calibri" panose="020F0502020204030204" pitchFamily="34" charset="0"/>
+                <a:cs typeface="Arial" panose="020B0604020202020204" pitchFamily="34" charset="0"/>
+              </a:rPr>
+              <a:t>const</a:t>
+            </a:r>
+            <a:r>
+              <a:rPr lang="en-US" sz="1200" b="1" dirty="0">
+                <a:solidFill>
+                  <a:srgbClr val="000080"/>
+                </a:solidFill>
+                <a:latin typeface="Calibri" panose="020F0502020204030204" pitchFamily="34" charset="0"/>
+                <a:ea typeface="Calibri" panose="020F0502020204030204" pitchFamily="34" charset="0"/>
+                <a:cs typeface="Arial" panose="020B0604020202020204" pitchFamily="34" charset="0"/>
+              </a:rPr>
+              <a:t> </a:t>
+            </a:r>
+            <a:r>
+              <a:rPr lang="en-US" sz="1200" dirty="0">
+                <a:solidFill>
+                  <a:srgbClr val="458383"/>
+                </a:solidFill>
+                <a:latin typeface="Calibri" panose="020F0502020204030204" pitchFamily="34" charset="0"/>
+                <a:ea typeface="Calibri" panose="020F0502020204030204" pitchFamily="34" charset="0"/>
+                <a:cs typeface="Arial" panose="020B0604020202020204" pitchFamily="34" charset="0"/>
+              </a:rPr>
+              <a:t>child </a:t>
+            </a:r>
+            <a:r>
+              <a:rPr lang="en-US" sz="1200" dirty="0">
+                <a:solidFill>
+                  <a:srgbClr val="000000"/>
+                </a:solidFill>
+                <a:latin typeface="Calibri" panose="020F0502020204030204" pitchFamily="34" charset="0"/>
+                <a:ea typeface="Calibri" panose="020F0502020204030204" pitchFamily="34" charset="0"/>
+                <a:cs typeface="Arial" panose="020B0604020202020204" pitchFamily="34" charset="0"/>
+              </a:rPr>
+              <a:t>= </a:t>
+            </a:r>
+            <a:r>
+              <a:rPr lang="en-US" sz="1200" dirty="0" err="1">
+                <a:solidFill>
+                  <a:srgbClr val="458383"/>
+                </a:solidFill>
+                <a:latin typeface="Calibri" panose="020F0502020204030204" pitchFamily="34" charset="0"/>
+                <a:ea typeface="Calibri" panose="020F0502020204030204" pitchFamily="34" charset="0"/>
+                <a:cs typeface="Arial" panose="020B0604020202020204" pitchFamily="34" charset="0"/>
+              </a:rPr>
+              <a:t>injector</a:t>
+            </a:r>
+            <a:r>
+              <a:rPr lang="en-US" sz="1200" dirty="0" err="1">
+                <a:solidFill>
+                  <a:srgbClr val="000000"/>
+                </a:solidFill>
+                <a:latin typeface="Calibri" panose="020F0502020204030204" pitchFamily="34" charset="0"/>
+                <a:ea typeface="Calibri" panose="020F0502020204030204" pitchFamily="34" charset="0"/>
+                <a:cs typeface="Arial" panose="020B0604020202020204" pitchFamily="34" charset="0"/>
+              </a:rPr>
+              <a:t>.</a:t>
+            </a:r>
+            <a:r>
+              <a:rPr lang="en-US" sz="1200" dirty="0" err="1">
+                <a:solidFill>
+                  <a:srgbClr val="7A7A43"/>
+                </a:solidFill>
+                <a:latin typeface="Calibri" panose="020F0502020204030204" pitchFamily="34" charset="0"/>
+                <a:ea typeface="Calibri" panose="020F0502020204030204" pitchFamily="34" charset="0"/>
+                <a:cs typeface="Arial" panose="020B0604020202020204" pitchFamily="34" charset="0"/>
+              </a:rPr>
+              <a:t>resolveAndCreateChild</a:t>
+            </a:r>
+            <a:r>
+              <a:rPr lang="en-US" sz="1200" dirty="0">
+                <a:solidFill>
+                  <a:srgbClr val="000000"/>
+                </a:solidFill>
+                <a:latin typeface="Calibri" panose="020F0502020204030204" pitchFamily="34" charset="0"/>
+                <a:ea typeface="Calibri" panose="020F0502020204030204" pitchFamily="34" charset="0"/>
+                <a:cs typeface="Arial" panose="020B0604020202020204" pitchFamily="34" charset="0"/>
+              </a:rPr>
+              <a:t>([MyService1, MyService2]);</a:t>
+            </a:r>
+            <a:br>
+              <a:rPr lang="en-US" sz="1200" dirty="0">
+                <a:solidFill>
+                  <a:srgbClr val="000000"/>
+                </a:solidFill>
+                <a:latin typeface="Calibri" panose="020F0502020204030204" pitchFamily="34" charset="0"/>
+                <a:ea typeface="Calibri" panose="020F0502020204030204" pitchFamily="34" charset="0"/>
+                <a:cs typeface="Arial" panose="020B0604020202020204" pitchFamily="34" charset="0"/>
+              </a:rPr>
+            </a:br>
+            <a:br>
+              <a:rPr lang="en-US" sz="1200" dirty="0">
+                <a:solidFill>
+                  <a:srgbClr val="000000"/>
+                </a:solidFill>
+                <a:latin typeface="Calibri" panose="020F0502020204030204" pitchFamily="34" charset="0"/>
+                <a:ea typeface="Calibri" panose="020F0502020204030204" pitchFamily="34" charset="0"/>
+                <a:cs typeface="Arial" panose="020B0604020202020204" pitchFamily="34" charset="0"/>
+              </a:rPr>
+            </a:br>
+            <a:r>
+              <a:rPr lang="en-US" sz="1200" b="1" dirty="0" err="1">
+                <a:solidFill>
+                  <a:srgbClr val="000080"/>
+                </a:solidFill>
+                <a:latin typeface="Calibri" panose="020F0502020204030204" pitchFamily="34" charset="0"/>
+                <a:ea typeface="Calibri" panose="020F0502020204030204" pitchFamily="34" charset="0"/>
+                <a:cs typeface="Arial" panose="020B0604020202020204" pitchFamily="34" charset="0"/>
+              </a:rPr>
+              <a:t>const</a:t>
+            </a:r>
+            <a:r>
+              <a:rPr lang="en-US" sz="1200" b="1" dirty="0">
+                <a:solidFill>
+                  <a:srgbClr val="000080"/>
+                </a:solidFill>
+                <a:latin typeface="Calibri" panose="020F0502020204030204" pitchFamily="34" charset="0"/>
+                <a:ea typeface="Calibri" panose="020F0502020204030204" pitchFamily="34" charset="0"/>
+                <a:cs typeface="Arial" panose="020B0604020202020204" pitchFamily="34" charset="0"/>
+              </a:rPr>
+              <a:t> </a:t>
+            </a:r>
+            <a:r>
+              <a:rPr lang="en-US" sz="1200" dirty="0">
+                <a:solidFill>
+                  <a:srgbClr val="458383"/>
+                </a:solidFill>
+                <a:latin typeface="Calibri" panose="020F0502020204030204" pitchFamily="34" charset="0"/>
+                <a:ea typeface="Calibri" panose="020F0502020204030204" pitchFamily="34" charset="0"/>
+                <a:cs typeface="Arial" panose="020B0604020202020204" pitchFamily="34" charset="0"/>
+              </a:rPr>
+              <a:t>service2 </a:t>
+            </a:r>
+            <a:r>
+              <a:rPr lang="en-US" sz="1200" dirty="0">
+                <a:solidFill>
+                  <a:srgbClr val="000000"/>
+                </a:solidFill>
+                <a:latin typeface="Calibri" panose="020F0502020204030204" pitchFamily="34" charset="0"/>
+                <a:ea typeface="Calibri" panose="020F0502020204030204" pitchFamily="34" charset="0"/>
+                <a:cs typeface="Arial" panose="020B0604020202020204" pitchFamily="34" charset="0"/>
+              </a:rPr>
+              <a:t>= </a:t>
+            </a:r>
+            <a:r>
+              <a:rPr lang="en-US" sz="1200" dirty="0" err="1">
+                <a:solidFill>
+                  <a:srgbClr val="458383"/>
+                </a:solidFill>
+                <a:latin typeface="Calibri" panose="020F0502020204030204" pitchFamily="34" charset="0"/>
+                <a:ea typeface="Calibri" panose="020F0502020204030204" pitchFamily="34" charset="0"/>
+                <a:cs typeface="Arial" panose="020B0604020202020204" pitchFamily="34" charset="0"/>
+              </a:rPr>
+              <a:t>child</a:t>
+            </a:r>
+            <a:r>
+              <a:rPr lang="en-US" sz="1200" dirty="0" err="1">
+                <a:solidFill>
+                  <a:srgbClr val="000000"/>
+                </a:solidFill>
+                <a:latin typeface="Calibri" panose="020F0502020204030204" pitchFamily="34" charset="0"/>
+                <a:ea typeface="Calibri" panose="020F0502020204030204" pitchFamily="34" charset="0"/>
+                <a:cs typeface="Arial" panose="020B0604020202020204" pitchFamily="34" charset="0"/>
+              </a:rPr>
+              <a:t>.</a:t>
+            </a:r>
+            <a:r>
+              <a:rPr lang="en-US" sz="1200" dirty="0" err="1">
+                <a:solidFill>
+                  <a:srgbClr val="7A7A43"/>
+                </a:solidFill>
+                <a:latin typeface="Calibri" panose="020F0502020204030204" pitchFamily="34" charset="0"/>
+                <a:ea typeface="Calibri" panose="020F0502020204030204" pitchFamily="34" charset="0"/>
+                <a:cs typeface="Arial" panose="020B0604020202020204" pitchFamily="34" charset="0"/>
+              </a:rPr>
+              <a:t>get</a:t>
+            </a:r>
+            <a:r>
+              <a:rPr lang="en-US" sz="1200" dirty="0">
+                <a:solidFill>
+                  <a:srgbClr val="000000"/>
+                </a:solidFill>
+                <a:latin typeface="Calibri" panose="020F0502020204030204" pitchFamily="34" charset="0"/>
+                <a:ea typeface="Calibri" panose="020F0502020204030204" pitchFamily="34" charset="0"/>
+                <a:cs typeface="Arial" panose="020B0604020202020204" pitchFamily="34" charset="0"/>
+              </a:rPr>
+              <a:t>(MyService2);</a:t>
+            </a:r>
+            <a:br>
+              <a:rPr lang="en-US" sz="1200" dirty="0">
+                <a:solidFill>
+                  <a:srgbClr val="000000"/>
+                </a:solidFill>
+                <a:latin typeface="Calibri" panose="020F0502020204030204" pitchFamily="34" charset="0"/>
+                <a:ea typeface="Calibri" panose="020F0502020204030204" pitchFamily="34" charset="0"/>
+                <a:cs typeface="Arial" panose="020B0604020202020204" pitchFamily="34" charset="0"/>
+              </a:rPr>
+            </a:br>
+            <a:r>
+              <a:rPr lang="en-US" sz="1200" b="1" dirty="0" err="1">
+                <a:solidFill>
+                  <a:srgbClr val="000080"/>
+                </a:solidFill>
+                <a:latin typeface="Calibri" panose="020F0502020204030204" pitchFamily="34" charset="0"/>
+                <a:ea typeface="Calibri" panose="020F0502020204030204" pitchFamily="34" charset="0"/>
+                <a:cs typeface="Arial" panose="020B0604020202020204" pitchFamily="34" charset="0"/>
+              </a:rPr>
+              <a:t>const</a:t>
+            </a:r>
+            <a:r>
+              <a:rPr lang="en-US" sz="1200" b="1" dirty="0">
+                <a:solidFill>
+                  <a:srgbClr val="000080"/>
+                </a:solidFill>
+                <a:latin typeface="Calibri" panose="020F0502020204030204" pitchFamily="34" charset="0"/>
+                <a:ea typeface="Calibri" panose="020F0502020204030204" pitchFamily="34" charset="0"/>
+                <a:cs typeface="Arial" panose="020B0604020202020204" pitchFamily="34" charset="0"/>
+              </a:rPr>
+              <a:t> </a:t>
+            </a:r>
+            <a:r>
+              <a:rPr lang="en-US" sz="1200" dirty="0">
+                <a:solidFill>
+                  <a:srgbClr val="458383"/>
+                </a:solidFill>
+                <a:latin typeface="Calibri" panose="020F0502020204030204" pitchFamily="34" charset="0"/>
+                <a:ea typeface="Calibri" panose="020F0502020204030204" pitchFamily="34" charset="0"/>
+                <a:cs typeface="Arial" panose="020B0604020202020204" pitchFamily="34" charset="0"/>
+              </a:rPr>
+              <a:t>service1 </a:t>
+            </a:r>
+            <a:r>
+              <a:rPr lang="en-US" sz="1200" dirty="0">
+                <a:solidFill>
+                  <a:srgbClr val="000000"/>
+                </a:solidFill>
+                <a:latin typeface="Calibri" panose="020F0502020204030204" pitchFamily="34" charset="0"/>
+                <a:ea typeface="Calibri" panose="020F0502020204030204" pitchFamily="34" charset="0"/>
+                <a:cs typeface="Arial" panose="020B0604020202020204" pitchFamily="34" charset="0"/>
+              </a:rPr>
+              <a:t>= </a:t>
+            </a:r>
+            <a:r>
+              <a:rPr lang="en-US" sz="1200" dirty="0" err="1">
+                <a:solidFill>
+                  <a:srgbClr val="458383"/>
+                </a:solidFill>
+                <a:latin typeface="Calibri" panose="020F0502020204030204" pitchFamily="34" charset="0"/>
+                <a:ea typeface="Calibri" panose="020F0502020204030204" pitchFamily="34" charset="0"/>
+                <a:cs typeface="Arial" panose="020B0604020202020204" pitchFamily="34" charset="0"/>
+              </a:rPr>
+              <a:t>child</a:t>
+            </a:r>
+            <a:r>
+              <a:rPr lang="en-US" sz="1200" dirty="0" err="1">
+                <a:solidFill>
+                  <a:srgbClr val="000000"/>
+                </a:solidFill>
+                <a:latin typeface="Calibri" panose="020F0502020204030204" pitchFamily="34" charset="0"/>
+                <a:ea typeface="Calibri" panose="020F0502020204030204" pitchFamily="34" charset="0"/>
+                <a:cs typeface="Arial" panose="020B0604020202020204" pitchFamily="34" charset="0"/>
+              </a:rPr>
+              <a:t>.</a:t>
+            </a:r>
+            <a:r>
+              <a:rPr lang="en-US" sz="1200" dirty="0" err="1">
+                <a:solidFill>
+                  <a:srgbClr val="7A7A43"/>
+                </a:solidFill>
+                <a:latin typeface="Calibri" panose="020F0502020204030204" pitchFamily="34" charset="0"/>
+                <a:ea typeface="Calibri" panose="020F0502020204030204" pitchFamily="34" charset="0"/>
+                <a:cs typeface="Arial" panose="020B0604020202020204" pitchFamily="34" charset="0"/>
+              </a:rPr>
+              <a:t>get</a:t>
+            </a:r>
+            <a:r>
+              <a:rPr lang="en-US" sz="1200" dirty="0">
+                <a:solidFill>
+                  <a:srgbClr val="000000"/>
+                </a:solidFill>
+                <a:latin typeface="Calibri" panose="020F0502020204030204" pitchFamily="34" charset="0"/>
+                <a:ea typeface="Calibri" panose="020F0502020204030204" pitchFamily="34" charset="0"/>
+                <a:cs typeface="Arial" panose="020B0604020202020204" pitchFamily="34" charset="0"/>
+              </a:rPr>
+              <a:t>(MyService1);</a:t>
+            </a:r>
+            <a:br>
+              <a:rPr lang="en-US" sz="1200" dirty="0">
+                <a:solidFill>
+                  <a:srgbClr val="000000"/>
+                </a:solidFill>
+                <a:latin typeface="Calibri" panose="020F0502020204030204" pitchFamily="34" charset="0"/>
+                <a:ea typeface="Calibri" panose="020F0502020204030204" pitchFamily="34" charset="0"/>
+                <a:cs typeface="Arial" panose="020B0604020202020204" pitchFamily="34" charset="0"/>
+              </a:rPr>
+            </a:br>
+            <a:r>
+              <a:rPr lang="en-US" sz="1200" b="1" i="1" dirty="0">
+                <a:solidFill>
+                  <a:srgbClr val="660E7A"/>
+                </a:solidFill>
+                <a:latin typeface="Calibri" panose="020F0502020204030204" pitchFamily="34" charset="0"/>
+                <a:ea typeface="Calibri" panose="020F0502020204030204" pitchFamily="34" charset="0"/>
+                <a:cs typeface="Arial" panose="020B0604020202020204" pitchFamily="34" charset="0"/>
+              </a:rPr>
+              <a:t>console</a:t>
+            </a:r>
+            <a:r>
+              <a:rPr lang="en-US" sz="1200" dirty="0">
+                <a:solidFill>
+                  <a:srgbClr val="000000"/>
+                </a:solidFill>
+                <a:latin typeface="Calibri" panose="020F0502020204030204" pitchFamily="34" charset="0"/>
+                <a:ea typeface="Calibri" panose="020F0502020204030204" pitchFamily="34" charset="0"/>
+                <a:cs typeface="Arial" panose="020B0604020202020204" pitchFamily="34" charset="0"/>
+              </a:rPr>
+              <a:t>.</a:t>
+            </a:r>
+            <a:r>
+              <a:rPr lang="en-US" sz="1200" dirty="0">
+                <a:solidFill>
+                  <a:srgbClr val="7A7A43"/>
+                </a:solidFill>
+                <a:latin typeface="Calibri" panose="020F0502020204030204" pitchFamily="34" charset="0"/>
+                <a:ea typeface="Calibri" panose="020F0502020204030204" pitchFamily="34" charset="0"/>
+                <a:cs typeface="Arial" panose="020B0604020202020204" pitchFamily="34" charset="0"/>
+              </a:rPr>
+              <a:t>log</a:t>
+            </a:r>
+            <a:r>
+              <a:rPr lang="en-US" sz="1200" dirty="0">
+                <a:solidFill>
+                  <a:srgbClr val="000000"/>
+                </a:solidFill>
+                <a:latin typeface="Calibri" panose="020F0502020204030204" pitchFamily="34" charset="0"/>
+                <a:ea typeface="Calibri" panose="020F0502020204030204" pitchFamily="34" charset="0"/>
+                <a:cs typeface="Arial" panose="020B0604020202020204" pitchFamily="34" charset="0"/>
+              </a:rPr>
+              <a:t>(</a:t>
+            </a:r>
+            <a:r>
+              <a:rPr lang="en-US" sz="1200" dirty="0">
+                <a:solidFill>
+                  <a:srgbClr val="458383"/>
+                </a:solidFill>
+                <a:latin typeface="Calibri" panose="020F0502020204030204" pitchFamily="34" charset="0"/>
+                <a:ea typeface="Calibri" panose="020F0502020204030204" pitchFamily="34" charset="0"/>
+                <a:cs typeface="Arial" panose="020B0604020202020204" pitchFamily="34" charset="0"/>
+              </a:rPr>
+              <a:t>service1 </a:t>
+            </a:r>
+            <a:r>
+              <a:rPr lang="en-US" sz="1200" dirty="0">
+                <a:solidFill>
+                  <a:srgbClr val="000000"/>
+                </a:solidFill>
+                <a:latin typeface="Calibri" panose="020F0502020204030204" pitchFamily="34" charset="0"/>
+                <a:ea typeface="Calibri" panose="020F0502020204030204" pitchFamily="34" charset="0"/>
+                <a:cs typeface="Arial" panose="020B0604020202020204" pitchFamily="34" charset="0"/>
+              </a:rPr>
+              <a:t>== </a:t>
+            </a:r>
+            <a:r>
+              <a:rPr lang="en-US" sz="1200" dirty="0">
+                <a:solidFill>
+                  <a:srgbClr val="458383"/>
+                </a:solidFill>
+                <a:latin typeface="Calibri" panose="020F0502020204030204" pitchFamily="34" charset="0"/>
+                <a:ea typeface="Calibri" panose="020F0502020204030204" pitchFamily="34" charset="0"/>
+                <a:cs typeface="Arial" panose="020B0604020202020204" pitchFamily="34" charset="0"/>
+              </a:rPr>
+              <a:t>service2</a:t>
+            </a:r>
+            <a:r>
+              <a:rPr lang="en-US" sz="1200" dirty="0">
+                <a:solidFill>
+                  <a:srgbClr val="000000"/>
+                </a:solidFill>
+                <a:latin typeface="Calibri" panose="020F0502020204030204" pitchFamily="34" charset="0"/>
+                <a:ea typeface="Calibri" panose="020F0502020204030204" pitchFamily="34" charset="0"/>
+                <a:cs typeface="Arial" panose="020B0604020202020204" pitchFamily="34" charset="0"/>
+              </a:rPr>
+              <a:t>.service1);</a:t>
+            </a:r>
+            <a:endParaRPr lang="he-IL" sz="1200" dirty="0"/>
+          </a:p>
+        </p:txBody>
+      </p:sp>
+      <p:sp>
+        <p:nvSpPr>
+          <p:cNvPr id="7" name="Line Callout 2 6"/>
+          <p:cNvSpPr/>
+          <p:nvPr/>
+        </p:nvSpPr>
+        <p:spPr>
+          <a:xfrm>
+            <a:off x="7559824" y="3717032"/>
+            <a:ext cx="971610" cy="648072"/>
+          </a:xfrm>
+          <a:prstGeom prst="borderCallout2">
+            <a:avLst>
+              <a:gd name="adj1" fmla="val 18750"/>
+              <a:gd name="adj2" fmla="val -8333"/>
+              <a:gd name="adj3" fmla="val 18750"/>
+              <a:gd name="adj4" fmla="val -16667"/>
+              <a:gd name="adj5" fmla="val 331407"/>
+              <a:gd name="adj6" fmla="val -256108"/>
+            </a:avLst>
+          </a:prstGeom>
+        </p:spPr>
+        <p:style>
+          <a:lnRef idx="2">
+            <a:schemeClr val="accent1">
+              <a:shade val="50000"/>
+            </a:schemeClr>
+          </a:lnRef>
+          <a:fillRef idx="1">
+            <a:schemeClr val="accent1"/>
+          </a:fillRef>
+          <a:effectRef idx="0">
+            <a:schemeClr val="accent1"/>
+          </a:effectRef>
+          <a:fontRef idx="minor">
+            <a:schemeClr val="lt1"/>
+          </a:fontRef>
+        </p:style>
+        <p:txBody>
+          <a:bodyPr rtlCol="0" anchor="ctr"/>
+          <a:lstStyle/>
+          <a:p>
+            <a:pPr algn="ctr"/>
+            <a:r>
+              <a:rPr lang="en-US" sz="1200" dirty="0"/>
+              <a:t>False</a:t>
+            </a:r>
+          </a:p>
+        </p:txBody>
+      </p:sp>
+    </p:spTree>
+    <p:extLst>
+      <p:ext uri="{BB962C8B-B14F-4D97-AF65-F5344CB8AC3E}">
+        <p14:creationId xmlns:p14="http://schemas.microsoft.com/office/powerpoint/2010/main" val="815231697"/>
+      </p:ext>
+    </p:extLst>
+  </p:cSld>
+  <p:clrMapOvr>
+    <a:masterClrMapping/>
+  </p:clrMapOvr>
+</p:sld>
+</file>
+
+<file path=ppt/slides/slide33.xml><?xml version="1.0" encoding="utf-8"?>
+<p:sld xmlns:a="http://schemas.openxmlformats.org/drawingml/2006/main" xmlns:r="http://schemas.openxmlformats.org/officeDocument/2006/relationships" xmlns:p="http://schemas.openxmlformats.org/presentationml/2006/main">
+  <p:cSld>
+    <p:spTree>
+      <p:nvGrpSpPr>
+        <p:cNvPr id="1" name=""/>
+        <p:cNvGrpSpPr/>
+        <p:nvPr/>
+      </p:nvGrpSpPr>
+      <p:grpSpPr>
+        <a:xfrm>
+          <a:off x="0" y="0"/>
+          <a:ext cx="0" cy="0"/>
+          <a:chOff x="0" y="0"/>
+          <a:chExt cx="0" cy="0"/>
+        </a:xfrm>
+      </p:grpSpPr>
+      <p:sp>
+        <p:nvSpPr>
+          <p:cNvPr id="2" name="Title 1"/>
+          <p:cNvSpPr>
+            <a:spLocks noGrp="1"/>
+          </p:cNvSpPr>
+          <p:nvPr>
+            <p:ph type="title"/>
+          </p:nvPr>
+        </p:nvSpPr>
+        <p:spPr/>
+        <p:txBody>
+          <a:bodyPr/>
+          <a:lstStyle/>
+          <a:p>
+            <a:r>
+              <a:rPr lang="en-US" dirty="0"/>
+              <a:t>Mixing </a:t>
+            </a:r>
+            <a:endParaRPr lang="he-IL" dirty="0"/>
+          </a:p>
+        </p:txBody>
+      </p:sp>
+      <p:sp>
+        <p:nvSpPr>
+          <p:cNvPr id="3" name="Footer Placeholder 2"/>
+          <p:cNvSpPr>
+            <a:spLocks noGrp="1"/>
+          </p:cNvSpPr>
+          <p:nvPr>
+            <p:ph type="ftr" sz="quarter" idx="11"/>
+          </p:nvPr>
+        </p:nvSpPr>
+        <p:spPr/>
+        <p:txBody>
+          <a:bodyPr/>
+          <a:lstStyle/>
+          <a:p>
+            <a:r>
+              <a:rPr lang="en-US"/>
+              <a:t>© 2016 Ori Calvo</a:t>
+            </a:r>
+            <a:endParaRPr lang="en-US" dirty="0"/>
+          </a:p>
+        </p:txBody>
+      </p:sp>
+      <p:sp>
+        <p:nvSpPr>
+          <p:cNvPr id="4" name="Slide Number Placeholder 3"/>
+          <p:cNvSpPr>
+            <a:spLocks noGrp="1"/>
+          </p:cNvSpPr>
+          <p:nvPr>
+            <p:ph type="sldNum" sz="quarter" idx="12"/>
+          </p:nvPr>
+        </p:nvSpPr>
+        <p:spPr/>
+        <p:txBody>
+          <a:bodyPr>
+            <a:normAutofit fontScale="85000" lnSpcReduction="20000"/>
+          </a:bodyPr>
+          <a:lstStyle/>
+          <a:p>
+            <a:fld id="{6EDEC3BC-0694-4586-AE63-02B4D54ABF43}" type="slidenum">
+              <a:rPr lang="en-US" smtClean="0"/>
+              <a:pPr/>
+              <a:t>33</a:t>
             </a:fld>
             <a:endParaRPr lang="en-US"/>
           </a:p>

--- a/PPTs/02 Dependency Injection.pptx
+++ b/PPTs/02 Dependency Injection.pptx
@@ -5,7 +5,7 @@
     <p:sldMasterId id="2147483672" r:id="rId1"/>
   </p:sldMasterIdLst>
   <p:notesMasterIdLst>
-    <p:notesMasterId r:id="rId35"/>
+    <p:notesMasterId r:id="rId37"/>
   </p:notesMasterIdLst>
   <p:sldIdLst>
     <p:sldId id="256" r:id="rId2"/>
@@ -26,21 +26,23 @@
     <p:sldId id="267" r:id="rId17"/>
     <p:sldId id="272" r:id="rId18"/>
     <p:sldId id="269" r:id="rId19"/>
-    <p:sldId id="270" r:id="rId20"/>
-    <p:sldId id="273" r:id="rId21"/>
-    <p:sldId id="276" r:id="rId22"/>
-    <p:sldId id="277" r:id="rId23"/>
-    <p:sldId id="278" r:id="rId24"/>
-    <p:sldId id="279" r:id="rId25"/>
-    <p:sldId id="280" r:id="rId26"/>
-    <p:sldId id="281" r:id="rId27"/>
-    <p:sldId id="282" r:id="rId28"/>
-    <p:sldId id="285" r:id="rId29"/>
-    <p:sldId id="284" r:id="rId30"/>
-    <p:sldId id="286" r:id="rId31"/>
-    <p:sldId id="287" r:id="rId32"/>
-    <p:sldId id="289" r:id="rId33"/>
-    <p:sldId id="288" r:id="rId34"/>
+    <p:sldId id="290" r:id="rId20"/>
+    <p:sldId id="291" r:id="rId21"/>
+    <p:sldId id="270" r:id="rId22"/>
+    <p:sldId id="273" r:id="rId23"/>
+    <p:sldId id="276" r:id="rId24"/>
+    <p:sldId id="277" r:id="rId25"/>
+    <p:sldId id="278" r:id="rId26"/>
+    <p:sldId id="279" r:id="rId27"/>
+    <p:sldId id="280" r:id="rId28"/>
+    <p:sldId id="281" r:id="rId29"/>
+    <p:sldId id="282" r:id="rId30"/>
+    <p:sldId id="285" r:id="rId31"/>
+    <p:sldId id="284" r:id="rId32"/>
+    <p:sldId id="286" r:id="rId33"/>
+    <p:sldId id="287" r:id="rId34"/>
+    <p:sldId id="289" r:id="rId35"/>
+    <p:sldId id="288" r:id="rId36"/>
   </p:sldIdLst>
   <p:sldSz cx="9144000" cy="6858000" type="screen4x3"/>
   <p:notesSz cx="6858000" cy="9144000"/>
@@ -4360,7 +4362,7 @@
           <a:p>
             <a:r>
               <a:rPr lang="en-US" sz="1800" dirty="0"/>
-              <a:t>https://oricalvo.wordpress.com/</a:t>
+              <a:t>https://trainologic.com</a:t>
             </a:r>
           </a:p>
         </p:txBody>
@@ -10959,7 +10961,7 @@
           <a:p>
             <a:r>
               <a:rPr lang="en-US" dirty="0"/>
-              <a:t>Overriding</a:t>
+              <a:t>Components &amp; Injectors</a:t>
             </a:r>
             <a:endParaRPr lang="he-IL" dirty="0"/>
           </a:p>
@@ -11009,6 +11011,1300 @@
               <a:rPr lang="en-US" smtClean="0"/>
               <a:pPr/>
               <a:t>19</a:t>
+            </a:fld>
+            <a:endParaRPr lang="en-US"/>
+          </a:p>
+        </p:txBody>
+      </p:sp>
+      <p:sp>
+        <p:nvSpPr>
+          <p:cNvPr id="5" name="Content Placeholder 4"/>
+          <p:cNvSpPr>
+            <a:spLocks noGrp="1"/>
+          </p:cNvSpPr>
+          <p:nvPr>
+            <p:ph sz="quarter" idx="1"/>
+          </p:nvPr>
+        </p:nvSpPr>
+        <p:spPr/>
+        <p:txBody>
+          <a:bodyPr>
+            <a:normAutofit/>
+          </a:bodyPr>
+          <a:lstStyle/>
+          <a:p>
+            <a:r>
+              <a:rPr lang="en-US" dirty="0"/>
+              <a:t>Each component has its own injector</a:t>
+            </a:r>
+          </a:p>
+          <a:p>
+            <a:r>
+              <a:rPr lang="en-US" dirty="0"/>
+              <a:t>Each component can define new providers using</a:t>
+            </a:r>
+          </a:p>
+          <a:p>
+            <a:pPr lvl="1"/>
+            <a:r>
+              <a:rPr lang="en-US" dirty="0">
+                <a:solidFill>
+                  <a:srgbClr val="FF0000"/>
+                </a:solidFill>
+              </a:rPr>
+              <a:t>providers</a:t>
+            </a:r>
+          </a:p>
+          <a:p>
+            <a:pPr lvl="1"/>
+            <a:r>
+              <a:rPr lang="en-US" dirty="0" err="1">
+                <a:solidFill>
+                  <a:srgbClr val="FF0000"/>
+                </a:solidFill>
+              </a:rPr>
+              <a:t>viewProviders</a:t>
+            </a:r>
+            <a:endParaRPr lang="en-US" dirty="0">
+              <a:solidFill>
+                <a:srgbClr val="FF0000"/>
+              </a:solidFill>
+            </a:endParaRPr>
+          </a:p>
+          <a:p>
+            <a:r>
+              <a:rPr lang="en-US" dirty="0"/>
+              <a:t>A component “enjoy” all providers defined by itself and its parent (up until the root component)</a:t>
+            </a:r>
+          </a:p>
+          <a:p>
+            <a:r>
+              <a:rPr lang="en-US" dirty="0"/>
+              <a:t>So why do we need </a:t>
+            </a:r>
+            <a:r>
+              <a:rPr lang="en-US" dirty="0" err="1">
+                <a:solidFill>
+                  <a:srgbClr val="FF0000"/>
+                </a:solidFill>
+              </a:rPr>
+              <a:t>viewProviders</a:t>
+            </a:r>
+            <a:r>
+              <a:rPr lang="en-US" dirty="0"/>
+              <a:t> ?</a:t>
+            </a:r>
+            <a:endParaRPr lang="he-IL" dirty="0"/>
+          </a:p>
+        </p:txBody>
+      </p:sp>
+    </p:spTree>
+    <p:extLst>
+      <p:ext uri="{BB962C8B-B14F-4D97-AF65-F5344CB8AC3E}">
+        <p14:creationId xmlns:p14="http://schemas.microsoft.com/office/powerpoint/2010/main" val="668262404"/>
+      </p:ext>
+    </p:extLst>
+  </p:cSld>
+  <p:clrMapOvr>
+    <a:masterClrMapping/>
+  </p:clrMapOvr>
+</p:sld>
+</file>
+
+<file path=ppt/slides/slide2.xml><?xml version="1.0" encoding="utf-8"?>
+<p:sld xmlns:a="http://schemas.openxmlformats.org/drawingml/2006/main" xmlns:r="http://schemas.openxmlformats.org/officeDocument/2006/relationships" xmlns:p="http://schemas.openxmlformats.org/presentationml/2006/main">
+  <p:cSld>
+    <p:spTree>
+      <p:nvGrpSpPr>
+        <p:cNvPr id="1" name=""/>
+        <p:cNvGrpSpPr/>
+        <p:nvPr/>
+      </p:nvGrpSpPr>
+      <p:grpSpPr>
+        <a:xfrm>
+          <a:off x="0" y="0"/>
+          <a:ext cx="0" cy="0"/>
+          <a:chOff x="0" y="0"/>
+          <a:chExt cx="0" cy="0"/>
+        </a:xfrm>
+      </p:grpSpPr>
+      <p:sp>
+        <p:nvSpPr>
+          <p:cNvPr id="2" name="Title 1"/>
+          <p:cNvSpPr>
+            <a:spLocks noGrp="1"/>
+          </p:cNvSpPr>
+          <p:nvPr>
+            <p:ph type="title"/>
+          </p:nvPr>
+        </p:nvSpPr>
+        <p:spPr/>
+        <p:txBody>
+          <a:bodyPr/>
+          <a:lstStyle/>
+          <a:p>
+            <a:r>
+              <a:rPr lang="en-US" dirty="0"/>
+              <a:t>The Pattern</a:t>
+            </a:r>
+            <a:endParaRPr lang="he-IL" dirty="0"/>
+          </a:p>
+        </p:txBody>
+      </p:sp>
+      <p:sp>
+        <p:nvSpPr>
+          <p:cNvPr id="3" name="Footer Placeholder 2"/>
+          <p:cNvSpPr>
+            <a:spLocks noGrp="1"/>
+          </p:cNvSpPr>
+          <p:nvPr>
+            <p:ph type="ftr" sz="quarter" idx="11"/>
+          </p:nvPr>
+        </p:nvSpPr>
+        <p:spPr/>
+        <p:txBody>
+          <a:bodyPr/>
+          <a:lstStyle/>
+          <a:p>
+            <a:r>
+              <a:rPr lang="en-US"/>
+              <a:t>© 2016 Ori Calvo</a:t>
+            </a:r>
+            <a:endParaRPr lang="en-US" dirty="0"/>
+          </a:p>
+        </p:txBody>
+      </p:sp>
+      <p:sp>
+        <p:nvSpPr>
+          <p:cNvPr id="4" name="Slide Number Placeholder 3"/>
+          <p:cNvSpPr>
+            <a:spLocks noGrp="1"/>
+          </p:cNvSpPr>
+          <p:nvPr>
+            <p:ph type="sldNum" sz="quarter" idx="12"/>
+          </p:nvPr>
+        </p:nvSpPr>
+        <p:spPr/>
+        <p:txBody>
+          <a:bodyPr>
+            <a:normAutofit fontScale="85000" lnSpcReduction="20000"/>
+          </a:bodyPr>
+          <a:lstStyle/>
+          <a:p>
+            <a:fld id="{6EDEC3BC-0694-4586-AE63-02B4D54ABF43}" type="slidenum">
+              <a:rPr lang="en-US" smtClean="0"/>
+              <a:pPr/>
+              <a:t>2</a:t>
+            </a:fld>
+            <a:endParaRPr lang="en-US"/>
+          </a:p>
+        </p:txBody>
+      </p:sp>
+      <p:sp>
+        <p:nvSpPr>
+          <p:cNvPr id="5" name="Content Placeholder 4"/>
+          <p:cNvSpPr>
+            <a:spLocks noGrp="1"/>
+          </p:cNvSpPr>
+          <p:nvPr>
+            <p:ph sz="quarter" idx="1"/>
+          </p:nvPr>
+        </p:nvSpPr>
+        <p:spPr/>
+        <p:txBody>
+          <a:bodyPr/>
+          <a:lstStyle/>
+          <a:p>
+            <a:r>
+              <a:rPr lang="en-US" dirty="0"/>
+              <a:t>The client delegates the responsibility of providing its dependencies to external code (the injector)</a:t>
+            </a:r>
+          </a:p>
+          <a:p>
+            <a:r>
+              <a:rPr lang="en-US" dirty="0"/>
+              <a:t>The use of the new keyword or specific factory function is prohibited</a:t>
+            </a:r>
+          </a:p>
+          <a:p>
+            <a:r>
+              <a:rPr lang="en-US" dirty="0"/>
+              <a:t>Creates a more testable &amp; “</a:t>
+            </a:r>
+            <a:r>
+              <a:rPr lang="en-US" dirty="0" err="1"/>
+              <a:t>composable</a:t>
+            </a:r>
+            <a:r>
+              <a:rPr lang="en-US" dirty="0"/>
+              <a:t>” code</a:t>
+            </a:r>
+          </a:p>
+          <a:p>
+            <a:r>
+              <a:rPr lang="en-US" dirty="0"/>
+              <a:t>Usually harder to debug since there is a lot of “magic” behind the scene</a:t>
+            </a:r>
+          </a:p>
+          <a:p>
+            <a:endParaRPr lang="en-US" dirty="0"/>
+          </a:p>
+        </p:txBody>
+      </p:sp>
+    </p:spTree>
+    <p:extLst>
+      <p:ext uri="{BB962C8B-B14F-4D97-AF65-F5344CB8AC3E}">
+        <p14:creationId xmlns:p14="http://schemas.microsoft.com/office/powerpoint/2010/main" val="2208052341"/>
+      </p:ext>
+    </p:extLst>
+  </p:cSld>
+  <p:clrMapOvr>
+    <a:masterClrMapping/>
+  </p:clrMapOvr>
+</p:sld>
+</file>
+
+<file path=ppt/slides/slide20.xml><?xml version="1.0" encoding="utf-8"?>
+<p:sld xmlns:a="http://schemas.openxmlformats.org/drawingml/2006/main" xmlns:r="http://schemas.openxmlformats.org/officeDocument/2006/relationships" xmlns:p="http://schemas.openxmlformats.org/presentationml/2006/main">
+  <p:cSld>
+    <p:spTree>
+      <p:nvGrpSpPr>
+        <p:cNvPr id="1" name=""/>
+        <p:cNvGrpSpPr/>
+        <p:nvPr/>
+      </p:nvGrpSpPr>
+      <p:grpSpPr>
+        <a:xfrm>
+          <a:off x="0" y="0"/>
+          <a:ext cx="0" cy="0"/>
+          <a:chOff x="0" y="0"/>
+          <a:chExt cx="0" cy="0"/>
+        </a:xfrm>
+      </p:grpSpPr>
+      <p:sp>
+        <p:nvSpPr>
+          <p:cNvPr id="2" name="Title 1"/>
+          <p:cNvSpPr>
+            <a:spLocks noGrp="1"/>
+          </p:cNvSpPr>
+          <p:nvPr>
+            <p:ph type="title"/>
+          </p:nvPr>
+        </p:nvSpPr>
+        <p:spPr/>
+        <p:txBody>
+          <a:bodyPr/>
+          <a:lstStyle/>
+          <a:p>
+            <a:r>
+              <a:rPr lang="en-US" dirty="0"/>
+              <a:t>ng-content  </a:t>
+            </a:r>
+            <a:endParaRPr lang="he-IL" dirty="0"/>
+          </a:p>
+        </p:txBody>
+      </p:sp>
+      <p:sp>
+        <p:nvSpPr>
+          <p:cNvPr id="3" name="Footer Placeholder 2"/>
+          <p:cNvSpPr>
+            <a:spLocks noGrp="1"/>
+          </p:cNvSpPr>
+          <p:nvPr>
+            <p:ph type="ftr" sz="quarter" idx="11"/>
+          </p:nvPr>
+        </p:nvSpPr>
+        <p:spPr/>
+        <p:txBody>
+          <a:bodyPr/>
+          <a:lstStyle/>
+          <a:p>
+            <a:r>
+              <a:rPr lang="en-US"/>
+              <a:t>© 2016 Ori Calvo</a:t>
+            </a:r>
+            <a:endParaRPr lang="en-US" dirty="0"/>
+          </a:p>
+        </p:txBody>
+      </p:sp>
+      <p:sp>
+        <p:nvSpPr>
+          <p:cNvPr id="4" name="Slide Number Placeholder 3"/>
+          <p:cNvSpPr>
+            <a:spLocks noGrp="1"/>
+          </p:cNvSpPr>
+          <p:nvPr>
+            <p:ph type="sldNum" sz="quarter" idx="12"/>
+          </p:nvPr>
+        </p:nvSpPr>
+        <p:spPr/>
+        <p:txBody>
+          <a:bodyPr>
+            <a:normAutofit fontScale="85000" lnSpcReduction="20000"/>
+          </a:bodyPr>
+          <a:lstStyle/>
+          <a:p>
+            <a:fld id="{6EDEC3BC-0694-4586-AE63-02B4D54ABF43}" type="slidenum">
+              <a:rPr lang="en-US" smtClean="0"/>
+              <a:pPr/>
+              <a:t>20</a:t>
+            </a:fld>
+            <a:endParaRPr lang="en-US"/>
+          </a:p>
+        </p:txBody>
+      </p:sp>
+      <p:sp>
+        <p:nvSpPr>
+          <p:cNvPr id="5" name="Content Placeholder 4"/>
+          <p:cNvSpPr>
+            <a:spLocks noGrp="1"/>
+          </p:cNvSpPr>
+          <p:nvPr>
+            <p:ph sz="quarter" idx="1"/>
+          </p:nvPr>
+        </p:nvSpPr>
+        <p:spPr/>
+        <p:txBody>
+          <a:bodyPr>
+            <a:normAutofit/>
+          </a:bodyPr>
+          <a:lstStyle/>
+          <a:p>
+            <a:r>
+              <a:rPr lang="en-US" dirty="0"/>
+              <a:t>Consider below dialog component</a:t>
+            </a:r>
+          </a:p>
+          <a:p>
+            <a:endParaRPr lang="en-US" dirty="0"/>
+          </a:p>
+          <a:p>
+            <a:endParaRPr lang="en-US" dirty="0"/>
+          </a:p>
+          <a:p>
+            <a:endParaRPr lang="en-US" dirty="0"/>
+          </a:p>
+          <a:p>
+            <a:r>
+              <a:rPr lang="en-US" dirty="0"/>
+              <a:t>Should clock get access to providers defined by dialog ?</a:t>
+            </a:r>
+          </a:p>
+          <a:p>
+            <a:r>
+              <a:rPr lang="en-US" dirty="0"/>
+              <a:t>Dialog may use </a:t>
+            </a:r>
+            <a:r>
+              <a:rPr lang="en-US" dirty="0" err="1">
+                <a:solidFill>
+                  <a:srgbClr val="FF0000"/>
+                </a:solidFill>
+              </a:rPr>
+              <a:t>viewProviders</a:t>
+            </a:r>
+            <a:r>
+              <a:rPr lang="en-US" dirty="0"/>
+              <a:t> to publish services to its children only but not to clock</a:t>
+            </a:r>
+          </a:p>
+        </p:txBody>
+      </p:sp>
+      <p:sp>
+        <p:nvSpPr>
+          <p:cNvPr id="6" name="Rectangle 5"/>
+          <p:cNvSpPr/>
+          <p:nvPr/>
+        </p:nvSpPr>
+        <p:spPr>
+          <a:xfrm>
+            <a:off x="4283968" y="2208308"/>
+            <a:ext cx="3006080" cy="1384995"/>
+          </a:xfrm>
+          <a:prstGeom prst="rect">
+            <a:avLst/>
+          </a:prstGeom>
+        </p:spPr>
+        <p:txBody>
+          <a:bodyPr wrap="square">
+            <a:spAutoFit/>
+          </a:bodyPr>
+          <a:lstStyle/>
+          <a:p>
+            <a:r>
+              <a:rPr lang="en-US" sz="1200" dirty="0">
+                <a:solidFill>
+                  <a:srgbClr val="000000"/>
+                </a:solidFill>
+                <a:latin typeface="Calibri" panose="020F0502020204030204" pitchFamily="34" charset="0"/>
+                <a:ea typeface="Calibri" panose="020F0502020204030204" pitchFamily="34" charset="0"/>
+                <a:cs typeface="Arial" panose="020B0604020202020204" pitchFamily="34" charset="0"/>
+              </a:rPr>
+              <a:t>&lt;</a:t>
+            </a:r>
+            <a:r>
+              <a:rPr lang="en-US" sz="1200" b="1" dirty="0">
+                <a:solidFill>
+                  <a:srgbClr val="000080"/>
+                </a:solidFill>
+                <a:latin typeface="Calibri" panose="020F0502020204030204" pitchFamily="34" charset="0"/>
+                <a:ea typeface="Calibri" panose="020F0502020204030204" pitchFamily="34" charset="0"/>
+                <a:cs typeface="Arial" panose="020B0604020202020204" pitchFamily="34" charset="0"/>
+              </a:rPr>
+              <a:t>button </a:t>
+            </a:r>
+            <a:r>
+              <a:rPr lang="en-US" sz="1200" b="1" dirty="0">
+                <a:solidFill>
+                  <a:srgbClr val="0000FF"/>
+                </a:solidFill>
+                <a:latin typeface="Calibri" panose="020F0502020204030204" pitchFamily="34" charset="0"/>
+                <a:ea typeface="Calibri" panose="020F0502020204030204" pitchFamily="34" charset="0"/>
+                <a:cs typeface="Arial" panose="020B0604020202020204" pitchFamily="34" charset="0"/>
+              </a:rPr>
+              <a:t>(click)=</a:t>
+            </a:r>
+            <a:r>
+              <a:rPr lang="en-US" sz="1200" b="1" dirty="0">
+                <a:solidFill>
+                  <a:srgbClr val="008000"/>
+                </a:solidFill>
+                <a:latin typeface="Calibri" panose="020F0502020204030204" pitchFamily="34" charset="0"/>
+                <a:ea typeface="Calibri" panose="020F0502020204030204" pitchFamily="34" charset="0"/>
+                <a:cs typeface="Arial" panose="020B0604020202020204" pitchFamily="34" charset="0"/>
+              </a:rPr>
+              <a:t>"</a:t>
+            </a:r>
+            <a:r>
+              <a:rPr lang="en-US" sz="1200" b="1" dirty="0">
+                <a:solidFill>
+                  <a:srgbClr val="7A7A43"/>
+                </a:solidFill>
+                <a:latin typeface="Calibri" panose="020F0502020204030204" pitchFamily="34" charset="0"/>
+                <a:ea typeface="Calibri" panose="020F0502020204030204" pitchFamily="34" charset="0"/>
+                <a:cs typeface="Arial" panose="020B0604020202020204" pitchFamily="34" charset="0"/>
+              </a:rPr>
+              <a:t>about</a:t>
+            </a:r>
+            <a:r>
+              <a:rPr lang="en-US" sz="1200" b="1" dirty="0">
+                <a:solidFill>
+                  <a:srgbClr val="008000"/>
+                </a:solidFill>
+                <a:latin typeface="Calibri" panose="020F0502020204030204" pitchFamily="34" charset="0"/>
+                <a:ea typeface="Calibri" panose="020F0502020204030204" pitchFamily="34" charset="0"/>
+                <a:cs typeface="Arial" panose="020B0604020202020204" pitchFamily="34" charset="0"/>
+              </a:rPr>
+              <a:t>()"</a:t>
+            </a:r>
+            <a:r>
+              <a:rPr lang="en-US" sz="1200" dirty="0">
+                <a:solidFill>
+                  <a:srgbClr val="000000"/>
+                </a:solidFill>
+                <a:latin typeface="Calibri" panose="020F0502020204030204" pitchFamily="34" charset="0"/>
+                <a:ea typeface="Calibri" panose="020F0502020204030204" pitchFamily="34" charset="0"/>
+                <a:cs typeface="Arial" panose="020B0604020202020204" pitchFamily="34" charset="0"/>
+              </a:rPr>
+              <a:t>&gt;About&lt;/</a:t>
+            </a:r>
+            <a:r>
+              <a:rPr lang="en-US" sz="1200" b="1" dirty="0">
+                <a:solidFill>
+                  <a:srgbClr val="000080"/>
+                </a:solidFill>
+                <a:latin typeface="Calibri" panose="020F0502020204030204" pitchFamily="34" charset="0"/>
+                <a:ea typeface="Calibri" panose="020F0502020204030204" pitchFamily="34" charset="0"/>
+                <a:cs typeface="Arial" panose="020B0604020202020204" pitchFamily="34" charset="0"/>
+              </a:rPr>
+              <a:t>button</a:t>
+            </a:r>
+            <a:r>
+              <a:rPr lang="en-US" sz="1200" dirty="0">
+                <a:solidFill>
+                  <a:srgbClr val="000000"/>
+                </a:solidFill>
+                <a:latin typeface="Calibri" panose="020F0502020204030204" pitchFamily="34" charset="0"/>
+                <a:ea typeface="Calibri" panose="020F0502020204030204" pitchFamily="34" charset="0"/>
+                <a:cs typeface="Arial" panose="020B0604020202020204" pitchFamily="34" charset="0"/>
+              </a:rPr>
+              <a:t>&gt;</a:t>
+            </a:r>
+            <a:br>
+              <a:rPr lang="en-US" sz="1200" dirty="0">
+                <a:solidFill>
+                  <a:srgbClr val="000000"/>
+                </a:solidFill>
+                <a:latin typeface="Calibri" panose="020F0502020204030204" pitchFamily="34" charset="0"/>
+                <a:ea typeface="Calibri" panose="020F0502020204030204" pitchFamily="34" charset="0"/>
+                <a:cs typeface="Arial" panose="020B0604020202020204" pitchFamily="34" charset="0"/>
+              </a:rPr>
+            </a:br>
+            <a:br>
+              <a:rPr lang="en-US" sz="1200" dirty="0">
+                <a:solidFill>
+                  <a:srgbClr val="000000"/>
+                </a:solidFill>
+                <a:latin typeface="Calibri" panose="020F0502020204030204" pitchFamily="34" charset="0"/>
+                <a:ea typeface="Calibri" panose="020F0502020204030204" pitchFamily="34" charset="0"/>
+                <a:cs typeface="Arial" panose="020B0604020202020204" pitchFamily="34" charset="0"/>
+              </a:rPr>
+            </a:br>
+            <a:r>
+              <a:rPr lang="en-US" sz="1200" dirty="0">
+                <a:solidFill>
+                  <a:srgbClr val="000000"/>
+                </a:solidFill>
+                <a:latin typeface="Calibri" panose="020F0502020204030204" pitchFamily="34" charset="0"/>
+                <a:ea typeface="Calibri" panose="020F0502020204030204" pitchFamily="34" charset="0"/>
+                <a:cs typeface="Arial" panose="020B0604020202020204" pitchFamily="34" charset="0"/>
+              </a:rPr>
+              <a:t>&lt;</a:t>
+            </a:r>
+            <a:r>
+              <a:rPr lang="en-US" sz="1200" b="1" dirty="0">
+                <a:solidFill>
+                  <a:srgbClr val="000080"/>
+                </a:solidFill>
+                <a:latin typeface="Calibri" panose="020F0502020204030204" pitchFamily="34" charset="0"/>
+                <a:ea typeface="Calibri" panose="020F0502020204030204" pitchFamily="34" charset="0"/>
+                <a:cs typeface="Arial" panose="020B0604020202020204" pitchFamily="34" charset="0"/>
+              </a:rPr>
+              <a:t>my-dialog </a:t>
+            </a:r>
+            <a:r>
+              <a:rPr lang="en-US" sz="1200" b="1" dirty="0">
+                <a:solidFill>
+                  <a:srgbClr val="0000FF"/>
+                </a:solidFill>
+                <a:latin typeface="Calibri" panose="020F0502020204030204" pitchFamily="34" charset="0"/>
+                <a:ea typeface="Calibri" panose="020F0502020204030204" pitchFamily="34" charset="0"/>
+                <a:cs typeface="Arial" panose="020B0604020202020204" pitchFamily="34" charset="0"/>
+              </a:rPr>
+              <a:t>#dialog</a:t>
+            </a:r>
+            <a:r>
+              <a:rPr lang="en-US" sz="1200" dirty="0">
+                <a:solidFill>
+                  <a:srgbClr val="000000"/>
+                </a:solidFill>
+                <a:latin typeface="Calibri" panose="020F0502020204030204" pitchFamily="34" charset="0"/>
+                <a:ea typeface="Calibri" panose="020F0502020204030204" pitchFamily="34" charset="0"/>
+                <a:cs typeface="Arial" panose="020B0604020202020204" pitchFamily="34" charset="0"/>
+              </a:rPr>
+              <a:t>&gt;</a:t>
+            </a:r>
+            <a:br>
+              <a:rPr lang="en-US" sz="1200" dirty="0">
+                <a:solidFill>
+                  <a:srgbClr val="000000"/>
+                </a:solidFill>
+                <a:latin typeface="Calibri" panose="020F0502020204030204" pitchFamily="34" charset="0"/>
+                <a:ea typeface="Calibri" panose="020F0502020204030204" pitchFamily="34" charset="0"/>
+                <a:cs typeface="Arial" panose="020B0604020202020204" pitchFamily="34" charset="0"/>
+              </a:rPr>
+            </a:br>
+            <a:r>
+              <a:rPr lang="en-US" sz="1200" dirty="0">
+                <a:solidFill>
+                  <a:srgbClr val="000000"/>
+                </a:solidFill>
+                <a:latin typeface="Calibri" panose="020F0502020204030204" pitchFamily="34" charset="0"/>
+                <a:ea typeface="Calibri" panose="020F0502020204030204" pitchFamily="34" charset="0"/>
+                <a:cs typeface="Arial" panose="020B0604020202020204" pitchFamily="34" charset="0"/>
+              </a:rPr>
+              <a:t>    &lt;</a:t>
+            </a:r>
+            <a:r>
+              <a:rPr lang="en-US" sz="1200" b="1" dirty="0">
+                <a:solidFill>
+                  <a:srgbClr val="000080"/>
+                </a:solidFill>
+                <a:latin typeface="Calibri" panose="020F0502020204030204" pitchFamily="34" charset="0"/>
+                <a:ea typeface="Calibri" panose="020F0502020204030204" pitchFamily="34" charset="0"/>
+                <a:cs typeface="Arial" panose="020B0604020202020204" pitchFamily="34" charset="0"/>
+              </a:rPr>
+              <a:t>my-clock</a:t>
+            </a:r>
+            <a:r>
+              <a:rPr lang="en-US" sz="1200" dirty="0">
+                <a:solidFill>
+                  <a:srgbClr val="000000"/>
+                </a:solidFill>
+                <a:latin typeface="Calibri" panose="020F0502020204030204" pitchFamily="34" charset="0"/>
+                <a:ea typeface="Calibri" panose="020F0502020204030204" pitchFamily="34" charset="0"/>
+                <a:cs typeface="Arial" panose="020B0604020202020204" pitchFamily="34" charset="0"/>
+              </a:rPr>
+              <a:t>&gt;&lt;/</a:t>
+            </a:r>
+            <a:r>
+              <a:rPr lang="en-US" sz="1200" b="1" dirty="0">
+                <a:solidFill>
+                  <a:srgbClr val="000080"/>
+                </a:solidFill>
+                <a:latin typeface="Calibri" panose="020F0502020204030204" pitchFamily="34" charset="0"/>
+                <a:ea typeface="Calibri" panose="020F0502020204030204" pitchFamily="34" charset="0"/>
+                <a:cs typeface="Arial" panose="020B0604020202020204" pitchFamily="34" charset="0"/>
+              </a:rPr>
+              <a:t>my-clock</a:t>
+            </a:r>
+            <a:r>
+              <a:rPr lang="en-US" sz="1200" dirty="0">
+                <a:solidFill>
+                  <a:srgbClr val="000000"/>
+                </a:solidFill>
+                <a:latin typeface="Calibri" panose="020F0502020204030204" pitchFamily="34" charset="0"/>
+                <a:ea typeface="Calibri" panose="020F0502020204030204" pitchFamily="34" charset="0"/>
+                <a:cs typeface="Arial" panose="020B0604020202020204" pitchFamily="34" charset="0"/>
+              </a:rPr>
+              <a:t>&gt;</a:t>
+            </a:r>
+            <a:br>
+              <a:rPr lang="en-US" sz="1200" dirty="0">
+                <a:solidFill>
+                  <a:srgbClr val="000000"/>
+                </a:solidFill>
+                <a:latin typeface="Calibri" panose="020F0502020204030204" pitchFamily="34" charset="0"/>
+                <a:ea typeface="Calibri" panose="020F0502020204030204" pitchFamily="34" charset="0"/>
+                <a:cs typeface="Arial" panose="020B0604020202020204" pitchFamily="34" charset="0"/>
+              </a:rPr>
+            </a:br>
+            <a:br>
+              <a:rPr lang="en-US" sz="1200" dirty="0">
+                <a:solidFill>
+                  <a:srgbClr val="000000"/>
+                </a:solidFill>
+                <a:latin typeface="Calibri" panose="020F0502020204030204" pitchFamily="34" charset="0"/>
+                <a:ea typeface="Calibri" panose="020F0502020204030204" pitchFamily="34" charset="0"/>
+                <a:cs typeface="Arial" panose="020B0604020202020204" pitchFamily="34" charset="0"/>
+              </a:rPr>
+            </a:br>
+            <a:r>
+              <a:rPr lang="en-US" sz="1200" dirty="0">
+                <a:solidFill>
+                  <a:srgbClr val="000000"/>
+                </a:solidFill>
+                <a:latin typeface="Calibri" panose="020F0502020204030204" pitchFamily="34" charset="0"/>
+                <a:ea typeface="Calibri" panose="020F0502020204030204" pitchFamily="34" charset="0"/>
+                <a:cs typeface="Arial" panose="020B0604020202020204" pitchFamily="34" charset="0"/>
+              </a:rPr>
+              <a:t>    &lt;</a:t>
+            </a:r>
+            <a:r>
+              <a:rPr lang="en-US" sz="1200" b="1" dirty="0">
+                <a:solidFill>
+                  <a:srgbClr val="000080"/>
+                </a:solidFill>
+                <a:latin typeface="Calibri" panose="020F0502020204030204" pitchFamily="34" charset="0"/>
+                <a:ea typeface="Calibri" panose="020F0502020204030204" pitchFamily="34" charset="0"/>
+                <a:cs typeface="Arial" panose="020B0604020202020204" pitchFamily="34" charset="0"/>
+              </a:rPr>
+              <a:t>button</a:t>
+            </a:r>
+            <a:r>
+              <a:rPr lang="en-US" sz="1200" dirty="0">
+                <a:solidFill>
+                  <a:srgbClr val="000000"/>
+                </a:solidFill>
+                <a:latin typeface="Calibri" panose="020F0502020204030204" pitchFamily="34" charset="0"/>
+                <a:ea typeface="Calibri" panose="020F0502020204030204" pitchFamily="34" charset="0"/>
+                <a:cs typeface="Arial" panose="020B0604020202020204" pitchFamily="34" charset="0"/>
+              </a:rPr>
+              <a:t>&gt;Close&lt;/</a:t>
+            </a:r>
+            <a:r>
+              <a:rPr lang="en-US" sz="1200" b="1" dirty="0">
+                <a:solidFill>
+                  <a:srgbClr val="000080"/>
+                </a:solidFill>
+                <a:latin typeface="Calibri" panose="020F0502020204030204" pitchFamily="34" charset="0"/>
+                <a:ea typeface="Calibri" panose="020F0502020204030204" pitchFamily="34" charset="0"/>
+                <a:cs typeface="Arial" panose="020B0604020202020204" pitchFamily="34" charset="0"/>
+              </a:rPr>
+              <a:t>button</a:t>
+            </a:r>
+            <a:r>
+              <a:rPr lang="en-US" sz="1200" dirty="0">
+                <a:solidFill>
+                  <a:srgbClr val="000000"/>
+                </a:solidFill>
+                <a:latin typeface="Calibri" panose="020F0502020204030204" pitchFamily="34" charset="0"/>
+                <a:ea typeface="Calibri" panose="020F0502020204030204" pitchFamily="34" charset="0"/>
+                <a:cs typeface="Arial" panose="020B0604020202020204" pitchFamily="34" charset="0"/>
+              </a:rPr>
+              <a:t>&gt;</a:t>
+            </a:r>
+            <a:br>
+              <a:rPr lang="en-US" sz="1200" dirty="0">
+                <a:solidFill>
+                  <a:srgbClr val="000000"/>
+                </a:solidFill>
+                <a:latin typeface="Calibri" panose="020F0502020204030204" pitchFamily="34" charset="0"/>
+                <a:ea typeface="Calibri" panose="020F0502020204030204" pitchFamily="34" charset="0"/>
+                <a:cs typeface="Arial" panose="020B0604020202020204" pitchFamily="34" charset="0"/>
+              </a:rPr>
+            </a:br>
+            <a:r>
+              <a:rPr lang="en-US" sz="1200" dirty="0">
+                <a:solidFill>
+                  <a:srgbClr val="000000"/>
+                </a:solidFill>
+                <a:latin typeface="Calibri" panose="020F0502020204030204" pitchFamily="34" charset="0"/>
+                <a:ea typeface="Calibri" panose="020F0502020204030204" pitchFamily="34" charset="0"/>
+                <a:cs typeface="Arial" panose="020B0604020202020204" pitchFamily="34" charset="0"/>
+              </a:rPr>
+              <a:t>&lt;/</a:t>
+            </a:r>
+            <a:r>
+              <a:rPr lang="en-US" sz="1200" b="1" dirty="0">
+                <a:solidFill>
+                  <a:srgbClr val="000080"/>
+                </a:solidFill>
+                <a:latin typeface="Calibri" panose="020F0502020204030204" pitchFamily="34" charset="0"/>
+                <a:ea typeface="Calibri" panose="020F0502020204030204" pitchFamily="34" charset="0"/>
+                <a:cs typeface="Arial" panose="020B0604020202020204" pitchFamily="34" charset="0"/>
+              </a:rPr>
+              <a:t>my-dialog</a:t>
+            </a:r>
+            <a:r>
+              <a:rPr lang="en-US" sz="1200" dirty="0">
+                <a:solidFill>
+                  <a:srgbClr val="000000"/>
+                </a:solidFill>
+                <a:latin typeface="Calibri" panose="020F0502020204030204" pitchFamily="34" charset="0"/>
+                <a:ea typeface="Calibri" panose="020F0502020204030204" pitchFamily="34" charset="0"/>
+                <a:cs typeface="Arial" panose="020B0604020202020204" pitchFamily="34" charset="0"/>
+              </a:rPr>
+              <a:t>&gt;</a:t>
+            </a:r>
+            <a:endParaRPr lang="he-IL" sz="1200" dirty="0"/>
+          </a:p>
+        </p:txBody>
+      </p:sp>
+      <p:sp>
+        <p:nvSpPr>
+          <p:cNvPr id="7" name="Rectangle 6"/>
+          <p:cNvSpPr/>
+          <p:nvPr/>
+        </p:nvSpPr>
+        <p:spPr>
+          <a:xfrm>
+            <a:off x="1907704" y="2208308"/>
+            <a:ext cx="2273343" cy="1384995"/>
+          </a:xfrm>
+          <a:prstGeom prst="rect">
+            <a:avLst/>
+          </a:prstGeom>
+        </p:spPr>
+        <p:txBody>
+          <a:bodyPr wrap="square">
+            <a:spAutoFit/>
+          </a:bodyPr>
+          <a:lstStyle/>
+          <a:p>
+            <a:r>
+              <a:rPr lang="en-US" sz="1200" dirty="0">
+                <a:solidFill>
+                  <a:srgbClr val="000000"/>
+                </a:solidFill>
+                <a:latin typeface="Calibri" panose="020F0502020204030204" pitchFamily="34" charset="0"/>
+                <a:ea typeface="Calibri" panose="020F0502020204030204" pitchFamily="34" charset="0"/>
+                <a:cs typeface="Arial" panose="020B0604020202020204" pitchFamily="34" charset="0"/>
+              </a:rPr>
+              <a:t>&lt;</a:t>
+            </a:r>
+            <a:r>
+              <a:rPr lang="en-US" sz="1200" b="1" dirty="0">
+                <a:solidFill>
+                  <a:srgbClr val="000080"/>
+                </a:solidFill>
+                <a:latin typeface="Calibri" panose="020F0502020204030204" pitchFamily="34" charset="0"/>
+                <a:ea typeface="Calibri" panose="020F0502020204030204" pitchFamily="34" charset="0"/>
+                <a:cs typeface="Arial" panose="020B0604020202020204" pitchFamily="34" charset="0"/>
+              </a:rPr>
+              <a:t>div </a:t>
+            </a:r>
+            <a:r>
+              <a:rPr lang="en-US" sz="1200" b="1" dirty="0">
+                <a:solidFill>
+                  <a:srgbClr val="0000FF"/>
+                </a:solidFill>
+                <a:latin typeface="Calibri" panose="020F0502020204030204" pitchFamily="34" charset="0"/>
+                <a:ea typeface="Calibri" panose="020F0502020204030204" pitchFamily="34" charset="0"/>
+                <a:cs typeface="Arial" panose="020B0604020202020204" pitchFamily="34" charset="0"/>
+              </a:rPr>
+              <a:t>class=</a:t>
+            </a:r>
+            <a:r>
+              <a:rPr lang="en-US" sz="1200" b="1" dirty="0">
+                <a:solidFill>
+                  <a:srgbClr val="008000"/>
+                </a:solidFill>
+                <a:latin typeface="Calibri" panose="020F0502020204030204" pitchFamily="34" charset="0"/>
+                <a:ea typeface="Calibri" panose="020F0502020204030204" pitchFamily="34" charset="0"/>
+                <a:cs typeface="Arial" panose="020B0604020202020204" pitchFamily="34" charset="0"/>
+              </a:rPr>
+              <a:t>"title"</a:t>
+            </a:r>
+            <a:r>
+              <a:rPr lang="en-US" sz="1200" dirty="0">
+                <a:solidFill>
+                  <a:srgbClr val="000000"/>
+                </a:solidFill>
+                <a:latin typeface="Calibri" panose="020F0502020204030204" pitchFamily="34" charset="0"/>
+                <a:ea typeface="Calibri" panose="020F0502020204030204" pitchFamily="34" charset="0"/>
+                <a:cs typeface="Arial" panose="020B0604020202020204" pitchFamily="34" charset="0"/>
+              </a:rPr>
+              <a:t>&gt;</a:t>
+            </a:r>
+            <a:br>
+              <a:rPr lang="en-US" sz="1200" dirty="0">
+                <a:solidFill>
+                  <a:srgbClr val="000000"/>
+                </a:solidFill>
+                <a:latin typeface="Calibri" panose="020F0502020204030204" pitchFamily="34" charset="0"/>
+                <a:ea typeface="Calibri" panose="020F0502020204030204" pitchFamily="34" charset="0"/>
+                <a:cs typeface="Arial" panose="020B0604020202020204" pitchFamily="34" charset="0"/>
+              </a:rPr>
+            </a:br>
+            <a:r>
+              <a:rPr lang="en-US" sz="1200" dirty="0">
+                <a:solidFill>
+                  <a:srgbClr val="000000"/>
+                </a:solidFill>
+                <a:latin typeface="Calibri" panose="020F0502020204030204" pitchFamily="34" charset="0"/>
+                <a:ea typeface="Calibri" panose="020F0502020204030204" pitchFamily="34" charset="0"/>
+                <a:cs typeface="Arial" panose="020B0604020202020204" pitchFamily="34" charset="0"/>
+              </a:rPr>
+              <a:t>    Dialog</a:t>
+            </a:r>
+            <a:br>
+              <a:rPr lang="en-US" sz="1200" dirty="0">
+                <a:solidFill>
+                  <a:srgbClr val="000000"/>
+                </a:solidFill>
+                <a:latin typeface="Calibri" panose="020F0502020204030204" pitchFamily="34" charset="0"/>
+                <a:ea typeface="Calibri" panose="020F0502020204030204" pitchFamily="34" charset="0"/>
+                <a:cs typeface="Arial" panose="020B0604020202020204" pitchFamily="34" charset="0"/>
+              </a:rPr>
+            </a:br>
+            <a:r>
+              <a:rPr lang="en-US" sz="1200" dirty="0">
+                <a:solidFill>
+                  <a:srgbClr val="000000"/>
+                </a:solidFill>
+                <a:latin typeface="Calibri" panose="020F0502020204030204" pitchFamily="34" charset="0"/>
+                <a:ea typeface="Calibri" panose="020F0502020204030204" pitchFamily="34" charset="0"/>
+                <a:cs typeface="Arial" panose="020B0604020202020204" pitchFamily="34" charset="0"/>
+              </a:rPr>
+              <a:t>&lt;/</a:t>
+            </a:r>
+            <a:r>
+              <a:rPr lang="en-US" sz="1200" b="1" dirty="0">
+                <a:solidFill>
+                  <a:srgbClr val="000080"/>
+                </a:solidFill>
+                <a:latin typeface="Calibri" panose="020F0502020204030204" pitchFamily="34" charset="0"/>
+                <a:ea typeface="Calibri" panose="020F0502020204030204" pitchFamily="34" charset="0"/>
+                <a:cs typeface="Arial" panose="020B0604020202020204" pitchFamily="34" charset="0"/>
+              </a:rPr>
+              <a:t>div</a:t>
+            </a:r>
+            <a:r>
+              <a:rPr lang="en-US" sz="1200" dirty="0">
+                <a:solidFill>
+                  <a:srgbClr val="000000"/>
+                </a:solidFill>
+                <a:latin typeface="Calibri" panose="020F0502020204030204" pitchFamily="34" charset="0"/>
+                <a:ea typeface="Calibri" panose="020F0502020204030204" pitchFamily="34" charset="0"/>
+                <a:cs typeface="Arial" panose="020B0604020202020204" pitchFamily="34" charset="0"/>
+              </a:rPr>
+              <a:t>&gt;</a:t>
+            </a:r>
+            <a:br>
+              <a:rPr lang="en-US" sz="1200" dirty="0">
+                <a:solidFill>
+                  <a:srgbClr val="000000"/>
+                </a:solidFill>
+                <a:latin typeface="Calibri" panose="020F0502020204030204" pitchFamily="34" charset="0"/>
+                <a:ea typeface="Calibri" panose="020F0502020204030204" pitchFamily="34" charset="0"/>
+                <a:cs typeface="Arial" panose="020B0604020202020204" pitchFamily="34" charset="0"/>
+              </a:rPr>
+            </a:br>
+            <a:br>
+              <a:rPr lang="en-US" sz="1200" dirty="0">
+                <a:solidFill>
+                  <a:srgbClr val="000000"/>
+                </a:solidFill>
+                <a:latin typeface="Calibri" panose="020F0502020204030204" pitchFamily="34" charset="0"/>
+                <a:ea typeface="Calibri" panose="020F0502020204030204" pitchFamily="34" charset="0"/>
+                <a:cs typeface="Arial" panose="020B0604020202020204" pitchFamily="34" charset="0"/>
+              </a:rPr>
+            </a:br>
+            <a:r>
+              <a:rPr lang="en-US" sz="1200" dirty="0">
+                <a:solidFill>
+                  <a:srgbClr val="000000"/>
+                </a:solidFill>
+                <a:latin typeface="Calibri" panose="020F0502020204030204" pitchFamily="34" charset="0"/>
+                <a:ea typeface="Calibri" panose="020F0502020204030204" pitchFamily="34" charset="0"/>
+                <a:cs typeface="Arial" panose="020B0604020202020204" pitchFamily="34" charset="0"/>
+              </a:rPr>
+              <a:t>&lt;</a:t>
+            </a:r>
+            <a:r>
+              <a:rPr lang="en-US" sz="1200" b="1" dirty="0">
+                <a:solidFill>
+                  <a:srgbClr val="000080"/>
+                </a:solidFill>
+                <a:latin typeface="Calibri" panose="020F0502020204030204" pitchFamily="34" charset="0"/>
+                <a:ea typeface="Calibri" panose="020F0502020204030204" pitchFamily="34" charset="0"/>
+                <a:cs typeface="Arial" panose="020B0604020202020204" pitchFamily="34" charset="0"/>
+              </a:rPr>
+              <a:t>div </a:t>
+            </a:r>
+            <a:r>
+              <a:rPr lang="en-US" sz="1200" b="1" dirty="0">
+                <a:solidFill>
+                  <a:srgbClr val="0000FF"/>
+                </a:solidFill>
+                <a:latin typeface="Calibri" panose="020F0502020204030204" pitchFamily="34" charset="0"/>
+                <a:ea typeface="Calibri" panose="020F0502020204030204" pitchFamily="34" charset="0"/>
+                <a:cs typeface="Arial" panose="020B0604020202020204" pitchFamily="34" charset="0"/>
+              </a:rPr>
+              <a:t>class=</a:t>
+            </a:r>
+            <a:r>
+              <a:rPr lang="en-US" sz="1200" b="1" dirty="0">
+                <a:solidFill>
+                  <a:srgbClr val="008000"/>
+                </a:solidFill>
+                <a:latin typeface="Calibri" panose="020F0502020204030204" pitchFamily="34" charset="0"/>
+                <a:ea typeface="Calibri" panose="020F0502020204030204" pitchFamily="34" charset="0"/>
+                <a:cs typeface="Arial" panose="020B0604020202020204" pitchFamily="34" charset="0"/>
+              </a:rPr>
+              <a:t>"content"</a:t>
+            </a:r>
+            <a:r>
+              <a:rPr lang="en-US" sz="1200" dirty="0">
+                <a:solidFill>
+                  <a:srgbClr val="000000"/>
+                </a:solidFill>
+                <a:latin typeface="Calibri" panose="020F0502020204030204" pitchFamily="34" charset="0"/>
+                <a:ea typeface="Calibri" panose="020F0502020204030204" pitchFamily="34" charset="0"/>
+                <a:cs typeface="Arial" panose="020B0604020202020204" pitchFamily="34" charset="0"/>
+              </a:rPr>
+              <a:t>&gt;</a:t>
+            </a:r>
+            <a:br>
+              <a:rPr lang="en-US" sz="1200" dirty="0">
+                <a:solidFill>
+                  <a:srgbClr val="000000"/>
+                </a:solidFill>
+                <a:latin typeface="Calibri" panose="020F0502020204030204" pitchFamily="34" charset="0"/>
+                <a:ea typeface="Calibri" panose="020F0502020204030204" pitchFamily="34" charset="0"/>
+                <a:cs typeface="Arial" panose="020B0604020202020204" pitchFamily="34" charset="0"/>
+              </a:rPr>
+            </a:br>
+            <a:r>
+              <a:rPr lang="en-US" sz="1200" dirty="0">
+                <a:solidFill>
+                  <a:srgbClr val="000000"/>
+                </a:solidFill>
+                <a:latin typeface="Calibri" panose="020F0502020204030204" pitchFamily="34" charset="0"/>
+                <a:ea typeface="Calibri" panose="020F0502020204030204" pitchFamily="34" charset="0"/>
+                <a:cs typeface="Arial" panose="020B0604020202020204" pitchFamily="34" charset="0"/>
+              </a:rPr>
+              <a:t>    &lt;</a:t>
+            </a:r>
+            <a:r>
+              <a:rPr lang="en-US" sz="1200" b="1" dirty="0">
+                <a:solidFill>
+                  <a:srgbClr val="000080"/>
+                </a:solidFill>
+                <a:latin typeface="Calibri" panose="020F0502020204030204" pitchFamily="34" charset="0"/>
+                <a:ea typeface="Calibri" panose="020F0502020204030204" pitchFamily="34" charset="0"/>
+                <a:cs typeface="Arial" panose="020B0604020202020204" pitchFamily="34" charset="0"/>
+              </a:rPr>
+              <a:t>ng-content</a:t>
+            </a:r>
+            <a:r>
+              <a:rPr lang="en-US" sz="1200" dirty="0">
+                <a:solidFill>
+                  <a:srgbClr val="000000"/>
+                </a:solidFill>
+                <a:latin typeface="Calibri" panose="020F0502020204030204" pitchFamily="34" charset="0"/>
+                <a:ea typeface="Calibri" panose="020F0502020204030204" pitchFamily="34" charset="0"/>
+                <a:cs typeface="Arial" panose="020B0604020202020204" pitchFamily="34" charset="0"/>
+              </a:rPr>
+              <a:t>&gt;&lt;/</a:t>
+            </a:r>
+            <a:r>
+              <a:rPr lang="en-US" sz="1200" b="1" dirty="0">
+                <a:solidFill>
+                  <a:srgbClr val="000080"/>
+                </a:solidFill>
+                <a:latin typeface="Calibri" panose="020F0502020204030204" pitchFamily="34" charset="0"/>
+                <a:ea typeface="Calibri" panose="020F0502020204030204" pitchFamily="34" charset="0"/>
+                <a:cs typeface="Arial" panose="020B0604020202020204" pitchFamily="34" charset="0"/>
+              </a:rPr>
+              <a:t>ng-content</a:t>
+            </a:r>
+            <a:r>
+              <a:rPr lang="en-US" sz="1200" dirty="0">
+                <a:solidFill>
+                  <a:srgbClr val="000000"/>
+                </a:solidFill>
+                <a:latin typeface="Calibri" panose="020F0502020204030204" pitchFamily="34" charset="0"/>
+                <a:ea typeface="Calibri" panose="020F0502020204030204" pitchFamily="34" charset="0"/>
+                <a:cs typeface="Arial" panose="020B0604020202020204" pitchFamily="34" charset="0"/>
+              </a:rPr>
+              <a:t>&gt;</a:t>
+            </a:r>
+            <a:br>
+              <a:rPr lang="en-US" sz="1200" dirty="0">
+                <a:solidFill>
+                  <a:srgbClr val="000000"/>
+                </a:solidFill>
+                <a:latin typeface="Calibri" panose="020F0502020204030204" pitchFamily="34" charset="0"/>
+                <a:ea typeface="Calibri" panose="020F0502020204030204" pitchFamily="34" charset="0"/>
+                <a:cs typeface="Arial" panose="020B0604020202020204" pitchFamily="34" charset="0"/>
+              </a:rPr>
+            </a:br>
+            <a:r>
+              <a:rPr lang="en-US" sz="1200" dirty="0">
+                <a:solidFill>
+                  <a:srgbClr val="000000"/>
+                </a:solidFill>
+                <a:latin typeface="Calibri" panose="020F0502020204030204" pitchFamily="34" charset="0"/>
+                <a:ea typeface="Calibri" panose="020F0502020204030204" pitchFamily="34" charset="0"/>
+                <a:cs typeface="Arial" panose="020B0604020202020204" pitchFamily="34" charset="0"/>
+              </a:rPr>
+              <a:t>&lt;/</a:t>
+            </a:r>
+            <a:r>
+              <a:rPr lang="en-US" sz="1200" b="1" dirty="0">
+                <a:solidFill>
+                  <a:srgbClr val="000080"/>
+                </a:solidFill>
+                <a:latin typeface="Calibri" panose="020F0502020204030204" pitchFamily="34" charset="0"/>
+                <a:ea typeface="Calibri" panose="020F0502020204030204" pitchFamily="34" charset="0"/>
+                <a:cs typeface="Arial" panose="020B0604020202020204" pitchFamily="34" charset="0"/>
+              </a:rPr>
+              <a:t>div</a:t>
+            </a:r>
+            <a:r>
+              <a:rPr lang="en-US" sz="1200" dirty="0">
+                <a:solidFill>
+                  <a:srgbClr val="000000"/>
+                </a:solidFill>
+                <a:latin typeface="Calibri" panose="020F0502020204030204" pitchFamily="34" charset="0"/>
+                <a:ea typeface="Calibri" panose="020F0502020204030204" pitchFamily="34" charset="0"/>
+                <a:cs typeface="Arial" panose="020B0604020202020204" pitchFamily="34" charset="0"/>
+              </a:rPr>
+              <a:t>&gt;</a:t>
+            </a:r>
+            <a:endParaRPr lang="he-IL" sz="1200" dirty="0"/>
+          </a:p>
+        </p:txBody>
+      </p:sp>
+      <p:sp>
+        <p:nvSpPr>
+          <p:cNvPr id="8" name="Line Callout 2 6"/>
+          <p:cNvSpPr/>
+          <p:nvPr/>
+        </p:nvSpPr>
+        <p:spPr>
+          <a:xfrm>
+            <a:off x="266700" y="2420888"/>
+            <a:ext cx="1206224" cy="736727"/>
+          </a:xfrm>
+          <a:prstGeom prst="borderCallout2">
+            <a:avLst>
+              <a:gd name="adj1" fmla="val 27391"/>
+              <a:gd name="adj2" fmla="val 103938"/>
+              <a:gd name="adj3" fmla="val 46244"/>
+              <a:gd name="adj4" fmla="val 104240"/>
+              <a:gd name="adj5" fmla="val 61504"/>
+              <a:gd name="adj6" fmla="val 137274"/>
+            </a:avLst>
+          </a:prstGeom>
+        </p:spPr>
+        <p:style>
+          <a:lnRef idx="2">
+            <a:schemeClr val="accent1">
+              <a:shade val="50000"/>
+            </a:schemeClr>
+          </a:lnRef>
+          <a:fillRef idx="1">
+            <a:schemeClr val="accent1"/>
+          </a:fillRef>
+          <a:effectRef idx="0">
+            <a:schemeClr val="accent1"/>
+          </a:effectRef>
+          <a:fontRef idx="minor">
+            <a:schemeClr val="lt1"/>
+          </a:fontRef>
+        </p:style>
+        <p:txBody>
+          <a:bodyPr rtlCol="0" anchor="ctr"/>
+          <a:lstStyle/>
+          <a:p>
+            <a:pPr algn="ctr"/>
+            <a:r>
+              <a:rPr lang="en-US" sz="1400" dirty="0"/>
+              <a:t>Dialog template</a:t>
+            </a:r>
+          </a:p>
+        </p:txBody>
+      </p:sp>
+      <p:sp>
+        <p:nvSpPr>
+          <p:cNvPr id="9" name="Line Callout 2 6"/>
+          <p:cNvSpPr/>
+          <p:nvPr/>
+        </p:nvSpPr>
+        <p:spPr>
+          <a:xfrm>
+            <a:off x="7748800" y="1839944"/>
+            <a:ext cx="1206224" cy="736727"/>
+          </a:xfrm>
+          <a:prstGeom prst="borderCallout2">
+            <a:avLst>
+              <a:gd name="adj1" fmla="val 18750"/>
+              <a:gd name="adj2" fmla="val -8333"/>
+              <a:gd name="adj3" fmla="val 18750"/>
+              <a:gd name="adj4" fmla="val -16667"/>
+              <a:gd name="adj5" fmla="val 154984"/>
+              <a:gd name="adj6" fmla="val -88227"/>
+            </a:avLst>
+          </a:prstGeom>
+        </p:spPr>
+        <p:style>
+          <a:lnRef idx="2">
+            <a:schemeClr val="accent1">
+              <a:shade val="50000"/>
+            </a:schemeClr>
+          </a:lnRef>
+          <a:fillRef idx="1">
+            <a:schemeClr val="accent1"/>
+          </a:fillRef>
+          <a:effectRef idx="0">
+            <a:schemeClr val="accent1"/>
+          </a:effectRef>
+          <a:fontRef idx="minor">
+            <a:schemeClr val="lt1"/>
+          </a:fontRef>
+        </p:style>
+        <p:txBody>
+          <a:bodyPr rtlCol="0" anchor="ctr"/>
+          <a:lstStyle/>
+          <a:p>
+            <a:pPr algn="ctr"/>
+            <a:r>
+              <a:rPr lang="en-US" sz="1400" dirty="0"/>
+              <a:t>Using dialog inside other component</a:t>
+            </a:r>
+          </a:p>
+        </p:txBody>
+      </p:sp>
+    </p:spTree>
+    <p:extLst>
+      <p:ext uri="{BB962C8B-B14F-4D97-AF65-F5344CB8AC3E}">
+        <p14:creationId xmlns:p14="http://schemas.microsoft.com/office/powerpoint/2010/main" val="54661380"/>
+      </p:ext>
+    </p:extLst>
+  </p:cSld>
+  <p:clrMapOvr>
+    <a:masterClrMapping/>
+  </p:clrMapOvr>
+</p:sld>
+</file>
+
+<file path=ppt/slides/slide21.xml><?xml version="1.0" encoding="utf-8"?>
+<p:sld xmlns:a="http://schemas.openxmlformats.org/drawingml/2006/main" xmlns:r="http://schemas.openxmlformats.org/officeDocument/2006/relationships" xmlns:p="http://schemas.openxmlformats.org/presentationml/2006/main">
+  <p:cSld>
+    <p:spTree>
+      <p:nvGrpSpPr>
+        <p:cNvPr id="1" name=""/>
+        <p:cNvGrpSpPr/>
+        <p:nvPr/>
+      </p:nvGrpSpPr>
+      <p:grpSpPr>
+        <a:xfrm>
+          <a:off x="0" y="0"/>
+          <a:ext cx="0" cy="0"/>
+          <a:chOff x="0" y="0"/>
+          <a:chExt cx="0" cy="0"/>
+        </a:xfrm>
+      </p:grpSpPr>
+      <p:sp>
+        <p:nvSpPr>
+          <p:cNvPr id="2" name="Title 1"/>
+          <p:cNvSpPr>
+            <a:spLocks noGrp="1"/>
+          </p:cNvSpPr>
+          <p:nvPr>
+            <p:ph type="title"/>
+          </p:nvPr>
+        </p:nvSpPr>
+        <p:spPr/>
+        <p:txBody>
+          <a:bodyPr/>
+          <a:lstStyle/>
+          <a:p>
+            <a:r>
+              <a:rPr lang="en-US" dirty="0"/>
+              <a:t>Overriding</a:t>
+            </a:r>
+            <a:endParaRPr lang="he-IL" dirty="0"/>
+          </a:p>
+        </p:txBody>
+      </p:sp>
+      <p:sp>
+        <p:nvSpPr>
+          <p:cNvPr id="3" name="Footer Placeholder 2"/>
+          <p:cNvSpPr>
+            <a:spLocks noGrp="1"/>
+          </p:cNvSpPr>
+          <p:nvPr>
+            <p:ph type="ftr" sz="quarter" idx="11"/>
+          </p:nvPr>
+        </p:nvSpPr>
+        <p:spPr/>
+        <p:txBody>
+          <a:bodyPr/>
+          <a:lstStyle/>
+          <a:p>
+            <a:r>
+              <a:rPr lang="en-US"/>
+              <a:t>© 2016 Ori Calvo</a:t>
+            </a:r>
+            <a:endParaRPr lang="en-US" dirty="0"/>
+          </a:p>
+        </p:txBody>
+      </p:sp>
+      <p:sp>
+        <p:nvSpPr>
+          <p:cNvPr id="4" name="Slide Number Placeholder 3"/>
+          <p:cNvSpPr>
+            <a:spLocks noGrp="1"/>
+          </p:cNvSpPr>
+          <p:nvPr>
+            <p:ph type="sldNum" sz="quarter" idx="12"/>
+          </p:nvPr>
+        </p:nvSpPr>
+        <p:spPr/>
+        <p:txBody>
+          <a:bodyPr>
+            <a:normAutofit fontScale="85000" lnSpcReduction="20000"/>
+          </a:bodyPr>
+          <a:lstStyle/>
+          <a:p>
+            <a:fld id="{6EDEC3BC-0694-4586-AE63-02B4D54ABF43}" type="slidenum">
+              <a:rPr lang="en-US" smtClean="0"/>
+              <a:pPr/>
+              <a:t>21</a:t>
             </a:fld>
             <a:endParaRPr lang="en-US"/>
           </a:p>
@@ -11639,7 +12935,7 @@
 </p:sld>
 </file>
 
-<file path=ppt/slides/slide2.xml><?xml version="1.0" encoding="utf-8"?>
+<file path=ppt/slides/slide22.xml><?xml version="1.0" encoding="utf-8"?>
 <p:sld xmlns:a="http://schemas.openxmlformats.org/drawingml/2006/main" xmlns:r="http://schemas.openxmlformats.org/officeDocument/2006/relationships" xmlns:p="http://schemas.openxmlformats.org/presentationml/2006/main">
   <p:cSld>
     <p:spTree>
@@ -11673,7 +12969,7 @@
           <a:p>
             <a:r>
               <a:rPr lang="en-US" dirty="0"/>
-              <a:t>The Pattern</a:t>
+              <a:t>Aliasing</a:t>
             </a:r>
             <a:endParaRPr lang="he-IL" dirty="0"/>
           </a:p>
@@ -11722,160 +13018,7 @@
             <a:fld id="{6EDEC3BC-0694-4586-AE63-02B4D54ABF43}" type="slidenum">
               <a:rPr lang="en-US" smtClean="0"/>
               <a:pPr/>
-              <a:t>2</a:t>
-            </a:fld>
-            <a:endParaRPr lang="en-US"/>
-          </a:p>
-        </p:txBody>
-      </p:sp>
-      <p:sp>
-        <p:nvSpPr>
-          <p:cNvPr id="5" name="Content Placeholder 4"/>
-          <p:cNvSpPr>
-            <a:spLocks noGrp="1"/>
-          </p:cNvSpPr>
-          <p:nvPr>
-            <p:ph sz="quarter" idx="1"/>
-          </p:nvPr>
-        </p:nvSpPr>
-        <p:spPr/>
-        <p:txBody>
-          <a:bodyPr/>
-          <a:lstStyle/>
-          <a:p>
-            <a:r>
-              <a:rPr lang="en-US" dirty="0"/>
-              <a:t>The client delegates the responsibility of providing its dependencies to external code (the injector)</a:t>
-            </a:r>
-          </a:p>
-          <a:p>
-            <a:r>
-              <a:rPr lang="en-US" dirty="0"/>
-              <a:t>The use of the new keyword or specific factory function is prohibited</a:t>
-            </a:r>
-          </a:p>
-          <a:p>
-            <a:r>
-              <a:rPr lang="en-US" dirty="0"/>
-              <a:t>Creates a more testable &amp; “</a:t>
-            </a:r>
-            <a:r>
-              <a:rPr lang="en-US" dirty="0" err="1"/>
-              <a:t>composable</a:t>
-            </a:r>
-            <a:r>
-              <a:rPr lang="en-US" dirty="0"/>
-              <a:t>” code</a:t>
-            </a:r>
-          </a:p>
-          <a:p>
-            <a:r>
-              <a:rPr lang="en-US" dirty="0"/>
-              <a:t>Usually harder to debug since there a lot of “magic” behind the scene</a:t>
-            </a:r>
-          </a:p>
-          <a:p>
-            <a:endParaRPr lang="en-US" dirty="0"/>
-          </a:p>
-        </p:txBody>
-      </p:sp>
-    </p:spTree>
-    <p:extLst>
-      <p:ext uri="{BB962C8B-B14F-4D97-AF65-F5344CB8AC3E}">
-        <p14:creationId xmlns:p14="http://schemas.microsoft.com/office/powerpoint/2010/main" val="2208052341"/>
-      </p:ext>
-    </p:extLst>
-  </p:cSld>
-  <p:clrMapOvr>
-    <a:masterClrMapping/>
-  </p:clrMapOvr>
-</p:sld>
-</file>
-
-<file path=ppt/slides/slide20.xml><?xml version="1.0" encoding="utf-8"?>
-<p:sld xmlns:a="http://schemas.openxmlformats.org/drawingml/2006/main" xmlns:r="http://schemas.openxmlformats.org/officeDocument/2006/relationships" xmlns:p="http://schemas.openxmlformats.org/presentationml/2006/main">
-  <p:cSld>
-    <p:spTree>
-      <p:nvGrpSpPr>
-        <p:cNvPr id="1" name=""/>
-        <p:cNvGrpSpPr/>
-        <p:nvPr/>
-      </p:nvGrpSpPr>
-      <p:grpSpPr>
-        <a:xfrm>
-          <a:off x="0" y="0"/>
-          <a:ext cx="0" cy="0"/>
-          <a:chOff x="0" y="0"/>
-          <a:chExt cx="0" cy="0"/>
-        </a:xfrm>
-      </p:grpSpPr>
-      <p:sp>
-        <p:nvSpPr>
-          <p:cNvPr id="2" name="Title 1"/>
-          <p:cNvSpPr>
-            <a:spLocks noGrp="1"/>
-          </p:cNvSpPr>
-          <p:nvPr>
-            <p:ph type="title"/>
-          </p:nvPr>
-        </p:nvSpPr>
-        <p:spPr/>
-        <p:txBody>
-          <a:bodyPr/>
-          <a:lstStyle/>
-          <a:p>
-            <a:r>
-              <a:rPr lang="en-US" dirty="0"/>
-              <a:t>Aliasing</a:t>
-            </a:r>
-            <a:endParaRPr lang="he-IL" dirty="0"/>
-          </a:p>
-        </p:txBody>
-      </p:sp>
-      <p:sp>
-        <p:nvSpPr>
-          <p:cNvPr id="3" name="Footer Placeholder 2"/>
-          <p:cNvSpPr>
-            <a:spLocks noGrp="1"/>
-          </p:cNvSpPr>
-          <p:nvPr>
-            <p:ph type="ftr" sz="quarter" idx="11"/>
-          </p:nvPr>
-        </p:nvSpPr>
-        <p:spPr/>
-        <p:txBody>
-          <a:bodyPr/>
-          <a:lstStyle/>
-          <a:p>
-            <a:r>
-              <a:rPr lang="en-US"/>
-              <a:t>© 2016 Ori Calvo</a:t>
-            </a:r>
-            <a:endParaRPr lang="en-US" dirty="0"/>
-          </a:p>
-        </p:txBody>
-      </p:sp>
-      <p:sp>
-        <p:nvSpPr>
-          <p:cNvPr id="4" name="Slide Number Placeholder 3"/>
-          <p:cNvSpPr>
-            <a:spLocks noGrp="1"/>
-          </p:cNvSpPr>
-          <p:nvPr>
-            <p:ph type="sldNum" sz="quarter" idx="12"/>
-          </p:nvPr>
-        </p:nvSpPr>
-        <p:spPr/>
-        <p:txBody>
-          <a:bodyPr>
-            <a:normAutofit fontScale="85000" lnSpcReduction="20000"/>
-          </a:bodyPr>
-          <a:lstStyle/>
-          <a:p>
-            <a:fld id="{6EDEC3BC-0694-4586-AE63-02B4D54ABF43}" type="slidenum">
-              <a:rPr lang="en-US" smtClean="0"/>
-              <a:pPr/>
-              <a:t>20</a:t>
+              <a:t>22</a:t>
             </a:fld>
             <a:endParaRPr lang="en-US"/>
           </a:p>
@@ -12686,7 +13829,7 @@
 </p:sld>
 </file>
 
-<file path=ppt/slides/slide21.xml><?xml version="1.0" encoding="utf-8"?>
+<file path=ppt/slides/slide23.xml><?xml version="1.0" encoding="utf-8"?>
 <p:sld xmlns:a="http://schemas.openxmlformats.org/drawingml/2006/main" xmlns:r="http://schemas.openxmlformats.org/officeDocument/2006/relationships" xmlns:p="http://schemas.openxmlformats.org/presentationml/2006/main">
   <p:cSld>
     <p:spTree>
@@ -12769,7 +13912,7 @@
             <a:fld id="{6EDEC3BC-0694-4586-AE63-02B4D54ABF43}" type="slidenum">
               <a:rPr lang="en-US" smtClean="0"/>
               <a:pPr/>
-              <a:t>21</a:t>
+              <a:t>23</a:t>
             </a:fld>
             <a:endParaRPr lang="en-US"/>
           </a:p>
@@ -13509,7 +14652,7 @@
 </p:sld>
 </file>
 
-<file path=ppt/slides/slide22.xml><?xml version="1.0" encoding="utf-8"?>
+<file path=ppt/slides/slide24.xml><?xml version="1.0" encoding="utf-8"?>
 <p:sld xmlns:a="http://schemas.openxmlformats.org/drawingml/2006/main" xmlns:r="http://schemas.openxmlformats.org/officeDocument/2006/relationships" xmlns:p="http://schemas.openxmlformats.org/presentationml/2006/main">
   <p:cSld>
     <p:spTree>
@@ -13592,7 +14735,7 @@
             <a:fld id="{6EDEC3BC-0694-4586-AE63-02B4D54ABF43}" type="slidenum">
               <a:rPr lang="en-US" smtClean="0"/>
               <a:pPr/>
-              <a:t>22</a:t>
+              <a:t>24</a:t>
             </a:fld>
             <a:endParaRPr lang="en-US"/>
           </a:p>
@@ -14667,7 +15810,7 @@
 </p:sld>
 </file>
 
-<file path=ppt/slides/slide23.xml><?xml version="1.0" encoding="utf-8"?>
+<file path=ppt/slides/slide25.xml><?xml version="1.0" encoding="utf-8"?>
 <p:sld xmlns:a="http://schemas.openxmlformats.org/drawingml/2006/main" xmlns:r="http://schemas.openxmlformats.org/officeDocument/2006/relationships" xmlns:p="http://schemas.openxmlformats.org/presentationml/2006/main">
   <p:cSld>
     <p:spTree>
@@ -14750,7 +15893,7 @@
             <a:fld id="{6EDEC3BC-0694-4586-AE63-02B4D54ABF43}" type="slidenum">
               <a:rPr lang="en-US" smtClean="0"/>
               <a:pPr/>
-              <a:t>23</a:t>
+              <a:t>25</a:t>
             </a:fld>
             <a:endParaRPr lang="en-US"/>
           </a:p>
@@ -15495,7 +16638,7 @@
 </p:sld>
 </file>
 
-<file path=ppt/slides/slide24.xml><?xml version="1.0" encoding="utf-8"?>
+<file path=ppt/slides/slide26.xml><?xml version="1.0" encoding="utf-8"?>
 <p:sld xmlns:a="http://schemas.openxmlformats.org/drawingml/2006/main" xmlns:r="http://schemas.openxmlformats.org/officeDocument/2006/relationships" xmlns:p="http://schemas.openxmlformats.org/presentationml/2006/main">
   <p:cSld>
     <p:spTree>
@@ -15578,7 +16721,7 @@
             <a:fld id="{6EDEC3BC-0694-4586-AE63-02B4D54ABF43}" type="slidenum">
               <a:rPr lang="en-US" smtClean="0"/>
               <a:pPr/>
-              <a:t>24</a:t>
+              <a:t>26</a:t>
             </a:fld>
             <a:endParaRPr lang="en-US"/>
           </a:p>
@@ -16953,7 +18096,7 @@
 </p:sld>
 </file>
 
-<file path=ppt/slides/slide25.xml><?xml version="1.0" encoding="utf-8"?>
+<file path=ppt/slides/slide27.xml><?xml version="1.0" encoding="utf-8"?>
 <p:sld xmlns:a="http://schemas.openxmlformats.org/drawingml/2006/main" xmlns:r="http://schemas.openxmlformats.org/officeDocument/2006/relationships" xmlns:p="http://schemas.openxmlformats.org/presentationml/2006/main">
   <p:cSld>
     <p:spTree>
@@ -17036,7 +18179,7 @@
             <a:fld id="{6EDEC3BC-0694-4586-AE63-02B4D54ABF43}" type="slidenum">
               <a:rPr lang="en-US" smtClean="0"/>
               <a:pPr/>
-              <a:t>25</a:t>
+              <a:t>27</a:t>
             </a:fld>
             <a:endParaRPr lang="en-US"/>
           </a:p>
@@ -17721,7 +18864,7 @@
 </p:sld>
 </file>
 
-<file path=ppt/slides/slide26.xml><?xml version="1.0" encoding="utf-8"?>
+<file path=ppt/slides/slide28.xml><?xml version="1.0" encoding="utf-8"?>
 <p:sld xmlns:a="http://schemas.openxmlformats.org/drawingml/2006/main" xmlns:r="http://schemas.openxmlformats.org/officeDocument/2006/relationships" xmlns:p="http://schemas.openxmlformats.org/presentationml/2006/main">
   <p:cSld>
     <p:spTree>
@@ -17803,7 +18946,7 @@
             <a:fld id="{6EDEC3BC-0694-4586-AE63-02B4D54ABF43}" type="slidenum">
               <a:rPr lang="en-US" smtClean="0"/>
               <a:pPr/>
-              <a:t>26</a:t>
+              <a:t>28</a:t>
             </a:fld>
             <a:endParaRPr lang="en-US"/>
           </a:p>
@@ -18497,7 +19640,7 @@
 </p:sld>
 </file>
 
-<file path=ppt/slides/slide27.xml><?xml version="1.0" encoding="utf-8"?>
+<file path=ppt/slides/slide29.xml><?xml version="1.0" encoding="utf-8"?>
 <p:sld xmlns:a="http://schemas.openxmlformats.org/drawingml/2006/main" xmlns:r="http://schemas.openxmlformats.org/officeDocument/2006/relationships" xmlns:p="http://schemas.openxmlformats.org/presentationml/2006/main">
   <p:cSld>
     <p:spTree>
@@ -18580,7 +19723,7 @@
             <a:fld id="{6EDEC3BC-0694-4586-AE63-02B4D54ABF43}" type="slidenum">
               <a:rPr lang="en-US" smtClean="0"/>
               <a:pPr/>
-              <a:t>27</a:t>
+              <a:t>29</a:t>
             </a:fld>
             <a:endParaRPr lang="en-US"/>
           </a:p>
@@ -18660,7 +19803,7 @@
 </p:sld>
 </file>
 
-<file path=ppt/slides/slide28.xml><?xml version="1.0" encoding="utf-8"?>
+<file path=ppt/slides/slide3.xml><?xml version="1.0" encoding="utf-8"?>
 <p:sld xmlns:a="http://schemas.openxmlformats.org/drawingml/2006/main" xmlns:r="http://schemas.openxmlformats.org/officeDocument/2006/relationships" xmlns:p="http://schemas.openxmlformats.org/presentationml/2006/main">
   <p:cSld>
     <p:spTree>
@@ -18694,7 +19837,7 @@
           <a:p>
             <a:r>
               <a:rPr lang="en-US" dirty="0"/>
-              <a:t>Cyclic Dependency</a:t>
+              <a:t>Angular POV</a:t>
             </a:r>
             <a:endParaRPr lang="he-IL" dirty="0"/>
           </a:p>
@@ -18743,7 +19886,157 @@
             <a:fld id="{6EDEC3BC-0694-4586-AE63-02B4D54ABF43}" type="slidenum">
               <a:rPr lang="en-US" smtClean="0"/>
               <a:pPr/>
-              <a:t>28</a:t>
+              <a:t>3</a:t>
+            </a:fld>
+            <a:endParaRPr lang="en-US"/>
+          </a:p>
+        </p:txBody>
+      </p:sp>
+      <p:sp>
+        <p:nvSpPr>
+          <p:cNvPr id="5" name="Content Placeholder 4"/>
+          <p:cNvSpPr>
+            <a:spLocks noGrp="1"/>
+          </p:cNvSpPr>
+          <p:nvPr>
+            <p:ph sz="quarter" idx="1"/>
+          </p:nvPr>
+        </p:nvSpPr>
+        <p:spPr/>
+        <p:txBody>
+          <a:bodyPr/>
+          <a:lstStyle/>
+          <a:p>
+            <a:r>
+              <a:rPr lang="en-US" dirty="0"/>
+              <a:t>Application consists of components and services</a:t>
+            </a:r>
+          </a:p>
+          <a:p>
+            <a:r>
+              <a:rPr lang="en-US" dirty="0"/>
+              <a:t>A component should ask a reference to a service (A.K.A dependency)</a:t>
+            </a:r>
+          </a:p>
+          <a:p>
+            <a:r>
+              <a:rPr lang="en-US" dirty="0"/>
+              <a:t>Angular’s injector is responsible for resolving all dependencies upon creation of the component</a:t>
+            </a:r>
+          </a:p>
+          <a:p>
+            <a:r>
+              <a:rPr lang="en-US" dirty="0"/>
+              <a:t>Unlike Angular1 there are many injectors at runtime</a:t>
+            </a:r>
+          </a:p>
+          <a:p>
+            <a:pPr lvl="1"/>
+            <a:r>
+              <a:rPr lang="en-US" dirty="0"/>
+              <a:t>A.K.A hierarchical injector</a:t>
+            </a:r>
+            <a:endParaRPr lang="he-IL" dirty="0"/>
+          </a:p>
+        </p:txBody>
+      </p:sp>
+    </p:spTree>
+    <p:extLst>
+      <p:ext uri="{BB962C8B-B14F-4D97-AF65-F5344CB8AC3E}">
+        <p14:creationId xmlns:p14="http://schemas.microsoft.com/office/powerpoint/2010/main" val="3057580341"/>
+      </p:ext>
+    </p:extLst>
+  </p:cSld>
+  <p:clrMapOvr>
+    <a:masterClrMapping/>
+  </p:clrMapOvr>
+</p:sld>
+</file>
+
+<file path=ppt/slides/slide30.xml><?xml version="1.0" encoding="utf-8"?>
+<p:sld xmlns:a="http://schemas.openxmlformats.org/drawingml/2006/main" xmlns:r="http://schemas.openxmlformats.org/officeDocument/2006/relationships" xmlns:p="http://schemas.openxmlformats.org/presentationml/2006/main">
+  <p:cSld>
+    <p:spTree>
+      <p:nvGrpSpPr>
+        <p:cNvPr id="1" name=""/>
+        <p:cNvGrpSpPr/>
+        <p:nvPr/>
+      </p:nvGrpSpPr>
+      <p:grpSpPr>
+        <a:xfrm>
+          <a:off x="0" y="0"/>
+          <a:ext cx="0" cy="0"/>
+          <a:chOff x="0" y="0"/>
+          <a:chExt cx="0" cy="0"/>
+        </a:xfrm>
+      </p:grpSpPr>
+      <p:sp>
+        <p:nvSpPr>
+          <p:cNvPr id="2" name="Title 1"/>
+          <p:cNvSpPr>
+            <a:spLocks noGrp="1"/>
+          </p:cNvSpPr>
+          <p:nvPr>
+            <p:ph type="title"/>
+          </p:nvPr>
+        </p:nvSpPr>
+        <p:spPr/>
+        <p:txBody>
+          <a:bodyPr/>
+          <a:lstStyle/>
+          <a:p>
+            <a:r>
+              <a:rPr lang="en-US" dirty="0"/>
+              <a:t>Cyclic Dependency</a:t>
+            </a:r>
+            <a:endParaRPr lang="he-IL" dirty="0"/>
+          </a:p>
+        </p:txBody>
+      </p:sp>
+      <p:sp>
+        <p:nvSpPr>
+          <p:cNvPr id="3" name="Footer Placeholder 2"/>
+          <p:cNvSpPr>
+            <a:spLocks noGrp="1"/>
+          </p:cNvSpPr>
+          <p:nvPr>
+            <p:ph type="ftr" sz="quarter" idx="11"/>
+          </p:nvPr>
+        </p:nvSpPr>
+        <p:spPr/>
+        <p:txBody>
+          <a:bodyPr/>
+          <a:lstStyle/>
+          <a:p>
+            <a:r>
+              <a:rPr lang="en-US"/>
+              <a:t>© 2016 Ori Calvo</a:t>
+            </a:r>
+            <a:endParaRPr lang="en-US" dirty="0"/>
+          </a:p>
+        </p:txBody>
+      </p:sp>
+      <p:sp>
+        <p:nvSpPr>
+          <p:cNvPr id="4" name="Slide Number Placeholder 3"/>
+          <p:cNvSpPr>
+            <a:spLocks noGrp="1"/>
+          </p:cNvSpPr>
+          <p:nvPr>
+            <p:ph type="sldNum" sz="quarter" idx="12"/>
+          </p:nvPr>
+        </p:nvSpPr>
+        <p:spPr/>
+        <p:txBody>
+          <a:bodyPr>
+            <a:normAutofit fontScale="85000" lnSpcReduction="20000"/>
+          </a:bodyPr>
+          <a:lstStyle/>
+          <a:p>
+            <a:fld id="{6EDEC3BC-0694-4586-AE63-02B4D54ABF43}" type="slidenum">
+              <a:rPr lang="en-US" smtClean="0"/>
+              <a:pPr/>
+              <a:t>30</a:t>
             </a:fld>
             <a:endParaRPr lang="en-US"/>
           </a:p>
@@ -19488,7 +20781,7 @@
 </p:sld>
 </file>
 
-<file path=ppt/slides/slide29.xml><?xml version="1.0" encoding="utf-8"?>
+<file path=ppt/slides/slide31.xml><?xml version="1.0" encoding="utf-8"?>
 <p:sld xmlns:a="http://schemas.openxmlformats.org/drawingml/2006/main" xmlns:r="http://schemas.openxmlformats.org/officeDocument/2006/relationships" xmlns:p="http://schemas.openxmlformats.org/presentationml/2006/main">
   <p:cSld>
     <p:spTree>
@@ -19571,7 +20864,7 @@
             <a:fld id="{6EDEC3BC-0694-4586-AE63-02B4D54ABF43}" type="slidenum">
               <a:rPr lang="en-US" smtClean="0"/>
               <a:pPr/>
-              <a:t>29</a:t>
+              <a:t>31</a:t>
             </a:fld>
             <a:endParaRPr lang="en-US"/>
           </a:p>
@@ -19647,7 +20940,7 @@
 </p:sld>
 </file>
 
-<file path=ppt/slides/slide3.xml><?xml version="1.0" encoding="utf-8"?>
+<file path=ppt/slides/slide32.xml><?xml version="1.0" encoding="utf-8"?>
 <p:sld xmlns:a="http://schemas.openxmlformats.org/drawingml/2006/main" xmlns:r="http://schemas.openxmlformats.org/officeDocument/2006/relationships" xmlns:p="http://schemas.openxmlformats.org/presentationml/2006/main">
   <p:cSld>
     <p:spTree>
@@ -19681,7 +20974,7 @@
           <a:p>
             <a:r>
               <a:rPr lang="en-US" dirty="0"/>
-              <a:t>Angular POV</a:t>
+              <a:t>Resolving cyclic dependencies</a:t>
             </a:r>
             <a:endParaRPr lang="he-IL" dirty="0"/>
           </a:p>
@@ -19730,157 +21023,7 @@
             <a:fld id="{6EDEC3BC-0694-4586-AE63-02B4D54ABF43}" type="slidenum">
               <a:rPr lang="en-US" smtClean="0"/>
               <a:pPr/>
-              <a:t>3</a:t>
-            </a:fld>
-            <a:endParaRPr lang="en-US"/>
-          </a:p>
-        </p:txBody>
-      </p:sp>
-      <p:sp>
-        <p:nvSpPr>
-          <p:cNvPr id="5" name="Content Placeholder 4"/>
-          <p:cNvSpPr>
-            <a:spLocks noGrp="1"/>
-          </p:cNvSpPr>
-          <p:nvPr>
-            <p:ph sz="quarter" idx="1"/>
-          </p:nvPr>
-        </p:nvSpPr>
-        <p:spPr/>
-        <p:txBody>
-          <a:bodyPr/>
-          <a:lstStyle/>
-          <a:p>
-            <a:r>
-              <a:rPr lang="en-US" dirty="0"/>
-              <a:t>Application consists of components and services</a:t>
-            </a:r>
-          </a:p>
-          <a:p>
-            <a:r>
-              <a:rPr lang="en-US" dirty="0"/>
-              <a:t>A component should ask a reference to a service (A.K.A dependency)</a:t>
-            </a:r>
-          </a:p>
-          <a:p>
-            <a:r>
-              <a:rPr lang="en-US" dirty="0"/>
-              <a:t>Angular’s injector is responsible for resolving all dependencies upon creation of the component</a:t>
-            </a:r>
-          </a:p>
-          <a:p>
-            <a:r>
-              <a:rPr lang="en-US" dirty="0"/>
-              <a:t>Unlike Angular1 there are many injectors objects at runtime</a:t>
-            </a:r>
-          </a:p>
-          <a:p>
-            <a:pPr lvl="1"/>
-            <a:r>
-              <a:rPr lang="en-US" dirty="0"/>
-              <a:t>A.K.A hierarchical injector</a:t>
-            </a:r>
-            <a:endParaRPr lang="he-IL" dirty="0"/>
-          </a:p>
-        </p:txBody>
-      </p:sp>
-    </p:spTree>
-    <p:extLst>
-      <p:ext uri="{BB962C8B-B14F-4D97-AF65-F5344CB8AC3E}">
-        <p14:creationId xmlns:p14="http://schemas.microsoft.com/office/powerpoint/2010/main" val="3057580341"/>
-      </p:ext>
-    </p:extLst>
-  </p:cSld>
-  <p:clrMapOvr>
-    <a:masterClrMapping/>
-  </p:clrMapOvr>
-</p:sld>
-</file>
-
-<file path=ppt/slides/slide30.xml><?xml version="1.0" encoding="utf-8"?>
-<p:sld xmlns:a="http://schemas.openxmlformats.org/drawingml/2006/main" xmlns:r="http://schemas.openxmlformats.org/officeDocument/2006/relationships" xmlns:p="http://schemas.openxmlformats.org/presentationml/2006/main">
-  <p:cSld>
-    <p:spTree>
-      <p:nvGrpSpPr>
-        <p:cNvPr id="1" name=""/>
-        <p:cNvGrpSpPr/>
-        <p:nvPr/>
-      </p:nvGrpSpPr>
-      <p:grpSpPr>
-        <a:xfrm>
-          <a:off x="0" y="0"/>
-          <a:ext cx="0" cy="0"/>
-          <a:chOff x="0" y="0"/>
-          <a:chExt cx="0" cy="0"/>
-        </a:xfrm>
-      </p:grpSpPr>
-      <p:sp>
-        <p:nvSpPr>
-          <p:cNvPr id="2" name="Title 1"/>
-          <p:cNvSpPr>
-            <a:spLocks noGrp="1"/>
-          </p:cNvSpPr>
-          <p:nvPr>
-            <p:ph type="title"/>
-          </p:nvPr>
-        </p:nvSpPr>
-        <p:spPr/>
-        <p:txBody>
-          <a:bodyPr/>
-          <a:lstStyle/>
-          <a:p>
-            <a:r>
-              <a:rPr lang="en-US" dirty="0"/>
-              <a:t>Resolving cyclic dependencies</a:t>
-            </a:r>
-            <a:endParaRPr lang="he-IL" dirty="0"/>
-          </a:p>
-        </p:txBody>
-      </p:sp>
-      <p:sp>
-        <p:nvSpPr>
-          <p:cNvPr id="3" name="Footer Placeholder 2"/>
-          <p:cNvSpPr>
-            <a:spLocks noGrp="1"/>
-          </p:cNvSpPr>
-          <p:nvPr>
-            <p:ph type="ftr" sz="quarter" idx="11"/>
-          </p:nvPr>
-        </p:nvSpPr>
-        <p:spPr/>
-        <p:txBody>
-          <a:bodyPr/>
-          <a:lstStyle/>
-          <a:p>
-            <a:r>
-              <a:rPr lang="en-US"/>
-              <a:t>© 2016 Ori Calvo</a:t>
-            </a:r>
-            <a:endParaRPr lang="en-US" dirty="0"/>
-          </a:p>
-        </p:txBody>
-      </p:sp>
-      <p:sp>
-        <p:nvSpPr>
-          <p:cNvPr id="4" name="Slide Number Placeholder 3"/>
-          <p:cNvSpPr>
-            <a:spLocks noGrp="1"/>
-          </p:cNvSpPr>
-          <p:nvPr>
-            <p:ph type="sldNum" sz="quarter" idx="12"/>
-          </p:nvPr>
-        </p:nvSpPr>
-        <p:spPr/>
-        <p:txBody>
-          <a:bodyPr>
-            <a:normAutofit fontScale="85000" lnSpcReduction="20000"/>
-          </a:bodyPr>
-          <a:lstStyle/>
-          <a:p>
-            <a:fld id="{6EDEC3BC-0694-4586-AE63-02B4D54ABF43}" type="slidenum">
-              <a:rPr lang="en-US" smtClean="0"/>
-              <a:pPr/>
-              <a:t>30</a:t>
+              <a:t>32</a:t>
             </a:fld>
             <a:endParaRPr lang="en-US"/>
           </a:p>
@@ -20774,7 +21917,7 @@
 </p:sld>
 </file>
 
-<file path=ppt/slides/slide31.xml><?xml version="1.0" encoding="utf-8"?>
+<file path=ppt/slides/slide33.xml><?xml version="1.0" encoding="utf-8"?>
 <p:sld xmlns:a="http://schemas.openxmlformats.org/drawingml/2006/main" xmlns:r="http://schemas.openxmlformats.org/officeDocument/2006/relationships" xmlns:p="http://schemas.openxmlformats.org/presentationml/2006/main">
   <p:cSld>
     <p:spTree>
@@ -20857,7 +22000,7 @@
             <a:fld id="{6EDEC3BC-0694-4586-AE63-02B4D54ABF43}" type="slidenum">
               <a:rPr lang="en-US" smtClean="0"/>
               <a:pPr/>
-              <a:t>31</a:t>
+              <a:t>33</a:t>
             </a:fld>
             <a:endParaRPr lang="en-US"/>
           </a:p>
@@ -21629,7 +22772,7 @@
 </p:sld>
 </file>
 
-<file path=ppt/slides/slide32.xml><?xml version="1.0" encoding="utf-8"?>
+<file path=ppt/slides/slide34.xml><?xml version="1.0" encoding="utf-8"?>
 <p:sld xmlns:a="http://schemas.openxmlformats.org/drawingml/2006/main" xmlns:r="http://schemas.openxmlformats.org/officeDocument/2006/relationships" xmlns:p="http://schemas.openxmlformats.org/presentationml/2006/main">
   <p:cSld>
     <p:spTree>
@@ -21716,7 +22859,7 @@
             <a:fld id="{6EDEC3BC-0694-4586-AE63-02B4D54ABF43}" type="slidenum">
               <a:rPr lang="en-US" smtClean="0"/>
               <a:pPr/>
-              <a:t>32</a:t>
+              <a:t>34</a:t>
             </a:fld>
             <a:endParaRPr lang="en-US"/>
           </a:p>
@@ -22640,7 +23783,7 @@
 </p:sld>
 </file>
 
-<file path=ppt/slides/slide33.xml><?xml version="1.0" encoding="utf-8"?>
+<file path=ppt/slides/slide35.xml><?xml version="1.0" encoding="utf-8"?>
 <p:sld xmlns:a="http://schemas.openxmlformats.org/drawingml/2006/main" xmlns:r="http://schemas.openxmlformats.org/officeDocument/2006/relationships" xmlns:p="http://schemas.openxmlformats.org/presentationml/2006/main">
   <p:cSld>
     <p:spTree>
@@ -22723,7 +23866,7 @@
             <a:fld id="{6EDEC3BC-0694-4586-AE63-02B4D54ABF43}" type="slidenum">
               <a:rPr lang="en-US" smtClean="0"/>
               <a:pPr/>
-              <a:t>33</a:t>
+              <a:t>35</a:t>
             </a:fld>
             <a:endParaRPr lang="en-US"/>
           </a:p>
@@ -24648,7 +25791,11 @@
               <a:t>Must be of type </a:t>
             </a:r>
             <a:r>
-              <a:rPr lang="en-US" dirty="0" err="1"/>
+              <a:rPr lang="en-US" dirty="0" err="1">
+                <a:solidFill>
+                  <a:srgbClr val="FF0000"/>
+                </a:solidFill>
+              </a:rPr>
               <a:t>InjectionToken</a:t>
             </a:r>
             <a:r>
@@ -24660,7 +25807,7 @@
             <a:pPr lvl="1"/>
             <a:r>
               <a:rPr lang="en-US" dirty="0"/>
-              <a:t>The usage of string is now deprecated</a:t>
+              <a:t>The usage of a string is now deprecated</a:t>
             </a:r>
           </a:p>
           <a:p>
@@ -25019,7 +26166,7 @@
         </p:nvSpPr>
         <p:spPr>
           <a:xfrm>
-            <a:off x="1331640" y="4581128"/>
+            <a:off x="2699792" y="3155285"/>
             <a:ext cx="5976664" cy="738664"/>
           </a:xfrm>
           <a:prstGeom prst="rect">
@@ -25188,7 +26335,7 @@
         </p:nvSpPr>
         <p:spPr>
           <a:xfrm>
-            <a:off x="3715762" y="3332222"/>
+            <a:off x="2699792" y="5622318"/>
             <a:ext cx="3943708" cy="307777"/>
           </a:xfrm>
           <a:prstGeom prst="rect">
@@ -25315,7 +26462,7 @@
         </p:nvSpPr>
         <p:spPr>
           <a:xfrm>
-            <a:off x="4689348" y="5877272"/>
+            <a:off x="6057500" y="4451429"/>
             <a:ext cx="982342" cy="547130"/>
           </a:xfrm>
           <a:prstGeom prst="borderCallout2">
@@ -25415,7 +26562,7 @@
         </p:nvSpPr>
         <p:spPr>
           <a:xfrm>
-            <a:off x="1763688" y="3453790"/>
+            <a:off x="747718" y="5743886"/>
             <a:ext cx="1152128" cy="733196"/>
           </a:xfrm>
           <a:prstGeom prst="borderCallout2">
@@ -25465,7 +26612,7 @@
         </p:nvSpPr>
         <p:spPr>
           <a:xfrm>
-            <a:off x="840469" y="5987356"/>
+            <a:off x="2208621" y="4561513"/>
             <a:ext cx="982342" cy="547130"/>
           </a:xfrm>
           <a:prstGeom prst="borderCallout2">
@@ -25553,8 +26700,8 @@
           <a:lstStyle/>
           <a:p>
             <a:r>
-              <a:rPr lang="en-US" dirty="0" err="1"/>
-              <a:t>ReflectiveInjector</a:t>
+              <a:rPr lang="en-US" dirty="0"/>
+              <a:t>Don’t get panic</a:t>
             </a:r>
             <a:endParaRPr lang="he-IL" dirty="0"/>
           </a:p>
@@ -25632,24 +26779,47 @@
           <a:p>
             <a:r>
               <a:rPr lang="en-US" dirty="0"/>
-              <a:t>Angular takes care of that and create injector(s) as part of </a:t>
-            </a:r>
-            <a:r>
-              <a:rPr lang="en-US" dirty="0" err="1"/>
-              <a:t>bootsrapping</a:t>
-            </a:r>
+              <a:t>Angular creates several injectors during application bootstrapping</a:t>
+            </a:r>
+          </a:p>
+          <a:p>
             <a:r>
               <a:rPr lang="en-US" dirty="0"/>
-              <a:t> process</a:t>
+              <a:t>The two most important</a:t>
             </a:r>
           </a:p>
           <a:p>
             <a:pPr lvl="1"/>
             <a:r>
+              <a:rPr lang="en-US" dirty="0" err="1">
+                <a:solidFill>
+                  <a:srgbClr val="FF0000"/>
+                </a:solidFill>
+              </a:rPr>
+              <a:t>PlatformRef</a:t>
+            </a:r>
+            <a:r>
               <a:rPr lang="en-US" dirty="0"/>
-              <a:t>We will discuss that later</a:t>
-            </a:r>
-            <a:endParaRPr lang="he-IL" dirty="0"/>
+              <a:t> – All providers related to the platform</a:t>
+            </a:r>
+          </a:p>
+          <a:p>
+            <a:pPr lvl="1"/>
+            <a:r>
+              <a:rPr lang="en-US" dirty="0" err="1">
+                <a:solidFill>
+                  <a:srgbClr val="FF0000"/>
+                </a:solidFill>
+              </a:rPr>
+              <a:t>NgModuleRef</a:t>
+            </a:r>
+            <a:r>
+              <a:rPr lang="en-US" dirty="0"/>
+              <a:t> – All providers defined by the application and sub modules</a:t>
+            </a:r>
+          </a:p>
+          <a:p>
+            <a:endParaRPr lang="en-US" dirty="0"/>
           </a:p>
         </p:txBody>
       </p:sp>

--- a/PPTs/02 Dependency Injection.pptx
+++ b/PPTs/02 Dependency Injection.pptx
@@ -42,7 +42,7 @@
     <p:sldId id="286" r:id="rId33"/>
     <p:sldId id="287" r:id="rId34"/>
     <p:sldId id="289" r:id="rId35"/>
-    <p:sldId id="288" r:id="rId36"/>
+    <p:sldId id="292" r:id="rId36"/>
   </p:sldIdLst>
   <p:sldSz cx="9144000" cy="6858000" type="screen4x3"/>
   <p:notesSz cx="6858000" cy="9144000"/>
@@ -247,7 +247,7 @@
             <a:fld id="{4991502B-FFA8-47B9-B4E5-980CA415BAFF}" type="datetimeFigureOut">
               <a:rPr lang="en-US" smtClean="0"/>
               <a:pPr/>
-              <a:t>5/2/2017</a:t>
+              <a:t>5/7/2017</a:t>
             </a:fld>
             <a:endParaRPr lang="en-US"/>
           </a:p>
@@ -23817,7 +23817,7 @@
           <a:p>
             <a:r>
               <a:rPr lang="en-US" dirty="0"/>
-              <a:t>Mixing </a:t>
+              <a:t>Summary</a:t>
             </a:r>
             <a:endParaRPr lang="he-IL" dirty="0"/>
           </a:p>
@@ -23887,14 +23887,40 @@
           <a:bodyPr/>
           <a:lstStyle/>
           <a:p>
-            <a:endParaRPr lang="he-IL"/>
+            <a:r>
+              <a:rPr lang="en-US" dirty="0"/>
+              <a:t>Angular offers its own DI mechanism</a:t>
+            </a:r>
+          </a:p>
+          <a:p>
+            <a:r>
+              <a:rPr lang="en-US" dirty="0"/>
+              <a:t>Quite “standard”</a:t>
+            </a:r>
+          </a:p>
+          <a:p>
+            <a:r>
+              <a:rPr lang="en-US" dirty="0"/>
+              <a:t>However, support the notion of child injector</a:t>
+            </a:r>
+          </a:p>
+          <a:p>
+            <a:r>
+              <a:rPr lang="en-US" dirty="0"/>
+              <a:t>Be prepared to handle cyclic </a:t>
+            </a:r>
+            <a:r>
+              <a:rPr lang="en-US"/>
+              <a:t>dependency errors</a:t>
+            </a:r>
+            <a:endParaRPr lang="he-IL" dirty="0"/>
           </a:p>
         </p:txBody>
       </p:sp>
     </p:spTree>
     <p:extLst>
       <p:ext uri="{BB962C8B-B14F-4D97-AF65-F5344CB8AC3E}">
-        <p14:creationId xmlns:p14="http://schemas.microsoft.com/office/powerpoint/2010/main" val="364256937"/>
+        <p14:creationId xmlns:p14="http://schemas.microsoft.com/office/powerpoint/2010/main" val="1154696767"/>
       </p:ext>
     </p:extLst>
   </p:cSld>
